--- a/Proyecto fin de Curso (Grupal)/Etapa1_investigación.pptx
+++ b/Proyecto fin de Curso (Grupal)/Etapa1_investigación.pptx
@@ -2,35 +2,36 @@
 <file path=ppt/presentation.xml><?xml version="1.0" encoding="utf-8"?>
 <p:presentation xmlns:a="http://schemas.openxmlformats.org/drawingml/2006/main" xmlns:r="http://schemas.openxmlformats.org/officeDocument/2006/relationships" xmlns:p="http://schemas.openxmlformats.org/presentationml/2006/main" saveSubsetFonts="1">
   <p:sldMasterIdLst>
-    <p:sldMasterId id="2147483689" r:id="rId1"/>
+    <p:sldMasterId id="2147483748" r:id="rId1"/>
   </p:sldMasterIdLst>
   <p:sldIdLst>
-    <p:sldId id="256" r:id="rId2"/>
-    <p:sldId id="257" r:id="rId3"/>
-    <p:sldId id="258" r:id="rId4"/>
-    <p:sldId id="259" r:id="rId5"/>
-    <p:sldId id="260" r:id="rId6"/>
-    <p:sldId id="262" r:id="rId7"/>
-    <p:sldId id="263" r:id="rId8"/>
-    <p:sldId id="264" r:id="rId9"/>
-    <p:sldId id="266" r:id="rId10"/>
-    <p:sldId id="267" r:id="rId11"/>
-    <p:sldId id="268" r:id="rId12"/>
-    <p:sldId id="269" r:id="rId13"/>
-    <p:sldId id="270" r:id="rId14"/>
-    <p:sldId id="271" r:id="rId15"/>
-    <p:sldId id="272" r:id="rId16"/>
-    <p:sldId id="273" r:id="rId17"/>
-    <p:sldId id="274" r:id="rId18"/>
-    <p:sldId id="275" r:id="rId19"/>
+    <p:sldId id="276" r:id="rId2"/>
+    <p:sldId id="256" r:id="rId3"/>
+    <p:sldId id="257" r:id="rId4"/>
+    <p:sldId id="258" r:id="rId5"/>
+    <p:sldId id="259" r:id="rId6"/>
+    <p:sldId id="260" r:id="rId7"/>
+    <p:sldId id="262" r:id="rId8"/>
+    <p:sldId id="263" r:id="rId9"/>
+    <p:sldId id="264" r:id="rId10"/>
+    <p:sldId id="266" r:id="rId11"/>
+    <p:sldId id="267" r:id="rId12"/>
+    <p:sldId id="268" r:id="rId13"/>
+    <p:sldId id="269" r:id="rId14"/>
+    <p:sldId id="270" r:id="rId15"/>
+    <p:sldId id="271" r:id="rId16"/>
+    <p:sldId id="272" r:id="rId17"/>
+    <p:sldId id="273" r:id="rId18"/>
+    <p:sldId id="274" r:id="rId19"/>
+    <p:sldId id="275" r:id="rId20"/>
   </p:sldIdLst>
   <p:sldSz cx="12192000" cy="6858000"/>
   <p:notesSz cx="6858000" cy="9144000"/>
   <p:defaultTextStyle>
     <a:defPPr>
-      <a:defRPr lang="es-PE"/>
+      <a:defRPr lang="en-US"/>
     </a:defPPr>
-    <a:lvl1pPr marL="0" algn="l" defTabSz="914400" rtl="0" eaLnBrk="1" latinLnBrk="0" hangingPunct="1">
+    <a:lvl1pPr marL="0" algn="l" defTabSz="457200" rtl="0" eaLnBrk="1" latinLnBrk="0" hangingPunct="1">
       <a:defRPr sz="1800" kern="1200">
         <a:solidFill>
           <a:schemeClr val="tx1"/>
@@ -40,7 +41,7 @@
         <a:cs typeface="+mn-cs"/>
       </a:defRPr>
     </a:lvl1pPr>
-    <a:lvl2pPr marL="457200" algn="l" defTabSz="914400" rtl="0" eaLnBrk="1" latinLnBrk="0" hangingPunct="1">
+    <a:lvl2pPr marL="457200" algn="l" defTabSz="457200" rtl="0" eaLnBrk="1" latinLnBrk="0" hangingPunct="1">
       <a:defRPr sz="1800" kern="1200">
         <a:solidFill>
           <a:schemeClr val="tx1"/>
@@ -50,7 +51,7 @@
         <a:cs typeface="+mn-cs"/>
       </a:defRPr>
     </a:lvl2pPr>
-    <a:lvl3pPr marL="914400" algn="l" defTabSz="914400" rtl="0" eaLnBrk="1" latinLnBrk="0" hangingPunct="1">
+    <a:lvl3pPr marL="914400" algn="l" defTabSz="457200" rtl="0" eaLnBrk="1" latinLnBrk="0" hangingPunct="1">
       <a:defRPr sz="1800" kern="1200">
         <a:solidFill>
           <a:schemeClr val="tx1"/>
@@ -60,7 +61,7 @@
         <a:cs typeface="+mn-cs"/>
       </a:defRPr>
     </a:lvl3pPr>
-    <a:lvl4pPr marL="1371600" algn="l" defTabSz="914400" rtl="0" eaLnBrk="1" latinLnBrk="0" hangingPunct="1">
+    <a:lvl4pPr marL="1371600" algn="l" defTabSz="457200" rtl="0" eaLnBrk="1" latinLnBrk="0" hangingPunct="1">
       <a:defRPr sz="1800" kern="1200">
         <a:solidFill>
           <a:schemeClr val="tx1"/>
@@ -70,7 +71,7 @@
         <a:cs typeface="+mn-cs"/>
       </a:defRPr>
     </a:lvl4pPr>
-    <a:lvl5pPr marL="1828800" algn="l" defTabSz="914400" rtl="0" eaLnBrk="1" latinLnBrk="0" hangingPunct="1">
+    <a:lvl5pPr marL="1828800" algn="l" defTabSz="457200" rtl="0" eaLnBrk="1" latinLnBrk="0" hangingPunct="1">
       <a:defRPr sz="1800" kern="1200">
         <a:solidFill>
           <a:schemeClr val="tx1"/>
@@ -80,7 +81,7 @@
         <a:cs typeface="+mn-cs"/>
       </a:defRPr>
     </a:lvl5pPr>
-    <a:lvl6pPr marL="2286000" algn="l" defTabSz="914400" rtl="0" eaLnBrk="1" latinLnBrk="0" hangingPunct="1">
+    <a:lvl6pPr marL="2286000" algn="l" defTabSz="457200" rtl="0" eaLnBrk="1" latinLnBrk="0" hangingPunct="1">
       <a:defRPr sz="1800" kern="1200">
         <a:solidFill>
           <a:schemeClr val="tx1"/>
@@ -90,7 +91,7 @@
         <a:cs typeface="+mn-cs"/>
       </a:defRPr>
     </a:lvl6pPr>
-    <a:lvl7pPr marL="2743200" algn="l" defTabSz="914400" rtl="0" eaLnBrk="1" latinLnBrk="0" hangingPunct="1">
+    <a:lvl7pPr marL="2743200" algn="l" defTabSz="457200" rtl="0" eaLnBrk="1" latinLnBrk="0" hangingPunct="1">
       <a:defRPr sz="1800" kern="1200">
         <a:solidFill>
           <a:schemeClr val="tx1"/>
@@ -100,7 +101,7 @@
         <a:cs typeface="+mn-cs"/>
       </a:defRPr>
     </a:lvl7pPr>
-    <a:lvl8pPr marL="3200400" algn="l" defTabSz="914400" rtl="0" eaLnBrk="1" latinLnBrk="0" hangingPunct="1">
+    <a:lvl8pPr marL="3200400" algn="l" defTabSz="457200" rtl="0" eaLnBrk="1" latinLnBrk="0" hangingPunct="1">
       <a:defRPr sz="1800" kern="1200">
         <a:solidFill>
           <a:schemeClr val="tx1"/>
@@ -110,7 +111,7 @@
         <a:cs typeface="+mn-cs"/>
       </a:defRPr>
     </a:lvl8pPr>
-    <a:lvl9pPr marL="3657600" algn="l" defTabSz="914400" rtl="0" eaLnBrk="1" latinLnBrk="0" hangingPunct="1">
+    <a:lvl9pPr marL="3657600" algn="l" defTabSz="457200" rtl="0" eaLnBrk="1" latinLnBrk="0" hangingPunct="1">
       <a:defRPr sz="1800" kern="1200">
         <a:solidFill>
           <a:schemeClr val="tx1"/>
@@ -130,8 +131,8 @@
 </file>
 
 <file path=ppt/slideLayouts/slideLayout1.xml><?xml version="1.0" encoding="utf-8"?>
-<p:sldLayout xmlns:a="http://schemas.openxmlformats.org/drawingml/2006/main" xmlns:r="http://schemas.openxmlformats.org/officeDocument/2006/relationships" xmlns:p="http://schemas.openxmlformats.org/presentationml/2006/main" type="title" preserve="1">
-  <p:cSld name="Diapositiva de título">
+<p:sldLayout xmlns:a="http://schemas.openxmlformats.org/drawingml/2006/main" xmlns:r="http://schemas.openxmlformats.org/officeDocument/2006/relationships" xmlns:p="http://schemas.openxmlformats.org/presentationml/2006/main" showMasterSp="0" type="title" preserve="1">
+  <p:cSld name="Title Slide">
     <p:spTree>
       <p:nvGrpSpPr>
         <p:cNvPr id="1" name=""/>
@@ -146,9 +147,539 @@
           <a:chExt cx="0" cy="0"/>
         </a:xfrm>
       </p:grpSpPr>
-      <p:sp>
-        <p:nvSpPr>
-          <p:cNvPr id="2" name="Título 1"/>
+      <p:grpSp>
+        <p:nvGrpSpPr>
+          <p:cNvPr id="7" name="Group 6"/>
+          <p:cNvGrpSpPr/>
+          <p:nvPr/>
+        </p:nvGrpSpPr>
+        <p:grpSpPr>
+          <a:xfrm>
+            <a:off x="0" y="-8467"/>
+            <a:ext cx="12192000" cy="6866467"/>
+            <a:chOff x="0" y="-8467"/>
+            <a:chExt cx="12192000" cy="6866467"/>
+          </a:xfrm>
+        </p:grpSpPr>
+        <p:cxnSp>
+          <p:nvCxnSpPr>
+            <p:cNvPr id="32" name="Straight Connector 31"/>
+            <p:cNvCxnSpPr/>
+            <p:nvPr/>
+          </p:nvCxnSpPr>
+          <p:spPr>
+            <a:xfrm>
+              <a:off x="9371012" y="0"/>
+              <a:ext cx="1219200" cy="6858000"/>
+            </a:xfrm>
+            <a:prstGeom prst="line">
+              <a:avLst/>
+            </a:prstGeom>
+            <a:ln w="9525">
+              <a:solidFill>
+                <a:schemeClr val="bg1">
+                  <a:lumMod val="75000"/>
+                </a:schemeClr>
+              </a:solidFill>
+            </a:ln>
+          </p:spPr>
+          <p:style>
+            <a:lnRef idx="2">
+              <a:schemeClr val="accent1"/>
+            </a:lnRef>
+            <a:fillRef idx="0">
+              <a:schemeClr val="accent1"/>
+            </a:fillRef>
+            <a:effectRef idx="1">
+              <a:schemeClr val="accent1"/>
+            </a:effectRef>
+            <a:fontRef idx="minor">
+              <a:schemeClr val="tx1"/>
+            </a:fontRef>
+          </p:style>
+        </p:cxnSp>
+        <p:cxnSp>
+          <p:nvCxnSpPr>
+            <p:cNvPr id="21" name="Straight Connector 20"/>
+            <p:cNvCxnSpPr/>
+            <p:nvPr/>
+          </p:nvCxnSpPr>
+          <p:spPr>
+            <a:xfrm flipH="1">
+              <a:off x="7425267" y="3681413"/>
+              <a:ext cx="4763558" cy="3176587"/>
+            </a:xfrm>
+            <a:prstGeom prst="line">
+              <a:avLst/>
+            </a:prstGeom>
+            <a:ln w="9525">
+              <a:solidFill>
+                <a:schemeClr val="bg1">
+                  <a:lumMod val="85000"/>
+                </a:schemeClr>
+              </a:solidFill>
+            </a:ln>
+          </p:spPr>
+          <p:style>
+            <a:lnRef idx="2">
+              <a:schemeClr val="accent1"/>
+            </a:lnRef>
+            <a:fillRef idx="0">
+              <a:schemeClr val="accent1"/>
+            </a:fillRef>
+            <a:effectRef idx="1">
+              <a:schemeClr val="accent1"/>
+            </a:effectRef>
+            <a:fontRef idx="minor">
+              <a:schemeClr val="tx1"/>
+            </a:fontRef>
+          </p:style>
+        </p:cxnSp>
+        <p:sp>
+          <p:nvSpPr>
+            <p:cNvPr id="24" name="Rectangle 23"/>
+            <p:cNvSpPr/>
+            <p:nvPr/>
+          </p:nvSpPr>
+          <p:spPr>
+            <a:xfrm>
+              <a:off x="9181476" y="-8467"/>
+              <a:ext cx="3007349" cy="6866467"/>
+            </a:xfrm>
+            <a:custGeom>
+              <a:avLst/>
+              <a:gdLst/>
+              <a:ahLst/>
+              <a:cxnLst/>
+              <a:rect l="l" t="t" r="r" b="b"/>
+              <a:pathLst>
+                <a:path w="3007349" h="6866467">
+                  <a:moveTo>
+                    <a:pt x="2045532" y="0"/>
+                  </a:moveTo>
+                  <a:lnTo>
+                    <a:pt x="3007349" y="0"/>
+                  </a:lnTo>
+                  <a:lnTo>
+                    <a:pt x="3007349" y="6866467"/>
+                  </a:lnTo>
+                  <a:lnTo>
+                    <a:pt x="0" y="6866467"/>
+                  </a:lnTo>
+                  <a:lnTo>
+                    <a:pt x="2045532" y="0"/>
+                  </a:lnTo>
+                  <a:close/>
+                </a:path>
+              </a:pathLst>
+            </a:custGeom>
+            <a:solidFill>
+              <a:schemeClr val="accent1">
+                <a:alpha val="30000"/>
+              </a:schemeClr>
+            </a:solidFill>
+            <a:ln>
+              <a:noFill/>
+            </a:ln>
+            <a:effectLst/>
+          </p:spPr>
+          <p:style>
+            <a:lnRef idx="1">
+              <a:schemeClr val="accent1"/>
+            </a:lnRef>
+            <a:fillRef idx="3">
+              <a:schemeClr val="accent1"/>
+            </a:fillRef>
+            <a:effectRef idx="2">
+              <a:schemeClr val="accent1"/>
+            </a:effectRef>
+            <a:fontRef idx="minor">
+              <a:schemeClr val="lt1"/>
+            </a:fontRef>
+          </p:style>
+        </p:sp>
+        <p:sp>
+          <p:nvSpPr>
+            <p:cNvPr id="26" name="Rectangle 25"/>
+            <p:cNvSpPr/>
+            <p:nvPr/>
+          </p:nvSpPr>
+          <p:spPr>
+            <a:xfrm>
+              <a:off x="9603442" y="-8467"/>
+              <a:ext cx="2588558" cy="6866467"/>
+            </a:xfrm>
+            <a:custGeom>
+              <a:avLst/>
+              <a:gdLst/>
+              <a:ahLst/>
+              <a:cxnLst/>
+              <a:rect l="l" t="t" r="r" b="b"/>
+              <a:pathLst>
+                <a:path w="2573311" h="6866467">
+                  <a:moveTo>
+                    <a:pt x="0" y="0"/>
+                  </a:moveTo>
+                  <a:lnTo>
+                    <a:pt x="2573311" y="0"/>
+                  </a:lnTo>
+                  <a:lnTo>
+                    <a:pt x="2573311" y="6866467"/>
+                  </a:lnTo>
+                  <a:lnTo>
+                    <a:pt x="1202336" y="6866467"/>
+                  </a:lnTo>
+                  <a:lnTo>
+                    <a:pt x="0" y="0"/>
+                  </a:lnTo>
+                  <a:close/>
+                </a:path>
+              </a:pathLst>
+            </a:custGeom>
+            <a:solidFill>
+              <a:schemeClr val="accent1">
+                <a:alpha val="20000"/>
+              </a:schemeClr>
+            </a:solidFill>
+            <a:ln>
+              <a:noFill/>
+            </a:ln>
+            <a:effectLst/>
+          </p:spPr>
+          <p:style>
+            <a:lnRef idx="1">
+              <a:schemeClr val="accent1"/>
+            </a:lnRef>
+            <a:fillRef idx="3">
+              <a:schemeClr val="accent1"/>
+            </a:fillRef>
+            <a:effectRef idx="2">
+              <a:schemeClr val="accent1"/>
+            </a:effectRef>
+            <a:fontRef idx="minor">
+              <a:schemeClr val="lt1"/>
+            </a:fontRef>
+          </p:style>
+        </p:sp>
+        <p:sp>
+          <p:nvSpPr>
+            <p:cNvPr id="27" name="Isosceles Triangle 26"/>
+            <p:cNvSpPr/>
+            <p:nvPr/>
+          </p:nvSpPr>
+          <p:spPr>
+            <a:xfrm>
+              <a:off x="8932333" y="3048000"/>
+              <a:ext cx="3259667" cy="3810000"/>
+            </a:xfrm>
+            <a:prstGeom prst="triangle">
+              <a:avLst>
+                <a:gd name="adj" fmla="val 100000"/>
+              </a:avLst>
+            </a:prstGeom>
+            <a:solidFill>
+              <a:schemeClr val="accent2">
+                <a:alpha val="72000"/>
+              </a:schemeClr>
+            </a:solidFill>
+            <a:ln>
+              <a:noFill/>
+            </a:ln>
+            <a:effectLst/>
+          </p:spPr>
+          <p:style>
+            <a:lnRef idx="1">
+              <a:schemeClr val="accent1"/>
+            </a:lnRef>
+            <a:fillRef idx="3">
+              <a:schemeClr val="accent1"/>
+            </a:fillRef>
+            <a:effectRef idx="2">
+              <a:schemeClr val="accent1"/>
+            </a:effectRef>
+            <a:fontRef idx="minor">
+              <a:schemeClr val="lt1"/>
+            </a:fontRef>
+          </p:style>
+        </p:sp>
+        <p:sp>
+          <p:nvSpPr>
+            <p:cNvPr id="28" name="Rectangle 27"/>
+            <p:cNvSpPr/>
+            <p:nvPr/>
+          </p:nvSpPr>
+          <p:spPr>
+            <a:xfrm>
+              <a:off x="9334500" y="-8467"/>
+              <a:ext cx="2854326" cy="6866467"/>
+            </a:xfrm>
+            <a:custGeom>
+              <a:avLst/>
+              <a:gdLst/>
+              <a:ahLst/>
+              <a:cxnLst/>
+              <a:rect l="l" t="t" r="r" b="b"/>
+              <a:pathLst>
+                <a:path w="2858013" h="6866467">
+                  <a:moveTo>
+                    <a:pt x="0" y="0"/>
+                  </a:moveTo>
+                  <a:lnTo>
+                    <a:pt x="2858013" y="0"/>
+                  </a:lnTo>
+                  <a:lnTo>
+                    <a:pt x="2858013" y="6866467"/>
+                  </a:lnTo>
+                  <a:lnTo>
+                    <a:pt x="2473942" y="6866467"/>
+                  </a:lnTo>
+                  <a:lnTo>
+                    <a:pt x="0" y="0"/>
+                  </a:lnTo>
+                  <a:close/>
+                </a:path>
+              </a:pathLst>
+            </a:custGeom>
+            <a:solidFill>
+              <a:schemeClr val="accent2">
+                <a:lumMod val="75000"/>
+                <a:alpha val="70000"/>
+              </a:schemeClr>
+            </a:solidFill>
+            <a:ln>
+              <a:noFill/>
+            </a:ln>
+            <a:effectLst/>
+          </p:spPr>
+          <p:style>
+            <a:lnRef idx="1">
+              <a:schemeClr val="accent1"/>
+            </a:lnRef>
+            <a:fillRef idx="3">
+              <a:schemeClr val="accent1"/>
+            </a:fillRef>
+            <a:effectRef idx="2">
+              <a:schemeClr val="accent1"/>
+            </a:effectRef>
+            <a:fontRef idx="minor">
+              <a:schemeClr val="lt1"/>
+            </a:fontRef>
+          </p:style>
+        </p:sp>
+        <p:sp>
+          <p:nvSpPr>
+            <p:cNvPr id="29" name="Rectangle 28"/>
+            <p:cNvSpPr/>
+            <p:nvPr/>
+          </p:nvSpPr>
+          <p:spPr>
+            <a:xfrm>
+              <a:off x="10898730" y="-8467"/>
+              <a:ext cx="1290094" cy="6866467"/>
+            </a:xfrm>
+            <a:custGeom>
+              <a:avLst/>
+              <a:gdLst/>
+              <a:ahLst/>
+              <a:cxnLst/>
+              <a:rect l="l" t="t" r="r" b="b"/>
+              <a:pathLst>
+                <a:path w="1290094" h="6858000">
+                  <a:moveTo>
+                    <a:pt x="1019735" y="0"/>
+                  </a:moveTo>
+                  <a:lnTo>
+                    <a:pt x="1290094" y="0"/>
+                  </a:lnTo>
+                  <a:lnTo>
+                    <a:pt x="1290094" y="6858000"/>
+                  </a:lnTo>
+                  <a:lnTo>
+                    <a:pt x="0" y="6858000"/>
+                  </a:lnTo>
+                  <a:lnTo>
+                    <a:pt x="1019735" y="0"/>
+                  </a:lnTo>
+                  <a:close/>
+                </a:path>
+              </a:pathLst>
+            </a:custGeom>
+            <a:solidFill>
+              <a:schemeClr val="accent1">
+                <a:lumMod val="60000"/>
+                <a:lumOff val="40000"/>
+                <a:alpha val="70000"/>
+              </a:schemeClr>
+            </a:solidFill>
+            <a:ln>
+              <a:noFill/>
+            </a:ln>
+            <a:effectLst/>
+          </p:spPr>
+          <p:style>
+            <a:lnRef idx="1">
+              <a:schemeClr val="accent1"/>
+            </a:lnRef>
+            <a:fillRef idx="3">
+              <a:schemeClr val="accent1"/>
+            </a:fillRef>
+            <a:effectRef idx="2">
+              <a:schemeClr val="accent1"/>
+            </a:effectRef>
+            <a:fontRef idx="minor">
+              <a:schemeClr val="lt1"/>
+            </a:fontRef>
+          </p:style>
+        </p:sp>
+        <p:sp>
+          <p:nvSpPr>
+            <p:cNvPr id="30" name="Rectangle 29"/>
+            <p:cNvSpPr/>
+            <p:nvPr/>
+          </p:nvSpPr>
+          <p:spPr>
+            <a:xfrm>
+              <a:off x="10938999" y="-8467"/>
+              <a:ext cx="1249825" cy="6866467"/>
+            </a:xfrm>
+            <a:custGeom>
+              <a:avLst/>
+              <a:gdLst/>
+              <a:ahLst/>
+              <a:cxnLst/>
+              <a:rect l="l" t="t" r="r" b="b"/>
+              <a:pathLst>
+                <a:path w="1249825" h="6858000">
+                  <a:moveTo>
+                    <a:pt x="0" y="0"/>
+                  </a:moveTo>
+                  <a:lnTo>
+                    <a:pt x="1249825" y="0"/>
+                  </a:lnTo>
+                  <a:lnTo>
+                    <a:pt x="1249825" y="6858000"/>
+                  </a:lnTo>
+                  <a:lnTo>
+                    <a:pt x="1109382" y="6858000"/>
+                  </a:lnTo>
+                  <a:lnTo>
+                    <a:pt x="0" y="0"/>
+                  </a:lnTo>
+                  <a:close/>
+                </a:path>
+              </a:pathLst>
+            </a:custGeom>
+            <a:solidFill>
+              <a:schemeClr val="accent1">
+                <a:alpha val="65000"/>
+              </a:schemeClr>
+            </a:solidFill>
+            <a:ln>
+              <a:noFill/>
+            </a:ln>
+            <a:effectLst/>
+          </p:spPr>
+          <p:style>
+            <a:lnRef idx="1">
+              <a:schemeClr val="accent1"/>
+            </a:lnRef>
+            <a:fillRef idx="3">
+              <a:schemeClr val="accent1"/>
+            </a:fillRef>
+            <a:effectRef idx="2">
+              <a:schemeClr val="accent1"/>
+            </a:effectRef>
+            <a:fontRef idx="minor">
+              <a:schemeClr val="lt1"/>
+            </a:fontRef>
+          </p:style>
+        </p:sp>
+        <p:sp>
+          <p:nvSpPr>
+            <p:cNvPr id="31" name="Isosceles Triangle 30"/>
+            <p:cNvSpPr/>
+            <p:nvPr/>
+          </p:nvSpPr>
+          <p:spPr>
+            <a:xfrm>
+              <a:off x="10371666" y="3589867"/>
+              <a:ext cx="1817159" cy="3268133"/>
+            </a:xfrm>
+            <a:prstGeom prst="triangle">
+              <a:avLst>
+                <a:gd name="adj" fmla="val 100000"/>
+              </a:avLst>
+            </a:prstGeom>
+            <a:solidFill>
+              <a:schemeClr val="accent1">
+                <a:alpha val="80000"/>
+              </a:schemeClr>
+            </a:solidFill>
+            <a:ln>
+              <a:noFill/>
+            </a:ln>
+            <a:effectLst/>
+          </p:spPr>
+          <p:style>
+            <a:lnRef idx="1">
+              <a:schemeClr val="accent1"/>
+            </a:lnRef>
+            <a:fillRef idx="3">
+              <a:schemeClr val="accent1"/>
+            </a:fillRef>
+            <a:effectRef idx="2">
+              <a:schemeClr val="accent1"/>
+            </a:effectRef>
+            <a:fontRef idx="minor">
+              <a:schemeClr val="lt1"/>
+            </a:fontRef>
+          </p:style>
+        </p:sp>
+        <p:sp>
+          <p:nvSpPr>
+            <p:cNvPr id="19" name="Isosceles Triangle 18"/>
+            <p:cNvSpPr/>
+            <p:nvPr/>
+          </p:nvSpPr>
+          <p:spPr>
+            <a:xfrm rot="10800000">
+              <a:off x="0" y="0"/>
+              <a:ext cx="842596" cy="5666154"/>
+            </a:xfrm>
+            <a:prstGeom prst="triangle">
+              <a:avLst>
+                <a:gd name="adj" fmla="val 100000"/>
+              </a:avLst>
+            </a:prstGeom>
+            <a:solidFill>
+              <a:schemeClr val="accent1">
+                <a:alpha val="85000"/>
+              </a:schemeClr>
+            </a:solidFill>
+            <a:ln>
+              <a:noFill/>
+            </a:ln>
+            <a:effectLst/>
+          </p:spPr>
+          <p:style>
+            <a:lnRef idx="1">
+              <a:schemeClr val="accent1"/>
+            </a:lnRef>
+            <a:fillRef idx="3">
+              <a:schemeClr val="accent1"/>
+            </a:fillRef>
+            <a:effectRef idx="2">
+              <a:schemeClr val="accent1"/>
+            </a:effectRef>
+            <a:fontRef idx="minor">
+              <a:schemeClr val="lt1"/>
+            </a:fontRef>
+          </p:style>
+        </p:sp>
+      </p:grpSp>
+      <p:sp>
+        <p:nvSpPr>
+          <p:cNvPr id="2" name="Title 1"/>
           <p:cNvSpPr>
             <a:spLocks noGrp="1"/>
           </p:cNvSpPr>
@@ -158,29 +689,35 @@
         </p:nvSpPr>
         <p:spPr>
           <a:xfrm>
-            <a:off x="1524000" y="1122363"/>
-            <a:ext cx="9144000" cy="2387600"/>
+            <a:off x="1507067" y="2404534"/>
+            <a:ext cx="7766936" cy="1646302"/>
           </a:xfrm>
         </p:spPr>
         <p:txBody>
-          <a:bodyPr anchor="b"/>
+          <a:bodyPr anchor="b">
+            <a:noAutofit/>
+          </a:bodyPr>
           <a:lstStyle>
-            <a:lvl1pPr algn="ctr">
-              <a:defRPr sz="6000"/>
+            <a:lvl1pPr algn="r">
+              <a:defRPr sz="5400">
+                <a:solidFill>
+                  <a:schemeClr val="accent1"/>
+                </a:solidFill>
+              </a:defRPr>
             </a:lvl1pPr>
           </a:lstStyle>
           <a:p>
             <a:r>
-              <a:rPr lang="es-ES" smtClean="0"/>
-              <a:t>Haga clic para modificar el estilo de título del patrón</a:t>
-            </a:r>
-            <a:endParaRPr lang="es-PE"/>
-          </a:p>
-        </p:txBody>
-      </p:sp>
-      <p:sp>
-        <p:nvSpPr>
-          <p:cNvPr id="3" name="Subtítulo 2"/>
+              <a:rPr lang="en-US"/>
+              <a:t>Click to edit Master title style</a:t>
+            </a:r>
+            <a:endParaRPr lang="en-US" dirty="0"/>
+          </a:p>
+        </p:txBody>
+      </p:sp>
+      <p:sp>
+        <p:nvSpPr>
+          <p:cNvPr id="3" name="Subtitle 2"/>
           <p:cNvSpPr>
             <a:spLocks noGrp="1"/>
           </p:cNvSpPr>
@@ -190,62 +727,117 @@
         </p:nvSpPr>
         <p:spPr>
           <a:xfrm>
-            <a:off x="1524000" y="3602038"/>
-            <a:ext cx="9144000" cy="1655762"/>
+            <a:off x="1507067" y="4050833"/>
+            <a:ext cx="7766936" cy="1096899"/>
           </a:xfrm>
         </p:spPr>
         <p:txBody>
-          <a:bodyPr/>
+          <a:bodyPr anchor="t"/>
           <a:lstStyle>
-            <a:lvl1pPr marL="0" indent="0" algn="ctr">
-              <a:buNone/>
-              <a:defRPr sz="2400"/>
+            <a:lvl1pPr marL="0" indent="0" algn="r">
+              <a:buNone/>
+              <a:defRPr>
+                <a:solidFill>
+                  <a:schemeClr val="tx1">
+                    <a:lumMod val="50000"/>
+                    <a:lumOff val="50000"/>
+                  </a:schemeClr>
+                </a:solidFill>
+              </a:defRPr>
             </a:lvl1pPr>
             <a:lvl2pPr marL="457200" indent="0" algn="ctr">
               <a:buNone/>
-              <a:defRPr sz="2000"/>
+              <a:defRPr>
+                <a:solidFill>
+                  <a:schemeClr val="tx1">
+                    <a:tint val="75000"/>
+                  </a:schemeClr>
+                </a:solidFill>
+              </a:defRPr>
             </a:lvl2pPr>
             <a:lvl3pPr marL="914400" indent="0" algn="ctr">
               <a:buNone/>
-              <a:defRPr sz="1800"/>
+              <a:defRPr>
+                <a:solidFill>
+                  <a:schemeClr val="tx1">
+                    <a:tint val="75000"/>
+                  </a:schemeClr>
+                </a:solidFill>
+              </a:defRPr>
             </a:lvl3pPr>
             <a:lvl4pPr marL="1371600" indent="0" algn="ctr">
               <a:buNone/>
-              <a:defRPr sz="1600"/>
+              <a:defRPr>
+                <a:solidFill>
+                  <a:schemeClr val="tx1">
+                    <a:tint val="75000"/>
+                  </a:schemeClr>
+                </a:solidFill>
+              </a:defRPr>
             </a:lvl4pPr>
             <a:lvl5pPr marL="1828800" indent="0" algn="ctr">
               <a:buNone/>
-              <a:defRPr sz="1600"/>
+              <a:defRPr>
+                <a:solidFill>
+                  <a:schemeClr val="tx1">
+                    <a:tint val="75000"/>
+                  </a:schemeClr>
+                </a:solidFill>
+              </a:defRPr>
             </a:lvl5pPr>
             <a:lvl6pPr marL="2286000" indent="0" algn="ctr">
               <a:buNone/>
-              <a:defRPr sz="1600"/>
+              <a:defRPr>
+                <a:solidFill>
+                  <a:schemeClr val="tx1">
+                    <a:tint val="75000"/>
+                  </a:schemeClr>
+                </a:solidFill>
+              </a:defRPr>
             </a:lvl6pPr>
             <a:lvl7pPr marL="2743200" indent="0" algn="ctr">
               <a:buNone/>
-              <a:defRPr sz="1600"/>
+              <a:defRPr>
+                <a:solidFill>
+                  <a:schemeClr val="tx1">
+                    <a:tint val="75000"/>
+                  </a:schemeClr>
+                </a:solidFill>
+              </a:defRPr>
             </a:lvl7pPr>
             <a:lvl8pPr marL="3200400" indent="0" algn="ctr">
               <a:buNone/>
-              <a:defRPr sz="1600"/>
+              <a:defRPr>
+                <a:solidFill>
+                  <a:schemeClr val="tx1">
+                    <a:tint val="75000"/>
+                  </a:schemeClr>
+                </a:solidFill>
+              </a:defRPr>
             </a:lvl8pPr>
             <a:lvl9pPr marL="3657600" indent="0" algn="ctr">
               <a:buNone/>
-              <a:defRPr sz="1600"/>
+              <a:defRPr>
+                <a:solidFill>
+                  <a:schemeClr val="tx1">
+                    <a:tint val="75000"/>
+                  </a:schemeClr>
+                </a:solidFill>
+              </a:defRPr>
             </a:lvl9pPr>
           </a:lstStyle>
           <a:p>
             <a:r>
-              <a:rPr lang="es-ES" smtClean="0"/>
-              <a:t>Haga clic para modificar el estilo de subtítulo del patrón</a:t>
-            </a:r>
-            <a:endParaRPr lang="es-PE"/>
-          </a:p>
-        </p:txBody>
-      </p:sp>
-      <p:sp>
-        <p:nvSpPr>
-          <p:cNvPr id="4" name="Marcador de fecha 3"/>
+              <a:rPr lang="en-US"/>
+              <a:t>Click to edit Master subtitle style</a:t>
+            </a:r>
+            <a:endParaRPr lang="en-US" dirty="0"/>
+          </a:p>
+        </p:txBody>
+      </p:sp>
+      <p:sp>
+        <p:nvSpPr>
+          <p:cNvPr id="4" name="Date Placeholder 3"/>
           <p:cNvSpPr>
             <a:spLocks noGrp="1"/>
           </p:cNvSpPr>
@@ -260,7 +852,7 @@
           <a:p>
             <a:fld id="{E21449DE-EB7C-49DB-8693-159B0964EAB0}" type="datetimeFigureOut">
               <a:rPr lang="es-PE" smtClean="0"/>
-              <a:t>07/07/2020</a:t>
+              <a:t>08/07/2020</a:t>
             </a:fld>
             <a:endParaRPr lang="es-PE"/>
           </a:p>
@@ -268,7 +860,7 @@
       </p:sp>
       <p:sp>
         <p:nvSpPr>
-          <p:cNvPr id="5" name="Marcador de pie de página 4"/>
+          <p:cNvPr id="5" name="Footer Placeholder 4"/>
           <p:cNvSpPr>
             <a:spLocks noGrp="1"/>
           </p:cNvSpPr>
@@ -287,7 +879,7 @@
       </p:sp>
       <p:sp>
         <p:nvSpPr>
-          <p:cNvPr id="6" name="Marcador de número de diapositiva 5"/>
+          <p:cNvPr id="6" name="Slide Number Placeholder 5"/>
           <p:cNvSpPr>
             <a:spLocks noGrp="1"/>
           </p:cNvSpPr>
@@ -311,7 +903,7 @@
     </p:spTree>
     <p:extLst>
       <p:ext uri="{BB962C8B-B14F-4D97-AF65-F5344CB8AC3E}">
-        <p14:creationId xmlns:p14="http://schemas.microsoft.com/office/powerpoint/2010/main" val="3851249404"/>
+        <p14:creationId xmlns:p14="http://schemas.microsoft.com/office/powerpoint/2010/main" val="2335934144"/>
       </p:ext>
     </p:extLst>
   </p:cSld>
@@ -322,8 +914,8 @@
 </file>
 
 <file path=ppt/slideLayouts/slideLayout10.xml><?xml version="1.0" encoding="utf-8"?>
-<p:sldLayout xmlns:a="http://schemas.openxmlformats.org/drawingml/2006/main" xmlns:r="http://schemas.openxmlformats.org/officeDocument/2006/relationships" xmlns:p="http://schemas.openxmlformats.org/presentationml/2006/main" type="vertTx" preserve="1">
-  <p:cSld name="Título y texto vertical">
+<p:sldLayout xmlns:a="http://schemas.openxmlformats.org/drawingml/2006/main" xmlns:r="http://schemas.openxmlformats.org/officeDocument/2006/relationships" xmlns:p="http://schemas.openxmlformats.org/presentationml/2006/main" preserve="1">
+  <p:cSld name="Title and Caption">
     <p:spTree>
       <p:nvGrpSpPr>
         <p:cNvPr id="1" name=""/>
@@ -340,12 +932,168 @@
       </p:grpSpPr>
       <p:sp>
         <p:nvSpPr>
-          <p:cNvPr id="2" name="Título 1"/>
+          <p:cNvPr id="2" name="Title 1"/>
           <p:cNvSpPr>
             <a:spLocks noGrp="1"/>
           </p:cNvSpPr>
           <p:nvPr>
             <p:ph type="title"/>
+          </p:nvPr>
+        </p:nvSpPr>
+        <p:spPr>
+          <a:xfrm>
+            <a:off x="677335" y="609600"/>
+            <a:ext cx="8596668" cy="3403600"/>
+          </a:xfrm>
+        </p:spPr>
+        <p:txBody>
+          <a:bodyPr anchor="ctr">
+            <a:normAutofit/>
+          </a:bodyPr>
+          <a:lstStyle>
+            <a:lvl1pPr algn="l">
+              <a:defRPr sz="4400" b="0" cap="none"/>
+            </a:lvl1pPr>
+          </a:lstStyle>
+          <a:p>
+            <a:r>
+              <a:rPr lang="en-US"/>
+              <a:t>Click to edit Master title style</a:t>
+            </a:r>
+            <a:endParaRPr lang="en-US" dirty="0"/>
+          </a:p>
+        </p:txBody>
+      </p:sp>
+      <p:sp>
+        <p:nvSpPr>
+          <p:cNvPr id="3" name="Text Placeholder 2"/>
+          <p:cNvSpPr>
+            <a:spLocks noGrp="1"/>
+          </p:cNvSpPr>
+          <p:nvPr>
+            <p:ph type="body" idx="1"/>
+          </p:nvPr>
+        </p:nvSpPr>
+        <p:spPr>
+          <a:xfrm>
+            <a:off x="677335" y="4470400"/>
+            <a:ext cx="8596668" cy="1570962"/>
+          </a:xfrm>
+        </p:spPr>
+        <p:txBody>
+          <a:bodyPr anchor="ctr">
+            <a:normAutofit/>
+          </a:bodyPr>
+          <a:lstStyle>
+            <a:lvl1pPr marL="0" indent="0" algn="l">
+              <a:buNone/>
+              <a:defRPr sz="1800">
+                <a:solidFill>
+                  <a:schemeClr val="tx1">
+                    <a:lumMod val="75000"/>
+                    <a:lumOff val="25000"/>
+                  </a:schemeClr>
+                </a:solidFill>
+              </a:defRPr>
+            </a:lvl1pPr>
+            <a:lvl2pPr marL="457200" indent="0">
+              <a:buNone/>
+              <a:defRPr sz="1800">
+                <a:solidFill>
+                  <a:schemeClr val="tx1">
+                    <a:tint val="75000"/>
+                  </a:schemeClr>
+                </a:solidFill>
+              </a:defRPr>
+            </a:lvl2pPr>
+            <a:lvl3pPr marL="914400" indent="0">
+              <a:buNone/>
+              <a:defRPr sz="1600">
+                <a:solidFill>
+                  <a:schemeClr val="tx1">
+                    <a:tint val="75000"/>
+                  </a:schemeClr>
+                </a:solidFill>
+              </a:defRPr>
+            </a:lvl3pPr>
+            <a:lvl4pPr marL="1371600" indent="0">
+              <a:buNone/>
+              <a:defRPr sz="1400">
+                <a:solidFill>
+                  <a:schemeClr val="tx1">
+                    <a:tint val="75000"/>
+                  </a:schemeClr>
+                </a:solidFill>
+              </a:defRPr>
+            </a:lvl4pPr>
+            <a:lvl5pPr marL="1828800" indent="0">
+              <a:buNone/>
+              <a:defRPr sz="1400">
+                <a:solidFill>
+                  <a:schemeClr val="tx1">
+                    <a:tint val="75000"/>
+                  </a:schemeClr>
+                </a:solidFill>
+              </a:defRPr>
+            </a:lvl5pPr>
+            <a:lvl6pPr marL="2286000" indent="0">
+              <a:buNone/>
+              <a:defRPr sz="1400">
+                <a:solidFill>
+                  <a:schemeClr val="tx1">
+                    <a:tint val="75000"/>
+                  </a:schemeClr>
+                </a:solidFill>
+              </a:defRPr>
+            </a:lvl6pPr>
+            <a:lvl7pPr marL="2743200" indent="0">
+              <a:buNone/>
+              <a:defRPr sz="1400">
+                <a:solidFill>
+                  <a:schemeClr val="tx1">
+                    <a:tint val="75000"/>
+                  </a:schemeClr>
+                </a:solidFill>
+              </a:defRPr>
+            </a:lvl7pPr>
+            <a:lvl8pPr marL="3200400" indent="0">
+              <a:buNone/>
+              <a:defRPr sz="1400">
+                <a:solidFill>
+                  <a:schemeClr val="tx1">
+                    <a:tint val="75000"/>
+                  </a:schemeClr>
+                </a:solidFill>
+              </a:defRPr>
+            </a:lvl8pPr>
+            <a:lvl9pPr marL="3657600" indent="0">
+              <a:buNone/>
+              <a:defRPr sz="1400">
+                <a:solidFill>
+                  <a:schemeClr val="tx1">
+                    <a:tint val="75000"/>
+                  </a:schemeClr>
+                </a:solidFill>
+              </a:defRPr>
+            </a:lvl9pPr>
+          </a:lstStyle>
+          <a:p>
+            <a:pPr lvl="0"/>
+            <a:r>
+              <a:rPr lang="en-US"/>
+              <a:t>Click to edit Master text styles</a:t>
+            </a:r>
+          </a:p>
+        </p:txBody>
+      </p:sp>
+      <p:sp>
+        <p:nvSpPr>
+          <p:cNvPr id="4" name="Date Placeholder 3"/>
+          <p:cNvSpPr>
+            <a:spLocks noGrp="1"/>
+          </p:cNvSpPr>
+          <p:nvPr>
+            <p:ph type="dt" sz="half" idx="10"/>
           </p:nvPr>
         </p:nvSpPr>
         <p:spPr/>
@@ -353,74 +1101,22 @@
           <a:bodyPr/>
           <a:lstStyle/>
           <a:p>
-            <a:r>
-              <a:rPr lang="es-ES" smtClean="0"/>
-              <a:t>Haga clic para modificar el estilo de título del patrón</a:t>
-            </a:r>
+            <a:fld id="{E21449DE-EB7C-49DB-8693-159B0964EAB0}" type="datetimeFigureOut">
+              <a:rPr lang="es-PE" smtClean="0"/>
+              <a:t>08/07/2020</a:t>
+            </a:fld>
             <a:endParaRPr lang="es-PE"/>
           </a:p>
         </p:txBody>
       </p:sp>
       <p:sp>
         <p:nvSpPr>
-          <p:cNvPr id="3" name="Marcador de texto vertical 2"/>
-          <p:cNvSpPr>
-            <a:spLocks noGrp="1"/>
-          </p:cNvSpPr>
-          <p:nvPr>
-            <p:ph type="body" orient="vert" idx="1"/>
-          </p:nvPr>
-        </p:nvSpPr>
-        <p:spPr/>
-        <p:txBody>
-          <a:bodyPr vert="eaVert"/>
-          <a:lstStyle/>
-          <a:p>
-            <a:pPr lvl="0"/>
-            <a:r>
-              <a:rPr lang="es-ES" smtClean="0"/>
-              <a:t>Haga clic para modificar el estilo de texto del patrón</a:t>
-            </a:r>
-          </a:p>
-          <a:p>
-            <a:pPr lvl="1"/>
-            <a:r>
-              <a:rPr lang="es-ES" smtClean="0"/>
-              <a:t>Segundo nivel</a:t>
-            </a:r>
-          </a:p>
-          <a:p>
-            <a:pPr lvl="2"/>
-            <a:r>
-              <a:rPr lang="es-ES" smtClean="0"/>
-              <a:t>Tercer nivel</a:t>
-            </a:r>
-          </a:p>
-          <a:p>
-            <a:pPr lvl="3"/>
-            <a:r>
-              <a:rPr lang="es-ES" smtClean="0"/>
-              <a:t>Cuarto nivel</a:t>
-            </a:r>
-          </a:p>
-          <a:p>
-            <a:pPr lvl="4"/>
-            <a:r>
-              <a:rPr lang="es-ES" smtClean="0"/>
-              <a:t>Quinto nivel</a:t>
-            </a:r>
-            <a:endParaRPr lang="es-PE"/>
-          </a:p>
-        </p:txBody>
-      </p:sp>
-      <p:sp>
-        <p:nvSpPr>
-          <p:cNvPr id="4" name="Marcador de fecha 3"/>
-          <p:cNvSpPr>
-            <a:spLocks noGrp="1"/>
-          </p:cNvSpPr>
-          <p:nvPr>
-            <p:ph type="dt" sz="half" idx="10"/>
+          <p:cNvPr id="5" name="Footer Placeholder 4"/>
+          <p:cNvSpPr>
+            <a:spLocks noGrp="1"/>
+          </p:cNvSpPr>
+          <p:nvPr>
+            <p:ph type="ftr" sz="quarter" idx="11"/>
           </p:nvPr>
         </p:nvSpPr>
         <p:spPr/>
@@ -428,36 +1124,13 @@
           <a:bodyPr/>
           <a:lstStyle/>
           <a:p>
-            <a:fld id="{E21449DE-EB7C-49DB-8693-159B0964EAB0}" type="datetimeFigureOut">
-              <a:rPr lang="es-PE" smtClean="0"/>
-              <a:t>07/07/2020</a:t>
-            </a:fld>
             <a:endParaRPr lang="es-PE"/>
           </a:p>
         </p:txBody>
       </p:sp>
       <p:sp>
         <p:nvSpPr>
-          <p:cNvPr id="5" name="Marcador de pie de página 4"/>
-          <p:cNvSpPr>
-            <a:spLocks noGrp="1"/>
-          </p:cNvSpPr>
-          <p:nvPr>
-            <p:ph type="ftr" sz="quarter" idx="11"/>
-          </p:nvPr>
-        </p:nvSpPr>
-        <p:spPr/>
-        <p:txBody>
-          <a:bodyPr/>
-          <a:lstStyle/>
-          <a:p>
-            <a:endParaRPr lang="es-PE"/>
-          </a:p>
-        </p:txBody>
-      </p:sp>
-      <p:sp>
-        <p:nvSpPr>
-          <p:cNvPr id="6" name="Marcador de número de diapositiva 5"/>
+          <p:cNvPr id="6" name="Slide Number Placeholder 5"/>
           <p:cNvSpPr>
             <a:spLocks noGrp="1"/>
           </p:cNvSpPr>
@@ -481,7 +1154,7 @@
     </p:spTree>
     <p:extLst>
       <p:ext uri="{BB962C8B-B14F-4D97-AF65-F5344CB8AC3E}">
-        <p14:creationId xmlns:p14="http://schemas.microsoft.com/office/powerpoint/2010/main" val="930824839"/>
+        <p14:creationId xmlns:p14="http://schemas.microsoft.com/office/powerpoint/2010/main" val="3237887036"/>
       </p:ext>
     </p:extLst>
   </p:cSld>
@@ -492,8 +1165,8 @@
 </file>
 
 <file path=ppt/slideLayouts/slideLayout11.xml><?xml version="1.0" encoding="utf-8"?>
-<p:sldLayout xmlns:a="http://schemas.openxmlformats.org/drawingml/2006/main" xmlns:r="http://schemas.openxmlformats.org/officeDocument/2006/relationships" xmlns:p="http://schemas.openxmlformats.org/presentationml/2006/main" type="vertTitleAndTx" preserve="1">
-  <p:cSld name="Título vertical y texto">
+<p:sldLayout xmlns:a="http://schemas.openxmlformats.org/drawingml/2006/main" xmlns:r="http://schemas.openxmlformats.org/officeDocument/2006/relationships" xmlns:p="http://schemas.openxmlformats.org/presentationml/2006/main" preserve="1">
+  <p:cSld name="Quote with Caption">
     <p:spTree>
       <p:nvGrpSpPr>
         <p:cNvPr id="1" name=""/>
@@ -510,92 +1183,226 @@
       </p:grpSpPr>
       <p:sp>
         <p:nvSpPr>
-          <p:cNvPr id="2" name="Título vertical 1"/>
-          <p:cNvSpPr>
-            <a:spLocks noGrp="1"/>
-          </p:cNvSpPr>
-          <p:nvPr>
-            <p:ph type="title" orient="vert"/>
+          <p:cNvPr id="2" name="Title 1"/>
+          <p:cNvSpPr>
+            <a:spLocks noGrp="1"/>
+          </p:cNvSpPr>
+          <p:nvPr>
+            <p:ph type="title"/>
           </p:nvPr>
         </p:nvSpPr>
         <p:spPr>
           <a:xfrm>
-            <a:off x="8724900" y="365125"/>
-            <a:ext cx="2628900" cy="5811838"/>
+            <a:off x="931334" y="609600"/>
+            <a:ext cx="8094134" cy="3022600"/>
           </a:xfrm>
         </p:spPr>
         <p:txBody>
-          <a:bodyPr vert="eaVert"/>
-          <a:lstStyle/>
-          <a:p>
-            <a:r>
-              <a:rPr lang="es-ES" smtClean="0"/>
-              <a:t>Haga clic para modificar el estilo de título del patrón</a:t>
-            </a:r>
-            <a:endParaRPr lang="es-PE"/>
-          </a:p>
-        </p:txBody>
-      </p:sp>
-      <p:sp>
-        <p:nvSpPr>
-          <p:cNvPr id="3" name="Marcador de texto vertical 2"/>
-          <p:cNvSpPr>
-            <a:spLocks noGrp="1"/>
-          </p:cNvSpPr>
-          <p:nvPr>
-            <p:ph type="body" orient="vert" idx="1"/>
+          <a:bodyPr anchor="ctr">
+            <a:normAutofit/>
+          </a:bodyPr>
+          <a:lstStyle>
+            <a:lvl1pPr algn="l">
+              <a:defRPr sz="4400" b="0" cap="none"/>
+            </a:lvl1pPr>
+          </a:lstStyle>
+          <a:p>
+            <a:r>
+              <a:rPr lang="en-US"/>
+              <a:t>Click to edit Master title style</a:t>
+            </a:r>
+            <a:endParaRPr lang="en-US" dirty="0"/>
+          </a:p>
+        </p:txBody>
+      </p:sp>
+      <p:sp>
+        <p:nvSpPr>
+          <p:cNvPr id="23" name="Text Placeholder 9"/>
+          <p:cNvSpPr>
+            <a:spLocks noGrp="1"/>
+          </p:cNvSpPr>
+          <p:nvPr>
+            <p:ph type="body" sz="quarter" idx="13"/>
           </p:nvPr>
         </p:nvSpPr>
         <p:spPr>
           <a:xfrm>
-            <a:off x="838200" y="365125"/>
-            <a:ext cx="7734300" cy="5811838"/>
+            <a:off x="1366139" y="3632200"/>
+            <a:ext cx="7224524" cy="381000"/>
           </a:xfrm>
         </p:spPr>
         <p:txBody>
-          <a:bodyPr vert="eaVert"/>
-          <a:lstStyle/>
+          <a:bodyPr anchor="ctr">
+            <a:noAutofit/>
+          </a:bodyPr>
+          <a:lstStyle>
+            <a:lvl1pPr marL="0" indent="0">
+              <a:buFontTx/>
+              <a:buNone/>
+              <a:defRPr sz="1600">
+                <a:solidFill>
+                  <a:schemeClr val="tx1">
+                    <a:lumMod val="50000"/>
+                    <a:lumOff val="50000"/>
+                  </a:schemeClr>
+                </a:solidFill>
+              </a:defRPr>
+            </a:lvl1pPr>
+            <a:lvl2pPr marL="457200" indent="0">
+              <a:buFontTx/>
+              <a:buNone/>
+              <a:defRPr/>
+            </a:lvl2pPr>
+            <a:lvl3pPr marL="914400" indent="0">
+              <a:buFontTx/>
+              <a:buNone/>
+              <a:defRPr/>
+            </a:lvl3pPr>
+            <a:lvl4pPr marL="1371600" indent="0">
+              <a:buFontTx/>
+              <a:buNone/>
+              <a:defRPr/>
+            </a:lvl4pPr>
+            <a:lvl5pPr marL="1828800" indent="0">
+              <a:buFontTx/>
+              <a:buNone/>
+              <a:defRPr/>
+            </a:lvl5pPr>
+          </a:lstStyle>
           <a:p>
             <a:pPr lvl="0"/>
             <a:r>
-              <a:rPr lang="es-ES" smtClean="0"/>
-              <a:t>Haga clic para modificar el estilo de texto del patrón</a:t>
-            </a:r>
-          </a:p>
-          <a:p>
-            <a:pPr lvl="1"/>
-            <a:r>
-              <a:rPr lang="es-ES" smtClean="0"/>
-              <a:t>Segundo nivel</a:t>
-            </a:r>
-          </a:p>
-          <a:p>
-            <a:pPr lvl="2"/>
-            <a:r>
-              <a:rPr lang="es-ES" smtClean="0"/>
-              <a:t>Tercer nivel</a:t>
-            </a:r>
-          </a:p>
-          <a:p>
-            <a:pPr lvl="3"/>
-            <a:r>
-              <a:rPr lang="es-ES" smtClean="0"/>
-              <a:t>Cuarto nivel</a:t>
-            </a:r>
-          </a:p>
-          <a:p>
-            <a:pPr lvl="4"/>
-            <a:r>
-              <a:rPr lang="es-ES" smtClean="0"/>
-              <a:t>Quinto nivel</a:t>
-            </a:r>
-            <a:endParaRPr lang="es-PE"/>
-          </a:p>
-        </p:txBody>
-      </p:sp>
-      <p:sp>
-        <p:nvSpPr>
-          <p:cNvPr id="4" name="Marcador de fecha 3"/>
+              <a:rPr lang="en-US"/>
+              <a:t>Click to edit Master text styles</a:t>
+            </a:r>
+          </a:p>
+        </p:txBody>
+      </p:sp>
+      <p:sp>
+        <p:nvSpPr>
+          <p:cNvPr id="3" name="Text Placeholder 2"/>
+          <p:cNvSpPr>
+            <a:spLocks noGrp="1"/>
+          </p:cNvSpPr>
+          <p:nvPr>
+            <p:ph type="body" idx="1"/>
+          </p:nvPr>
+        </p:nvSpPr>
+        <p:spPr>
+          <a:xfrm>
+            <a:off x="677335" y="4470400"/>
+            <a:ext cx="8596668" cy="1570962"/>
+          </a:xfrm>
+        </p:spPr>
+        <p:txBody>
+          <a:bodyPr anchor="ctr">
+            <a:normAutofit/>
+          </a:bodyPr>
+          <a:lstStyle>
+            <a:lvl1pPr marL="0" indent="0" algn="l">
+              <a:buNone/>
+              <a:defRPr sz="1800">
+                <a:solidFill>
+                  <a:schemeClr val="tx1">
+                    <a:lumMod val="75000"/>
+                    <a:lumOff val="25000"/>
+                  </a:schemeClr>
+                </a:solidFill>
+              </a:defRPr>
+            </a:lvl1pPr>
+            <a:lvl2pPr marL="457200" indent="0">
+              <a:buNone/>
+              <a:defRPr sz="1800">
+                <a:solidFill>
+                  <a:schemeClr val="tx1">
+                    <a:tint val="75000"/>
+                  </a:schemeClr>
+                </a:solidFill>
+              </a:defRPr>
+            </a:lvl2pPr>
+            <a:lvl3pPr marL="914400" indent="0">
+              <a:buNone/>
+              <a:defRPr sz="1600">
+                <a:solidFill>
+                  <a:schemeClr val="tx1">
+                    <a:tint val="75000"/>
+                  </a:schemeClr>
+                </a:solidFill>
+              </a:defRPr>
+            </a:lvl3pPr>
+            <a:lvl4pPr marL="1371600" indent="0">
+              <a:buNone/>
+              <a:defRPr sz="1400">
+                <a:solidFill>
+                  <a:schemeClr val="tx1">
+                    <a:tint val="75000"/>
+                  </a:schemeClr>
+                </a:solidFill>
+              </a:defRPr>
+            </a:lvl4pPr>
+            <a:lvl5pPr marL="1828800" indent="0">
+              <a:buNone/>
+              <a:defRPr sz="1400">
+                <a:solidFill>
+                  <a:schemeClr val="tx1">
+                    <a:tint val="75000"/>
+                  </a:schemeClr>
+                </a:solidFill>
+              </a:defRPr>
+            </a:lvl5pPr>
+            <a:lvl6pPr marL="2286000" indent="0">
+              <a:buNone/>
+              <a:defRPr sz="1400">
+                <a:solidFill>
+                  <a:schemeClr val="tx1">
+                    <a:tint val="75000"/>
+                  </a:schemeClr>
+                </a:solidFill>
+              </a:defRPr>
+            </a:lvl6pPr>
+            <a:lvl7pPr marL="2743200" indent="0">
+              <a:buNone/>
+              <a:defRPr sz="1400">
+                <a:solidFill>
+                  <a:schemeClr val="tx1">
+                    <a:tint val="75000"/>
+                  </a:schemeClr>
+                </a:solidFill>
+              </a:defRPr>
+            </a:lvl7pPr>
+            <a:lvl8pPr marL="3200400" indent="0">
+              <a:buNone/>
+              <a:defRPr sz="1400">
+                <a:solidFill>
+                  <a:schemeClr val="tx1">
+                    <a:tint val="75000"/>
+                  </a:schemeClr>
+                </a:solidFill>
+              </a:defRPr>
+            </a:lvl8pPr>
+            <a:lvl9pPr marL="3657600" indent="0">
+              <a:buNone/>
+              <a:defRPr sz="1400">
+                <a:solidFill>
+                  <a:schemeClr val="tx1">
+                    <a:tint val="75000"/>
+                  </a:schemeClr>
+                </a:solidFill>
+              </a:defRPr>
+            </a:lvl9pPr>
+          </a:lstStyle>
+          <a:p>
+            <a:pPr lvl="0"/>
+            <a:r>
+              <a:rPr lang="en-US"/>
+              <a:t>Click to edit Master text styles</a:t>
+            </a:r>
+          </a:p>
+        </p:txBody>
+      </p:sp>
+      <p:sp>
+        <p:nvSpPr>
+          <p:cNvPr id="4" name="Date Placeholder 3"/>
           <p:cNvSpPr>
             <a:spLocks noGrp="1"/>
           </p:cNvSpPr>
@@ -610,7 +1417,7 @@
           <a:p>
             <a:fld id="{E21449DE-EB7C-49DB-8693-159B0964EAB0}" type="datetimeFigureOut">
               <a:rPr lang="es-PE" smtClean="0"/>
-              <a:t>07/07/2020</a:t>
+              <a:t>08/07/2020</a:t>
             </a:fld>
             <a:endParaRPr lang="es-PE"/>
           </a:p>
@@ -618,7 +1425,7 @@
       </p:sp>
       <p:sp>
         <p:nvSpPr>
-          <p:cNvPr id="5" name="Marcador de pie de página 4"/>
+          <p:cNvPr id="5" name="Footer Placeholder 4"/>
           <p:cNvSpPr>
             <a:spLocks noGrp="1"/>
           </p:cNvSpPr>
@@ -637,7 +1444,7 @@
       </p:sp>
       <p:sp>
         <p:nvSpPr>
-          <p:cNvPr id="6" name="Marcador de número de diapositiva 5"/>
+          <p:cNvPr id="6" name="Slide Number Placeholder 5"/>
           <p:cNvSpPr>
             <a:spLocks noGrp="1"/>
           </p:cNvSpPr>
@@ -658,10 +1465,100 @@
           </a:p>
         </p:txBody>
       </p:sp>
+      <p:sp>
+        <p:nvSpPr>
+          <p:cNvPr id="20" name="TextBox 19"/>
+          <p:cNvSpPr txBox="1"/>
+          <p:nvPr/>
+        </p:nvSpPr>
+        <p:spPr>
+          <a:xfrm>
+            <a:off x="541870" y="790378"/>
+            <a:ext cx="609600" cy="584776"/>
+          </a:xfrm>
+          <a:prstGeom prst="rect">
+            <a:avLst/>
+          </a:prstGeom>
+        </p:spPr>
+        <p:txBody>
+          <a:bodyPr vert="horz" lIns="91440" tIns="45720" rIns="91440" bIns="45720" rtlCol="0" anchor="ctr">
+            <a:noAutofit/>
+          </a:bodyPr>
+          <a:lstStyle/>
+          <a:p>
+            <a:pPr lvl="0"/>
+            <a:r>
+              <a:rPr lang="en-US" sz="8000" baseline="0" dirty="0">
+                <a:ln w="3175" cmpd="sng">
+                  <a:noFill/>
+                </a:ln>
+                <a:solidFill>
+                  <a:schemeClr val="accent1">
+                    <a:lumMod val="60000"/>
+                    <a:lumOff val="40000"/>
+                  </a:schemeClr>
+                </a:solidFill>
+                <a:effectLst/>
+                <a:latin typeface="Arial"/>
+              </a:rPr>
+              <a:t>“</a:t>
+            </a:r>
+          </a:p>
+        </p:txBody>
+      </p:sp>
+      <p:sp>
+        <p:nvSpPr>
+          <p:cNvPr id="22" name="TextBox 21"/>
+          <p:cNvSpPr txBox="1"/>
+          <p:nvPr/>
+        </p:nvSpPr>
+        <p:spPr>
+          <a:xfrm>
+            <a:off x="8893011" y="2886556"/>
+            <a:ext cx="609600" cy="584776"/>
+          </a:xfrm>
+          <a:prstGeom prst="rect">
+            <a:avLst/>
+          </a:prstGeom>
+        </p:spPr>
+        <p:txBody>
+          <a:bodyPr vert="horz" lIns="91440" tIns="45720" rIns="91440" bIns="45720" rtlCol="0" anchor="ctr">
+            <a:noAutofit/>
+          </a:bodyPr>
+          <a:lstStyle/>
+          <a:p>
+            <a:pPr lvl="0"/>
+            <a:r>
+              <a:rPr lang="en-US" sz="8000" baseline="0" dirty="0">
+                <a:ln w="3175" cmpd="sng">
+                  <a:noFill/>
+                </a:ln>
+                <a:solidFill>
+                  <a:schemeClr val="accent1">
+                    <a:lumMod val="60000"/>
+                    <a:lumOff val="40000"/>
+                  </a:schemeClr>
+                </a:solidFill>
+                <a:latin typeface="Arial"/>
+              </a:rPr>
+              <a:t>”</a:t>
+            </a:r>
+            <a:endParaRPr lang="en-US" dirty="0">
+              <a:solidFill>
+                <a:schemeClr val="accent1">
+                  <a:lumMod val="60000"/>
+                  <a:lumOff val="40000"/>
+                </a:schemeClr>
+              </a:solidFill>
+              <a:latin typeface="Arial"/>
+            </a:endParaRPr>
+          </a:p>
+        </p:txBody>
+      </p:sp>
     </p:spTree>
     <p:extLst>
       <p:ext uri="{BB962C8B-B14F-4D97-AF65-F5344CB8AC3E}">
-        <p14:creationId xmlns:p14="http://schemas.microsoft.com/office/powerpoint/2010/main" val="1567806856"/>
+        <p14:creationId xmlns:p14="http://schemas.microsoft.com/office/powerpoint/2010/main" val="1888287102"/>
       </p:ext>
     </p:extLst>
   </p:cSld>
@@ -671,9 +1568,9 @@
 </p:sldLayout>
 </file>
 
-<file path=ppt/slideLayouts/slideLayout2.xml><?xml version="1.0" encoding="utf-8"?>
-<p:sldLayout xmlns:a="http://schemas.openxmlformats.org/drawingml/2006/main" xmlns:r="http://schemas.openxmlformats.org/officeDocument/2006/relationships" xmlns:p="http://schemas.openxmlformats.org/presentationml/2006/main" type="obj" preserve="1">
-  <p:cSld name="Título y objetos">
+<file path=ppt/slideLayouts/slideLayout12.xml><?xml version="1.0" encoding="utf-8"?>
+<p:sldLayout xmlns:a="http://schemas.openxmlformats.org/drawingml/2006/main" xmlns:r="http://schemas.openxmlformats.org/officeDocument/2006/relationships" xmlns:p="http://schemas.openxmlformats.org/presentationml/2006/main" preserve="1">
+  <p:cSld name="Name Card">
     <p:spTree>
       <p:nvGrpSpPr>
         <p:cNvPr id="1" name=""/>
@@ -690,12 +1587,168 @@
       </p:grpSpPr>
       <p:sp>
         <p:nvSpPr>
-          <p:cNvPr id="2" name="Título 1"/>
+          <p:cNvPr id="2" name="Title 1"/>
           <p:cNvSpPr>
             <a:spLocks noGrp="1"/>
           </p:cNvSpPr>
           <p:nvPr>
             <p:ph type="title"/>
+          </p:nvPr>
+        </p:nvSpPr>
+        <p:spPr>
+          <a:xfrm>
+            <a:off x="677335" y="1931988"/>
+            <a:ext cx="8596668" cy="2595460"/>
+          </a:xfrm>
+        </p:spPr>
+        <p:txBody>
+          <a:bodyPr anchor="b">
+            <a:normAutofit/>
+          </a:bodyPr>
+          <a:lstStyle>
+            <a:lvl1pPr algn="l">
+              <a:defRPr sz="4400" b="0" cap="none"/>
+            </a:lvl1pPr>
+          </a:lstStyle>
+          <a:p>
+            <a:r>
+              <a:rPr lang="en-US"/>
+              <a:t>Click to edit Master title style</a:t>
+            </a:r>
+            <a:endParaRPr lang="en-US" dirty="0"/>
+          </a:p>
+        </p:txBody>
+      </p:sp>
+      <p:sp>
+        <p:nvSpPr>
+          <p:cNvPr id="3" name="Text Placeholder 2"/>
+          <p:cNvSpPr>
+            <a:spLocks noGrp="1"/>
+          </p:cNvSpPr>
+          <p:nvPr>
+            <p:ph type="body" idx="1"/>
+          </p:nvPr>
+        </p:nvSpPr>
+        <p:spPr>
+          <a:xfrm>
+            <a:off x="677335" y="4527448"/>
+            <a:ext cx="8596668" cy="1513914"/>
+          </a:xfrm>
+        </p:spPr>
+        <p:txBody>
+          <a:bodyPr anchor="t">
+            <a:normAutofit/>
+          </a:bodyPr>
+          <a:lstStyle>
+            <a:lvl1pPr marL="0" indent="0" algn="l">
+              <a:buNone/>
+              <a:defRPr sz="1800">
+                <a:solidFill>
+                  <a:schemeClr val="tx1">
+                    <a:lumMod val="75000"/>
+                    <a:lumOff val="25000"/>
+                  </a:schemeClr>
+                </a:solidFill>
+              </a:defRPr>
+            </a:lvl1pPr>
+            <a:lvl2pPr marL="457200" indent="0">
+              <a:buNone/>
+              <a:defRPr sz="1800">
+                <a:solidFill>
+                  <a:schemeClr val="tx1">
+                    <a:tint val="75000"/>
+                  </a:schemeClr>
+                </a:solidFill>
+              </a:defRPr>
+            </a:lvl2pPr>
+            <a:lvl3pPr marL="914400" indent="0">
+              <a:buNone/>
+              <a:defRPr sz="1600">
+                <a:solidFill>
+                  <a:schemeClr val="tx1">
+                    <a:tint val="75000"/>
+                  </a:schemeClr>
+                </a:solidFill>
+              </a:defRPr>
+            </a:lvl3pPr>
+            <a:lvl4pPr marL="1371600" indent="0">
+              <a:buNone/>
+              <a:defRPr sz="1400">
+                <a:solidFill>
+                  <a:schemeClr val="tx1">
+                    <a:tint val="75000"/>
+                  </a:schemeClr>
+                </a:solidFill>
+              </a:defRPr>
+            </a:lvl4pPr>
+            <a:lvl5pPr marL="1828800" indent="0">
+              <a:buNone/>
+              <a:defRPr sz="1400">
+                <a:solidFill>
+                  <a:schemeClr val="tx1">
+                    <a:tint val="75000"/>
+                  </a:schemeClr>
+                </a:solidFill>
+              </a:defRPr>
+            </a:lvl5pPr>
+            <a:lvl6pPr marL="2286000" indent="0">
+              <a:buNone/>
+              <a:defRPr sz="1400">
+                <a:solidFill>
+                  <a:schemeClr val="tx1">
+                    <a:tint val="75000"/>
+                  </a:schemeClr>
+                </a:solidFill>
+              </a:defRPr>
+            </a:lvl6pPr>
+            <a:lvl7pPr marL="2743200" indent="0">
+              <a:buNone/>
+              <a:defRPr sz="1400">
+                <a:solidFill>
+                  <a:schemeClr val="tx1">
+                    <a:tint val="75000"/>
+                  </a:schemeClr>
+                </a:solidFill>
+              </a:defRPr>
+            </a:lvl7pPr>
+            <a:lvl8pPr marL="3200400" indent="0">
+              <a:buNone/>
+              <a:defRPr sz="1400">
+                <a:solidFill>
+                  <a:schemeClr val="tx1">
+                    <a:tint val="75000"/>
+                  </a:schemeClr>
+                </a:solidFill>
+              </a:defRPr>
+            </a:lvl8pPr>
+            <a:lvl9pPr marL="3657600" indent="0">
+              <a:buNone/>
+              <a:defRPr sz="1400">
+                <a:solidFill>
+                  <a:schemeClr val="tx1">
+                    <a:tint val="75000"/>
+                  </a:schemeClr>
+                </a:solidFill>
+              </a:defRPr>
+            </a:lvl9pPr>
+          </a:lstStyle>
+          <a:p>
+            <a:pPr lvl="0"/>
+            <a:r>
+              <a:rPr lang="en-US"/>
+              <a:t>Click to edit Master text styles</a:t>
+            </a:r>
+          </a:p>
+        </p:txBody>
+      </p:sp>
+      <p:sp>
+        <p:nvSpPr>
+          <p:cNvPr id="4" name="Date Placeholder 3"/>
+          <p:cNvSpPr>
+            <a:spLocks noGrp="1"/>
+          </p:cNvSpPr>
+          <p:nvPr>
+            <p:ph type="dt" sz="half" idx="10"/>
           </p:nvPr>
         </p:nvSpPr>
         <p:spPr/>
@@ -703,22 +1756,22 @@
           <a:bodyPr/>
           <a:lstStyle/>
           <a:p>
-            <a:r>
-              <a:rPr lang="es-ES" smtClean="0"/>
-              <a:t>Haga clic para modificar el estilo de título del patrón</a:t>
-            </a:r>
+            <a:fld id="{E21449DE-EB7C-49DB-8693-159B0964EAB0}" type="datetimeFigureOut">
+              <a:rPr lang="es-PE" smtClean="0"/>
+              <a:t>08/07/2020</a:t>
+            </a:fld>
             <a:endParaRPr lang="es-PE"/>
           </a:p>
         </p:txBody>
       </p:sp>
       <p:sp>
         <p:nvSpPr>
-          <p:cNvPr id="3" name="Marcador de contenido 2"/>
-          <p:cNvSpPr>
-            <a:spLocks noGrp="1"/>
-          </p:cNvSpPr>
-          <p:nvPr>
-            <p:ph idx="1"/>
+          <p:cNvPr id="5" name="Footer Placeholder 4"/>
+          <p:cNvSpPr>
+            <a:spLocks noGrp="1"/>
+          </p:cNvSpPr>
+          <p:nvPr>
+            <p:ph type="ftr" sz="quarter" idx="11"/>
           </p:nvPr>
         </p:nvSpPr>
         <p:spPr/>
@@ -726,88 +1779,13 @@
           <a:bodyPr/>
           <a:lstStyle/>
           <a:p>
-            <a:pPr lvl="0"/>
-            <a:r>
-              <a:rPr lang="es-ES" smtClean="0"/>
-              <a:t>Haga clic para modificar el estilo de texto del patrón</a:t>
-            </a:r>
-          </a:p>
-          <a:p>
-            <a:pPr lvl="1"/>
-            <a:r>
-              <a:rPr lang="es-ES" smtClean="0"/>
-              <a:t>Segundo nivel</a:t>
-            </a:r>
-          </a:p>
-          <a:p>
-            <a:pPr lvl="2"/>
-            <a:r>
-              <a:rPr lang="es-ES" smtClean="0"/>
-              <a:t>Tercer nivel</a:t>
-            </a:r>
-          </a:p>
-          <a:p>
-            <a:pPr lvl="3"/>
-            <a:r>
-              <a:rPr lang="es-ES" smtClean="0"/>
-              <a:t>Cuarto nivel</a:t>
-            </a:r>
-          </a:p>
-          <a:p>
-            <a:pPr lvl="4"/>
-            <a:r>
-              <a:rPr lang="es-ES" smtClean="0"/>
-              <a:t>Quinto nivel</a:t>
-            </a:r>
             <a:endParaRPr lang="es-PE"/>
           </a:p>
         </p:txBody>
       </p:sp>
       <p:sp>
         <p:nvSpPr>
-          <p:cNvPr id="4" name="Marcador de fecha 3"/>
-          <p:cNvSpPr>
-            <a:spLocks noGrp="1"/>
-          </p:cNvSpPr>
-          <p:nvPr>
-            <p:ph type="dt" sz="half" idx="10"/>
-          </p:nvPr>
-        </p:nvSpPr>
-        <p:spPr/>
-        <p:txBody>
-          <a:bodyPr/>
-          <a:lstStyle/>
-          <a:p>
-            <a:fld id="{E21449DE-EB7C-49DB-8693-159B0964EAB0}" type="datetimeFigureOut">
-              <a:rPr lang="es-PE" smtClean="0"/>
-              <a:t>07/07/2020</a:t>
-            </a:fld>
-            <a:endParaRPr lang="es-PE"/>
-          </a:p>
-        </p:txBody>
-      </p:sp>
-      <p:sp>
-        <p:nvSpPr>
-          <p:cNvPr id="5" name="Marcador de pie de página 4"/>
-          <p:cNvSpPr>
-            <a:spLocks noGrp="1"/>
-          </p:cNvSpPr>
-          <p:nvPr>
-            <p:ph type="ftr" sz="quarter" idx="11"/>
-          </p:nvPr>
-        </p:nvSpPr>
-        <p:spPr/>
-        <p:txBody>
-          <a:bodyPr/>
-          <a:lstStyle/>
-          <a:p>
-            <a:endParaRPr lang="es-PE"/>
-          </a:p>
-        </p:txBody>
-      </p:sp>
-      <p:sp>
-        <p:nvSpPr>
-          <p:cNvPr id="6" name="Marcador de número de diapositiva 5"/>
+          <p:cNvPr id="6" name="Slide Number Placeholder 5"/>
           <p:cNvSpPr>
             <a:spLocks noGrp="1"/>
           </p:cNvSpPr>
@@ -831,7 +1809,7 @@
     </p:spTree>
     <p:extLst>
       <p:ext uri="{BB962C8B-B14F-4D97-AF65-F5344CB8AC3E}">
-        <p14:creationId xmlns:p14="http://schemas.microsoft.com/office/powerpoint/2010/main" val="548526739"/>
+        <p14:creationId xmlns:p14="http://schemas.microsoft.com/office/powerpoint/2010/main" val="1247697812"/>
       </p:ext>
     </p:extLst>
   </p:cSld>
@@ -841,9 +1819,9 @@
 </p:sldLayout>
 </file>
 
-<file path=ppt/slideLayouts/slideLayout3.xml><?xml version="1.0" encoding="utf-8"?>
-<p:sldLayout xmlns:a="http://schemas.openxmlformats.org/drawingml/2006/main" xmlns:r="http://schemas.openxmlformats.org/officeDocument/2006/relationships" xmlns:p="http://schemas.openxmlformats.org/presentationml/2006/main" type="secHead" preserve="1">
-  <p:cSld name="Encabezado de sección">
+<file path=ppt/slideLayouts/slideLayout13.xml><?xml version="1.0" encoding="utf-8"?>
+<p:sldLayout xmlns:a="http://schemas.openxmlformats.org/drawingml/2006/main" xmlns:r="http://schemas.openxmlformats.org/officeDocument/2006/relationships" xmlns:p="http://schemas.openxmlformats.org/presentationml/2006/main" preserve="1">
+  <p:cSld name="Quote Name Card">
     <p:spTree>
       <p:nvGrpSpPr>
         <p:cNvPr id="1" name=""/>
@@ -860,7 +1838,7 @@
       </p:grpSpPr>
       <p:sp>
         <p:nvSpPr>
-          <p:cNvPr id="2" name="Título 1"/>
+          <p:cNvPr id="2" name="Title 1"/>
           <p:cNvSpPr>
             <a:spLocks noGrp="1"/>
           </p:cNvSpPr>
@@ -870,58 +1848,126 @@
         </p:nvSpPr>
         <p:spPr>
           <a:xfrm>
-            <a:off x="831850" y="1709738"/>
-            <a:ext cx="10515600" cy="2852737"/>
+            <a:off x="931334" y="609600"/>
+            <a:ext cx="8094134" cy="3022600"/>
           </a:xfrm>
         </p:spPr>
         <p:txBody>
-          <a:bodyPr anchor="b"/>
+          <a:bodyPr anchor="ctr">
+            <a:normAutofit/>
+          </a:bodyPr>
           <a:lstStyle>
-            <a:lvl1pPr>
-              <a:defRPr sz="6000"/>
+            <a:lvl1pPr algn="l">
+              <a:defRPr sz="4400" b="0" cap="none"/>
             </a:lvl1pPr>
           </a:lstStyle>
           <a:p>
             <a:r>
-              <a:rPr lang="es-ES" smtClean="0"/>
-              <a:t>Haga clic para modificar el estilo de título del patrón</a:t>
-            </a:r>
-            <a:endParaRPr lang="es-PE"/>
-          </a:p>
-        </p:txBody>
-      </p:sp>
-      <p:sp>
-        <p:nvSpPr>
-          <p:cNvPr id="3" name="Marcador de texto 2"/>
-          <p:cNvSpPr>
-            <a:spLocks noGrp="1"/>
-          </p:cNvSpPr>
-          <p:nvPr>
-            <p:ph type="body" idx="1"/>
+              <a:rPr lang="en-US"/>
+              <a:t>Click to edit Master title style</a:t>
+            </a:r>
+            <a:endParaRPr lang="en-US" dirty="0"/>
+          </a:p>
+        </p:txBody>
+      </p:sp>
+      <p:sp>
+        <p:nvSpPr>
+          <p:cNvPr id="23" name="Text Placeholder 9"/>
+          <p:cNvSpPr>
+            <a:spLocks noGrp="1"/>
+          </p:cNvSpPr>
+          <p:nvPr>
+            <p:ph type="body" sz="quarter" idx="13"/>
           </p:nvPr>
         </p:nvSpPr>
         <p:spPr>
           <a:xfrm>
-            <a:off x="831850" y="4589463"/>
-            <a:ext cx="10515600" cy="1500187"/>
+            <a:off x="677332" y="4013200"/>
+            <a:ext cx="8596669" cy="514248"/>
           </a:xfrm>
         </p:spPr>
         <p:txBody>
-          <a:bodyPr/>
+          <a:bodyPr anchor="b">
+            <a:noAutofit/>
+          </a:bodyPr>
           <a:lstStyle>
             <a:lvl1pPr marL="0" indent="0">
+              <a:buFontTx/>
               <a:buNone/>
               <a:defRPr sz="2400">
                 <a:solidFill>
                   <a:schemeClr val="tx1">
-                    <a:tint val="75000"/>
+                    <a:lumMod val="75000"/>
+                    <a:lumOff val="25000"/>
                   </a:schemeClr>
                 </a:solidFill>
               </a:defRPr>
             </a:lvl1pPr>
             <a:lvl2pPr marL="457200" indent="0">
-              <a:buNone/>
-              <a:defRPr sz="2000">
+              <a:buFontTx/>
+              <a:buNone/>
+              <a:defRPr/>
+            </a:lvl2pPr>
+            <a:lvl3pPr marL="914400" indent="0">
+              <a:buFontTx/>
+              <a:buNone/>
+              <a:defRPr/>
+            </a:lvl3pPr>
+            <a:lvl4pPr marL="1371600" indent="0">
+              <a:buFontTx/>
+              <a:buNone/>
+              <a:defRPr/>
+            </a:lvl4pPr>
+            <a:lvl5pPr marL="1828800" indent="0">
+              <a:buFontTx/>
+              <a:buNone/>
+              <a:defRPr/>
+            </a:lvl5pPr>
+          </a:lstStyle>
+          <a:p>
+            <a:pPr lvl="0"/>
+            <a:r>
+              <a:rPr lang="en-US"/>
+              <a:t>Click to edit Master text styles</a:t>
+            </a:r>
+          </a:p>
+        </p:txBody>
+      </p:sp>
+      <p:sp>
+        <p:nvSpPr>
+          <p:cNvPr id="3" name="Text Placeholder 2"/>
+          <p:cNvSpPr>
+            <a:spLocks noGrp="1"/>
+          </p:cNvSpPr>
+          <p:nvPr>
+            <p:ph type="body" idx="1"/>
+          </p:nvPr>
+        </p:nvSpPr>
+        <p:spPr>
+          <a:xfrm>
+            <a:off x="677335" y="4527448"/>
+            <a:ext cx="8596668" cy="1513914"/>
+          </a:xfrm>
+        </p:spPr>
+        <p:txBody>
+          <a:bodyPr anchor="t">
+            <a:normAutofit/>
+          </a:bodyPr>
+          <a:lstStyle>
+            <a:lvl1pPr marL="0" indent="0" algn="l">
+              <a:buNone/>
+              <a:defRPr sz="1800">
+                <a:solidFill>
+                  <a:schemeClr val="tx1">
+                    <a:lumMod val="50000"/>
+                    <a:lumOff val="50000"/>
+                  </a:schemeClr>
+                </a:solidFill>
+              </a:defRPr>
+            </a:lvl1pPr>
+            <a:lvl2pPr marL="457200" indent="0">
+              <a:buNone/>
+              <a:defRPr sz="1800">
                 <a:solidFill>
                   <a:schemeClr val="tx1">
                     <a:tint val="75000"/>
@@ -931,7 +1977,7 @@
             </a:lvl2pPr>
             <a:lvl3pPr marL="914400" indent="0">
               <a:buNone/>
-              <a:defRPr sz="1800">
+              <a:defRPr sz="1600">
                 <a:solidFill>
                   <a:schemeClr val="tx1">
                     <a:tint val="75000"/>
@@ -941,7 +1987,7 @@
             </a:lvl3pPr>
             <a:lvl4pPr marL="1371600" indent="0">
               <a:buNone/>
-              <a:defRPr sz="1600">
+              <a:defRPr sz="1400">
                 <a:solidFill>
                   <a:schemeClr val="tx1">
                     <a:tint val="75000"/>
@@ -951,7 +1997,7 @@
             </a:lvl4pPr>
             <a:lvl5pPr marL="1828800" indent="0">
               <a:buNone/>
-              <a:defRPr sz="1600">
+              <a:defRPr sz="1400">
                 <a:solidFill>
                   <a:schemeClr val="tx1">
                     <a:tint val="75000"/>
@@ -961,7 +2007,7 @@
             </a:lvl5pPr>
             <a:lvl6pPr marL="2286000" indent="0">
               <a:buNone/>
-              <a:defRPr sz="1600">
+              <a:defRPr sz="1400">
                 <a:solidFill>
                   <a:schemeClr val="tx1">
                     <a:tint val="75000"/>
@@ -971,7 +2017,7 @@
             </a:lvl6pPr>
             <a:lvl7pPr marL="2743200" indent="0">
               <a:buNone/>
-              <a:defRPr sz="1600">
+              <a:defRPr sz="1400">
                 <a:solidFill>
                   <a:schemeClr val="tx1">
                     <a:tint val="75000"/>
@@ -981,7 +2027,7 @@
             </a:lvl7pPr>
             <a:lvl8pPr marL="3200400" indent="0">
               <a:buNone/>
-              <a:defRPr sz="1600">
+              <a:defRPr sz="1400">
                 <a:solidFill>
                   <a:schemeClr val="tx1">
                     <a:tint val="75000"/>
@@ -991,7 +2037,7 @@
             </a:lvl8pPr>
             <a:lvl9pPr marL="3657600" indent="0">
               <a:buNone/>
-              <a:defRPr sz="1600">
+              <a:defRPr sz="1400">
                 <a:solidFill>
                   <a:schemeClr val="tx1">
                     <a:tint val="75000"/>
@@ -1003,15 +2049,15 @@
           <a:p>
             <a:pPr lvl="0"/>
             <a:r>
-              <a:rPr lang="es-ES" smtClean="0"/>
-              <a:t>Haga clic para modificar el estilo de texto del patrón</a:t>
-            </a:r>
-          </a:p>
-        </p:txBody>
-      </p:sp>
-      <p:sp>
-        <p:nvSpPr>
-          <p:cNvPr id="4" name="Marcador de fecha 3"/>
+              <a:rPr lang="en-US"/>
+              <a:t>Click to edit Master text styles</a:t>
+            </a:r>
+          </a:p>
+        </p:txBody>
+      </p:sp>
+      <p:sp>
+        <p:nvSpPr>
+          <p:cNvPr id="4" name="Date Placeholder 3"/>
           <p:cNvSpPr>
             <a:spLocks noGrp="1"/>
           </p:cNvSpPr>
@@ -1026,7 +2072,7 @@
           <a:p>
             <a:fld id="{E21449DE-EB7C-49DB-8693-159B0964EAB0}" type="datetimeFigureOut">
               <a:rPr lang="es-PE" smtClean="0"/>
-              <a:t>07/07/2020</a:t>
+              <a:t>08/07/2020</a:t>
             </a:fld>
             <a:endParaRPr lang="es-PE"/>
           </a:p>
@@ -1034,7 +2080,7 @@
       </p:sp>
       <p:sp>
         <p:nvSpPr>
-          <p:cNvPr id="5" name="Marcador de pie de página 4"/>
+          <p:cNvPr id="5" name="Footer Placeholder 4"/>
           <p:cNvSpPr>
             <a:spLocks noGrp="1"/>
           </p:cNvSpPr>
@@ -1053,7 +2099,7 @@
       </p:sp>
       <p:sp>
         <p:nvSpPr>
-          <p:cNvPr id="6" name="Marcador de número de diapositiva 5"/>
+          <p:cNvPr id="6" name="Slide Number Placeholder 5"/>
           <p:cNvSpPr>
             <a:spLocks noGrp="1"/>
           </p:cNvSpPr>
@@ -1074,10 +2120,92 @@
           </a:p>
         </p:txBody>
       </p:sp>
+      <p:sp>
+        <p:nvSpPr>
+          <p:cNvPr id="24" name="TextBox 23"/>
+          <p:cNvSpPr txBox="1"/>
+          <p:nvPr/>
+        </p:nvSpPr>
+        <p:spPr>
+          <a:xfrm>
+            <a:off x="541870" y="790378"/>
+            <a:ext cx="609600" cy="584776"/>
+          </a:xfrm>
+          <a:prstGeom prst="rect">
+            <a:avLst/>
+          </a:prstGeom>
+        </p:spPr>
+        <p:txBody>
+          <a:bodyPr vert="horz" lIns="91440" tIns="45720" rIns="91440" bIns="45720" rtlCol="0" anchor="ctr">
+            <a:noAutofit/>
+          </a:bodyPr>
+          <a:lstStyle/>
+          <a:p>
+            <a:pPr lvl="0"/>
+            <a:r>
+              <a:rPr lang="en-US" sz="8000" baseline="0" dirty="0">
+                <a:ln w="3175" cmpd="sng">
+                  <a:noFill/>
+                </a:ln>
+                <a:solidFill>
+                  <a:schemeClr val="accent1">
+                    <a:lumMod val="60000"/>
+                    <a:lumOff val="40000"/>
+                  </a:schemeClr>
+                </a:solidFill>
+                <a:effectLst/>
+                <a:latin typeface="Arial"/>
+              </a:rPr>
+              <a:t>“</a:t>
+            </a:r>
+          </a:p>
+        </p:txBody>
+      </p:sp>
+      <p:sp>
+        <p:nvSpPr>
+          <p:cNvPr id="25" name="TextBox 24"/>
+          <p:cNvSpPr txBox="1"/>
+          <p:nvPr/>
+        </p:nvSpPr>
+        <p:spPr>
+          <a:xfrm>
+            <a:off x="8893011" y="2886556"/>
+            <a:ext cx="609600" cy="584776"/>
+          </a:xfrm>
+          <a:prstGeom prst="rect">
+            <a:avLst/>
+          </a:prstGeom>
+        </p:spPr>
+        <p:txBody>
+          <a:bodyPr vert="horz" lIns="91440" tIns="45720" rIns="91440" bIns="45720" rtlCol="0" anchor="ctr">
+            <a:noAutofit/>
+          </a:bodyPr>
+          <a:lstStyle/>
+          <a:p>
+            <a:pPr lvl="0"/>
+            <a:r>
+              <a:rPr lang="en-US" sz="8000" baseline="0" dirty="0">
+                <a:ln w="3175" cmpd="sng">
+                  <a:noFill/>
+                </a:ln>
+                <a:solidFill>
+                  <a:schemeClr val="accent1">
+                    <a:lumMod val="60000"/>
+                    <a:lumOff val="40000"/>
+                  </a:schemeClr>
+                </a:solidFill>
+                <a:effectLst/>
+                <a:latin typeface="Arial"/>
+              </a:rPr>
+              <a:t>”</a:t>
+            </a:r>
+          </a:p>
+        </p:txBody>
+      </p:sp>
     </p:spTree>
     <p:extLst>
       <p:ext uri="{BB962C8B-B14F-4D97-AF65-F5344CB8AC3E}">
-        <p14:creationId xmlns:p14="http://schemas.microsoft.com/office/powerpoint/2010/main" val="1715607179"/>
+        <p14:creationId xmlns:p14="http://schemas.microsoft.com/office/powerpoint/2010/main" val="709993632"/>
       </p:ext>
     </p:extLst>
   </p:cSld>
@@ -1087,9 +2215,9 @@
 </p:sldLayout>
 </file>
 
-<file path=ppt/slideLayouts/slideLayout4.xml><?xml version="1.0" encoding="utf-8"?>
-<p:sldLayout xmlns:a="http://schemas.openxmlformats.org/drawingml/2006/main" xmlns:r="http://schemas.openxmlformats.org/officeDocument/2006/relationships" xmlns:p="http://schemas.openxmlformats.org/presentationml/2006/main" type="twoObj" preserve="1">
-  <p:cSld name="Dos objetos">
+<file path=ppt/slideLayouts/slideLayout14.xml><?xml version="1.0" encoding="utf-8"?>
+<p:sldLayout xmlns:a="http://schemas.openxmlformats.org/drawingml/2006/main" xmlns:r="http://schemas.openxmlformats.org/officeDocument/2006/relationships" xmlns:p="http://schemas.openxmlformats.org/presentationml/2006/main" preserve="1">
+  <p:cSld name="True or False">
     <p:spTree>
       <p:nvGrpSpPr>
         <p:cNvPr id="1" name=""/>
@@ -1106,12 +2234,228 @@
       </p:grpSpPr>
       <p:sp>
         <p:nvSpPr>
-          <p:cNvPr id="2" name="Título 1"/>
+          <p:cNvPr id="2" name="Title 1"/>
           <p:cNvSpPr>
             <a:spLocks noGrp="1"/>
           </p:cNvSpPr>
           <p:nvPr>
             <p:ph type="title"/>
+          </p:nvPr>
+        </p:nvSpPr>
+        <p:spPr>
+          <a:xfrm>
+            <a:off x="685799" y="609600"/>
+            <a:ext cx="8588203" cy="3022600"/>
+          </a:xfrm>
+        </p:spPr>
+        <p:txBody>
+          <a:bodyPr anchor="ctr">
+            <a:normAutofit/>
+          </a:bodyPr>
+          <a:lstStyle>
+            <a:lvl1pPr algn="l">
+              <a:defRPr sz="4400" b="0" cap="none"/>
+            </a:lvl1pPr>
+          </a:lstStyle>
+          <a:p>
+            <a:r>
+              <a:rPr lang="en-US"/>
+              <a:t>Click to edit Master title style</a:t>
+            </a:r>
+            <a:endParaRPr lang="en-US" dirty="0"/>
+          </a:p>
+        </p:txBody>
+      </p:sp>
+      <p:sp>
+        <p:nvSpPr>
+          <p:cNvPr id="23" name="Text Placeholder 9"/>
+          <p:cNvSpPr>
+            <a:spLocks noGrp="1"/>
+          </p:cNvSpPr>
+          <p:nvPr>
+            <p:ph type="body" sz="quarter" idx="13"/>
+          </p:nvPr>
+        </p:nvSpPr>
+        <p:spPr>
+          <a:xfrm>
+            <a:off x="677332" y="4013200"/>
+            <a:ext cx="8596669" cy="514248"/>
+          </a:xfrm>
+        </p:spPr>
+        <p:txBody>
+          <a:bodyPr anchor="b">
+            <a:noAutofit/>
+          </a:bodyPr>
+          <a:lstStyle>
+            <a:lvl1pPr marL="0" indent="0">
+              <a:buFontTx/>
+              <a:buNone/>
+              <a:defRPr sz="2400">
+                <a:solidFill>
+                  <a:schemeClr val="accent1"/>
+                </a:solidFill>
+              </a:defRPr>
+            </a:lvl1pPr>
+            <a:lvl2pPr marL="457200" indent="0">
+              <a:buFontTx/>
+              <a:buNone/>
+              <a:defRPr/>
+            </a:lvl2pPr>
+            <a:lvl3pPr marL="914400" indent="0">
+              <a:buFontTx/>
+              <a:buNone/>
+              <a:defRPr/>
+            </a:lvl3pPr>
+            <a:lvl4pPr marL="1371600" indent="0">
+              <a:buFontTx/>
+              <a:buNone/>
+              <a:defRPr/>
+            </a:lvl4pPr>
+            <a:lvl5pPr marL="1828800" indent="0">
+              <a:buFontTx/>
+              <a:buNone/>
+              <a:defRPr/>
+            </a:lvl5pPr>
+          </a:lstStyle>
+          <a:p>
+            <a:pPr lvl="0"/>
+            <a:r>
+              <a:rPr lang="en-US"/>
+              <a:t>Click to edit Master text styles</a:t>
+            </a:r>
+          </a:p>
+        </p:txBody>
+      </p:sp>
+      <p:sp>
+        <p:nvSpPr>
+          <p:cNvPr id="3" name="Text Placeholder 2"/>
+          <p:cNvSpPr>
+            <a:spLocks noGrp="1"/>
+          </p:cNvSpPr>
+          <p:nvPr>
+            <p:ph type="body" idx="1"/>
+          </p:nvPr>
+        </p:nvSpPr>
+        <p:spPr>
+          <a:xfrm>
+            <a:off x="677335" y="4527448"/>
+            <a:ext cx="8596668" cy="1513914"/>
+          </a:xfrm>
+        </p:spPr>
+        <p:txBody>
+          <a:bodyPr anchor="t">
+            <a:normAutofit/>
+          </a:bodyPr>
+          <a:lstStyle>
+            <a:lvl1pPr marL="0" indent="0" algn="l">
+              <a:buNone/>
+              <a:defRPr sz="1800">
+                <a:solidFill>
+                  <a:schemeClr val="tx1">
+                    <a:lumMod val="50000"/>
+                    <a:lumOff val="50000"/>
+                  </a:schemeClr>
+                </a:solidFill>
+              </a:defRPr>
+            </a:lvl1pPr>
+            <a:lvl2pPr marL="457200" indent="0">
+              <a:buNone/>
+              <a:defRPr sz="1800">
+                <a:solidFill>
+                  <a:schemeClr val="tx1">
+                    <a:tint val="75000"/>
+                  </a:schemeClr>
+                </a:solidFill>
+              </a:defRPr>
+            </a:lvl2pPr>
+            <a:lvl3pPr marL="914400" indent="0">
+              <a:buNone/>
+              <a:defRPr sz="1600">
+                <a:solidFill>
+                  <a:schemeClr val="tx1">
+                    <a:tint val="75000"/>
+                  </a:schemeClr>
+                </a:solidFill>
+              </a:defRPr>
+            </a:lvl3pPr>
+            <a:lvl4pPr marL="1371600" indent="0">
+              <a:buNone/>
+              <a:defRPr sz="1400">
+                <a:solidFill>
+                  <a:schemeClr val="tx1">
+                    <a:tint val="75000"/>
+                  </a:schemeClr>
+                </a:solidFill>
+              </a:defRPr>
+            </a:lvl4pPr>
+            <a:lvl5pPr marL="1828800" indent="0">
+              <a:buNone/>
+              <a:defRPr sz="1400">
+                <a:solidFill>
+                  <a:schemeClr val="tx1">
+                    <a:tint val="75000"/>
+                  </a:schemeClr>
+                </a:solidFill>
+              </a:defRPr>
+            </a:lvl5pPr>
+            <a:lvl6pPr marL="2286000" indent="0">
+              <a:buNone/>
+              <a:defRPr sz="1400">
+                <a:solidFill>
+                  <a:schemeClr val="tx1">
+                    <a:tint val="75000"/>
+                  </a:schemeClr>
+                </a:solidFill>
+              </a:defRPr>
+            </a:lvl6pPr>
+            <a:lvl7pPr marL="2743200" indent="0">
+              <a:buNone/>
+              <a:defRPr sz="1400">
+                <a:solidFill>
+                  <a:schemeClr val="tx1">
+                    <a:tint val="75000"/>
+                  </a:schemeClr>
+                </a:solidFill>
+              </a:defRPr>
+            </a:lvl7pPr>
+            <a:lvl8pPr marL="3200400" indent="0">
+              <a:buNone/>
+              <a:defRPr sz="1400">
+                <a:solidFill>
+                  <a:schemeClr val="tx1">
+                    <a:tint val="75000"/>
+                  </a:schemeClr>
+                </a:solidFill>
+              </a:defRPr>
+            </a:lvl8pPr>
+            <a:lvl9pPr marL="3657600" indent="0">
+              <a:buNone/>
+              <a:defRPr sz="1400">
+                <a:solidFill>
+                  <a:schemeClr val="tx1">
+                    <a:tint val="75000"/>
+                  </a:schemeClr>
+                </a:solidFill>
+              </a:defRPr>
+            </a:lvl9pPr>
+          </a:lstStyle>
+          <a:p>
+            <a:pPr lvl="0"/>
+            <a:r>
+              <a:rPr lang="en-US"/>
+              <a:t>Click to edit Master text styles</a:t>
+            </a:r>
+          </a:p>
+        </p:txBody>
+      </p:sp>
+      <p:sp>
+        <p:nvSpPr>
+          <p:cNvPr id="4" name="Date Placeholder 3"/>
+          <p:cNvSpPr>
+            <a:spLocks noGrp="1"/>
+          </p:cNvSpPr>
+          <p:nvPr>
+            <p:ph type="dt" sz="half" idx="10"/>
           </p:nvPr>
         </p:nvSpPr>
         <p:spPr/>
@@ -1119,173 +2463,36 @@
           <a:bodyPr/>
           <a:lstStyle/>
           <a:p>
-            <a:r>
-              <a:rPr lang="es-ES" smtClean="0"/>
-              <a:t>Haga clic para modificar el estilo de título del patrón</a:t>
-            </a:r>
+            <a:fld id="{E21449DE-EB7C-49DB-8693-159B0964EAB0}" type="datetimeFigureOut">
+              <a:rPr lang="es-PE" smtClean="0"/>
+              <a:t>08/07/2020</a:t>
+            </a:fld>
             <a:endParaRPr lang="es-PE"/>
           </a:p>
         </p:txBody>
       </p:sp>
       <p:sp>
         <p:nvSpPr>
-          <p:cNvPr id="3" name="Marcador de contenido 2"/>
-          <p:cNvSpPr>
-            <a:spLocks noGrp="1"/>
-          </p:cNvSpPr>
-          <p:nvPr>
-            <p:ph sz="half" idx="1"/>
-          </p:nvPr>
-        </p:nvSpPr>
-        <p:spPr>
-          <a:xfrm>
-            <a:off x="838200" y="1825625"/>
-            <a:ext cx="5181600" cy="4351338"/>
-          </a:xfrm>
-        </p:spPr>
+          <p:cNvPr id="5" name="Footer Placeholder 4"/>
+          <p:cNvSpPr>
+            <a:spLocks noGrp="1"/>
+          </p:cNvSpPr>
+          <p:nvPr>
+            <p:ph type="ftr" sz="quarter" idx="11"/>
+          </p:nvPr>
+        </p:nvSpPr>
+        <p:spPr/>
         <p:txBody>
           <a:bodyPr/>
           <a:lstStyle/>
           <a:p>
-            <a:pPr lvl="0"/>
-            <a:r>
-              <a:rPr lang="es-ES" smtClean="0"/>
-              <a:t>Haga clic para modificar el estilo de texto del patrón</a:t>
-            </a:r>
-          </a:p>
-          <a:p>
-            <a:pPr lvl="1"/>
-            <a:r>
-              <a:rPr lang="es-ES" smtClean="0"/>
-              <a:t>Segundo nivel</a:t>
-            </a:r>
-          </a:p>
-          <a:p>
-            <a:pPr lvl="2"/>
-            <a:r>
-              <a:rPr lang="es-ES" smtClean="0"/>
-              <a:t>Tercer nivel</a:t>
-            </a:r>
-          </a:p>
-          <a:p>
-            <a:pPr lvl="3"/>
-            <a:r>
-              <a:rPr lang="es-ES" smtClean="0"/>
-              <a:t>Cuarto nivel</a:t>
-            </a:r>
-          </a:p>
-          <a:p>
-            <a:pPr lvl="4"/>
-            <a:r>
-              <a:rPr lang="es-ES" smtClean="0"/>
-              <a:t>Quinto nivel</a:t>
-            </a:r>
             <a:endParaRPr lang="es-PE"/>
           </a:p>
         </p:txBody>
       </p:sp>
       <p:sp>
         <p:nvSpPr>
-          <p:cNvPr id="4" name="Marcador de contenido 3"/>
-          <p:cNvSpPr>
-            <a:spLocks noGrp="1"/>
-          </p:cNvSpPr>
-          <p:nvPr>
-            <p:ph sz="half" idx="2"/>
-          </p:nvPr>
-        </p:nvSpPr>
-        <p:spPr>
-          <a:xfrm>
-            <a:off x="6172200" y="1825625"/>
-            <a:ext cx="5181600" cy="4351338"/>
-          </a:xfrm>
-        </p:spPr>
-        <p:txBody>
-          <a:bodyPr/>
-          <a:lstStyle/>
-          <a:p>
-            <a:pPr lvl="0"/>
-            <a:r>
-              <a:rPr lang="es-ES" smtClean="0"/>
-              <a:t>Haga clic para modificar el estilo de texto del patrón</a:t>
-            </a:r>
-          </a:p>
-          <a:p>
-            <a:pPr lvl="1"/>
-            <a:r>
-              <a:rPr lang="es-ES" smtClean="0"/>
-              <a:t>Segundo nivel</a:t>
-            </a:r>
-          </a:p>
-          <a:p>
-            <a:pPr lvl="2"/>
-            <a:r>
-              <a:rPr lang="es-ES" smtClean="0"/>
-              <a:t>Tercer nivel</a:t>
-            </a:r>
-          </a:p>
-          <a:p>
-            <a:pPr lvl="3"/>
-            <a:r>
-              <a:rPr lang="es-ES" smtClean="0"/>
-              <a:t>Cuarto nivel</a:t>
-            </a:r>
-          </a:p>
-          <a:p>
-            <a:pPr lvl="4"/>
-            <a:r>
-              <a:rPr lang="es-ES" smtClean="0"/>
-              <a:t>Quinto nivel</a:t>
-            </a:r>
-            <a:endParaRPr lang="es-PE"/>
-          </a:p>
-        </p:txBody>
-      </p:sp>
-      <p:sp>
-        <p:nvSpPr>
-          <p:cNvPr id="5" name="Marcador de fecha 4"/>
-          <p:cNvSpPr>
-            <a:spLocks noGrp="1"/>
-          </p:cNvSpPr>
-          <p:nvPr>
-            <p:ph type="dt" sz="half" idx="10"/>
-          </p:nvPr>
-        </p:nvSpPr>
-        <p:spPr/>
-        <p:txBody>
-          <a:bodyPr/>
-          <a:lstStyle/>
-          <a:p>
-            <a:fld id="{E21449DE-EB7C-49DB-8693-159B0964EAB0}" type="datetimeFigureOut">
-              <a:rPr lang="es-PE" smtClean="0"/>
-              <a:t>07/07/2020</a:t>
-            </a:fld>
-            <a:endParaRPr lang="es-PE"/>
-          </a:p>
-        </p:txBody>
-      </p:sp>
-      <p:sp>
-        <p:nvSpPr>
-          <p:cNvPr id="6" name="Marcador de pie de página 5"/>
-          <p:cNvSpPr>
-            <a:spLocks noGrp="1"/>
-          </p:cNvSpPr>
-          <p:nvPr>
-            <p:ph type="ftr" sz="quarter" idx="11"/>
-          </p:nvPr>
-        </p:nvSpPr>
-        <p:spPr/>
-        <p:txBody>
-          <a:bodyPr/>
-          <a:lstStyle/>
-          <a:p>
-            <a:endParaRPr lang="es-PE"/>
-          </a:p>
-        </p:txBody>
-      </p:sp>
-      <p:sp>
-        <p:nvSpPr>
-          <p:cNvPr id="7" name="Marcador de número de diapositiva 6"/>
+          <p:cNvPr id="6" name="Slide Number Placeholder 5"/>
           <p:cNvSpPr>
             <a:spLocks noGrp="1"/>
           </p:cNvSpPr>
@@ -1309,7 +2516,7 @@
     </p:spTree>
     <p:extLst>
       <p:ext uri="{BB962C8B-B14F-4D97-AF65-F5344CB8AC3E}">
-        <p14:creationId xmlns:p14="http://schemas.microsoft.com/office/powerpoint/2010/main" val="3744005062"/>
+        <p14:creationId xmlns:p14="http://schemas.microsoft.com/office/powerpoint/2010/main" val="792438807"/>
       </p:ext>
     </p:extLst>
   </p:cSld>
@@ -1319,9 +2526,9 @@
 </p:sldLayout>
 </file>
 
-<file path=ppt/slideLayouts/slideLayout5.xml><?xml version="1.0" encoding="utf-8"?>
-<p:sldLayout xmlns:a="http://schemas.openxmlformats.org/drawingml/2006/main" xmlns:r="http://schemas.openxmlformats.org/officeDocument/2006/relationships" xmlns:p="http://schemas.openxmlformats.org/presentationml/2006/main" type="twoTxTwoObj" preserve="1">
-  <p:cSld name="Comparación">
+<file path=ppt/slideLayouts/slideLayout15.xml><?xml version="1.0" encoding="utf-8"?>
+<p:sldLayout xmlns:a="http://schemas.openxmlformats.org/drawingml/2006/main" xmlns:r="http://schemas.openxmlformats.org/officeDocument/2006/relationships" xmlns:p="http://schemas.openxmlformats.org/presentationml/2006/main" type="vertTx" preserve="1">
+  <p:cSld name="Title and Vertical Text">
     <p:spTree>
       <p:nvGrpSpPr>
         <p:cNvPr id="1" name=""/>
@@ -1338,7 +2545,7 @@
       </p:grpSpPr>
       <p:sp>
         <p:nvSpPr>
-          <p:cNvPr id="2" name="Título 1"/>
+          <p:cNvPr id="2" name="Title 1"/>
           <p:cNvSpPr>
             <a:spLocks noGrp="1"/>
           </p:cNvSpPr>
@@ -1346,313 +2553,116 @@
             <p:ph type="title"/>
           </p:nvPr>
         </p:nvSpPr>
-        <p:spPr>
-          <a:xfrm>
-            <a:off x="839788" y="365125"/>
-            <a:ext cx="10515600" cy="1325563"/>
-          </a:xfrm>
-        </p:spPr>
+        <p:spPr/>
         <p:txBody>
           <a:bodyPr/>
           <a:lstStyle/>
           <a:p>
             <a:r>
-              <a:rPr lang="es-ES" smtClean="0"/>
-              <a:t>Haga clic para modificar el estilo de título del patrón</a:t>
-            </a:r>
-            <a:endParaRPr lang="es-PE"/>
-          </a:p>
-        </p:txBody>
-      </p:sp>
-      <p:sp>
-        <p:nvSpPr>
-          <p:cNvPr id="3" name="Marcador de texto 2"/>
-          <p:cNvSpPr>
-            <a:spLocks noGrp="1"/>
-          </p:cNvSpPr>
-          <p:nvPr>
-            <p:ph type="body" idx="1"/>
-          </p:nvPr>
-        </p:nvSpPr>
-        <p:spPr>
-          <a:xfrm>
-            <a:off x="839788" y="1681163"/>
-            <a:ext cx="5157787" cy="823912"/>
-          </a:xfrm>
-        </p:spPr>
-        <p:txBody>
-          <a:bodyPr anchor="b"/>
-          <a:lstStyle>
-            <a:lvl1pPr marL="0" indent="0">
-              <a:buNone/>
-              <a:defRPr sz="2400" b="1"/>
-            </a:lvl1pPr>
-            <a:lvl2pPr marL="457200" indent="0">
-              <a:buNone/>
-              <a:defRPr sz="2000" b="1"/>
-            </a:lvl2pPr>
-            <a:lvl3pPr marL="914400" indent="0">
-              <a:buNone/>
-              <a:defRPr sz="1800" b="1"/>
-            </a:lvl3pPr>
-            <a:lvl4pPr marL="1371600" indent="0">
-              <a:buNone/>
-              <a:defRPr sz="1600" b="1"/>
-            </a:lvl4pPr>
-            <a:lvl5pPr marL="1828800" indent="0">
-              <a:buNone/>
-              <a:defRPr sz="1600" b="1"/>
-            </a:lvl5pPr>
-            <a:lvl6pPr marL="2286000" indent="0">
-              <a:buNone/>
-              <a:defRPr sz="1600" b="1"/>
-            </a:lvl6pPr>
-            <a:lvl7pPr marL="2743200" indent="0">
-              <a:buNone/>
-              <a:defRPr sz="1600" b="1"/>
-            </a:lvl7pPr>
-            <a:lvl8pPr marL="3200400" indent="0">
-              <a:buNone/>
-              <a:defRPr sz="1600" b="1"/>
-            </a:lvl8pPr>
-            <a:lvl9pPr marL="3657600" indent="0">
-              <a:buNone/>
-              <a:defRPr sz="1600" b="1"/>
-            </a:lvl9pPr>
-          </a:lstStyle>
+              <a:rPr lang="en-US"/>
+              <a:t>Click to edit Master title style</a:t>
+            </a:r>
+            <a:endParaRPr lang="en-US" dirty="0"/>
+          </a:p>
+        </p:txBody>
+      </p:sp>
+      <p:sp>
+        <p:nvSpPr>
+          <p:cNvPr id="3" name="Vertical Text Placeholder 2"/>
+          <p:cNvSpPr>
+            <a:spLocks noGrp="1"/>
+          </p:cNvSpPr>
+          <p:nvPr>
+            <p:ph type="body" orient="vert" idx="1"/>
+          </p:nvPr>
+        </p:nvSpPr>
+        <p:spPr/>
+        <p:txBody>
+          <a:bodyPr vert="eaVert"/>
+          <a:lstStyle/>
           <a:p>
             <a:pPr lvl="0"/>
             <a:r>
-              <a:rPr lang="es-ES" smtClean="0"/>
-              <a:t>Haga clic para modificar el estilo de texto del patrón</a:t>
-            </a:r>
-          </a:p>
-        </p:txBody>
-      </p:sp>
-      <p:sp>
-        <p:nvSpPr>
-          <p:cNvPr id="4" name="Marcador de contenido 3"/>
-          <p:cNvSpPr>
-            <a:spLocks noGrp="1"/>
-          </p:cNvSpPr>
-          <p:nvPr>
-            <p:ph sz="half" idx="2"/>
-          </p:nvPr>
-        </p:nvSpPr>
-        <p:spPr>
-          <a:xfrm>
-            <a:off x="839788" y="2505075"/>
-            <a:ext cx="5157787" cy="3684588"/>
-          </a:xfrm>
-        </p:spPr>
+              <a:rPr lang="en-US"/>
+              <a:t>Click to edit Master text styles</a:t>
+            </a:r>
+          </a:p>
+          <a:p>
+            <a:pPr lvl="1"/>
+            <a:r>
+              <a:rPr lang="en-US"/>
+              <a:t>Second level</a:t>
+            </a:r>
+          </a:p>
+          <a:p>
+            <a:pPr lvl="2"/>
+            <a:r>
+              <a:rPr lang="en-US"/>
+              <a:t>Third level</a:t>
+            </a:r>
+          </a:p>
+          <a:p>
+            <a:pPr lvl="3"/>
+            <a:r>
+              <a:rPr lang="en-US"/>
+              <a:t>Fourth level</a:t>
+            </a:r>
+          </a:p>
+          <a:p>
+            <a:pPr lvl="4"/>
+            <a:r>
+              <a:rPr lang="en-US"/>
+              <a:t>Fifth level</a:t>
+            </a:r>
+            <a:endParaRPr lang="en-US" dirty="0"/>
+          </a:p>
+        </p:txBody>
+      </p:sp>
+      <p:sp>
+        <p:nvSpPr>
+          <p:cNvPr id="4" name="Date Placeholder 3"/>
+          <p:cNvSpPr>
+            <a:spLocks noGrp="1"/>
+          </p:cNvSpPr>
+          <p:nvPr>
+            <p:ph type="dt" sz="half" idx="10"/>
+          </p:nvPr>
+        </p:nvSpPr>
+        <p:spPr/>
         <p:txBody>
           <a:bodyPr/>
           <a:lstStyle/>
           <a:p>
-            <a:pPr lvl="0"/>
-            <a:r>
-              <a:rPr lang="es-ES" smtClean="0"/>
-              <a:t>Haga clic para modificar el estilo de texto del patrón</a:t>
-            </a:r>
-          </a:p>
-          <a:p>
-            <a:pPr lvl="1"/>
-            <a:r>
-              <a:rPr lang="es-ES" smtClean="0"/>
-              <a:t>Segundo nivel</a:t>
-            </a:r>
-          </a:p>
-          <a:p>
-            <a:pPr lvl="2"/>
-            <a:r>
-              <a:rPr lang="es-ES" smtClean="0"/>
-              <a:t>Tercer nivel</a:t>
-            </a:r>
-          </a:p>
-          <a:p>
-            <a:pPr lvl="3"/>
-            <a:r>
-              <a:rPr lang="es-ES" smtClean="0"/>
-              <a:t>Cuarto nivel</a:t>
-            </a:r>
-          </a:p>
-          <a:p>
-            <a:pPr lvl="4"/>
-            <a:r>
-              <a:rPr lang="es-ES" smtClean="0"/>
-              <a:t>Quinto nivel</a:t>
-            </a:r>
+            <a:fld id="{E21449DE-EB7C-49DB-8693-159B0964EAB0}" type="datetimeFigureOut">
+              <a:rPr lang="es-PE" smtClean="0"/>
+              <a:t>08/07/2020</a:t>
+            </a:fld>
             <a:endParaRPr lang="es-PE"/>
           </a:p>
         </p:txBody>
       </p:sp>
       <p:sp>
         <p:nvSpPr>
-          <p:cNvPr id="5" name="Marcador de texto 4"/>
-          <p:cNvSpPr>
-            <a:spLocks noGrp="1"/>
-          </p:cNvSpPr>
-          <p:nvPr>
-            <p:ph type="body" sz="quarter" idx="3"/>
-          </p:nvPr>
-        </p:nvSpPr>
-        <p:spPr>
-          <a:xfrm>
-            <a:off x="6172200" y="1681163"/>
-            <a:ext cx="5183188" cy="823912"/>
-          </a:xfrm>
-        </p:spPr>
-        <p:txBody>
-          <a:bodyPr anchor="b"/>
-          <a:lstStyle>
-            <a:lvl1pPr marL="0" indent="0">
-              <a:buNone/>
-              <a:defRPr sz="2400" b="1"/>
-            </a:lvl1pPr>
-            <a:lvl2pPr marL="457200" indent="0">
-              <a:buNone/>
-              <a:defRPr sz="2000" b="1"/>
-            </a:lvl2pPr>
-            <a:lvl3pPr marL="914400" indent="0">
-              <a:buNone/>
-              <a:defRPr sz="1800" b="1"/>
-            </a:lvl3pPr>
-            <a:lvl4pPr marL="1371600" indent="0">
-              <a:buNone/>
-              <a:defRPr sz="1600" b="1"/>
-            </a:lvl4pPr>
-            <a:lvl5pPr marL="1828800" indent="0">
-              <a:buNone/>
-              <a:defRPr sz="1600" b="1"/>
-            </a:lvl5pPr>
-            <a:lvl6pPr marL="2286000" indent="0">
-              <a:buNone/>
-              <a:defRPr sz="1600" b="1"/>
-            </a:lvl6pPr>
-            <a:lvl7pPr marL="2743200" indent="0">
-              <a:buNone/>
-              <a:defRPr sz="1600" b="1"/>
-            </a:lvl7pPr>
-            <a:lvl8pPr marL="3200400" indent="0">
-              <a:buNone/>
-              <a:defRPr sz="1600" b="1"/>
-            </a:lvl8pPr>
-            <a:lvl9pPr marL="3657600" indent="0">
-              <a:buNone/>
-              <a:defRPr sz="1600" b="1"/>
-            </a:lvl9pPr>
-          </a:lstStyle>
-          <a:p>
-            <a:pPr lvl="0"/>
-            <a:r>
-              <a:rPr lang="es-ES" smtClean="0"/>
-              <a:t>Haga clic para modificar el estilo de texto del patrón</a:t>
-            </a:r>
-          </a:p>
-        </p:txBody>
-      </p:sp>
-      <p:sp>
-        <p:nvSpPr>
-          <p:cNvPr id="6" name="Marcador de contenido 5"/>
-          <p:cNvSpPr>
-            <a:spLocks noGrp="1"/>
-          </p:cNvSpPr>
-          <p:nvPr>
-            <p:ph sz="quarter" idx="4"/>
-          </p:nvPr>
-        </p:nvSpPr>
-        <p:spPr>
-          <a:xfrm>
-            <a:off x="6172200" y="2505075"/>
-            <a:ext cx="5183188" cy="3684588"/>
-          </a:xfrm>
-        </p:spPr>
+          <p:cNvPr id="5" name="Footer Placeholder 4"/>
+          <p:cNvSpPr>
+            <a:spLocks noGrp="1"/>
+          </p:cNvSpPr>
+          <p:nvPr>
+            <p:ph type="ftr" sz="quarter" idx="11"/>
+          </p:nvPr>
+        </p:nvSpPr>
+        <p:spPr/>
         <p:txBody>
           <a:bodyPr/>
           <a:lstStyle/>
           <a:p>
-            <a:pPr lvl="0"/>
-            <a:r>
-              <a:rPr lang="es-ES" smtClean="0"/>
-              <a:t>Haga clic para modificar el estilo de texto del patrón</a:t>
-            </a:r>
-          </a:p>
-          <a:p>
-            <a:pPr lvl="1"/>
-            <a:r>
-              <a:rPr lang="es-ES" smtClean="0"/>
-              <a:t>Segundo nivel</a:t>
-            </a:r>
-          </a:p>
-          <a:p>
-            <a:pPr lvl="2"/>
-            <a:r>
-              <a:rPr lang="es-ES" smtClean="0"/>
-              <a:t>Tercer nivel</a:t>
-            </a:r>
-          </a:p>
-          <a:p>
-            <a:pPr lvl="3"/>
-            <a:r>
-              <a:rPr lang="es-ES" smtClean="0"/>
-              <a:t>Cuarto nivel</a:t>
-            </a:r>
-          </a:p>
-          <a:p>
-            <a:pPr lvl="4"/>
-            <a:r>
-              <a:rPr lang="es-ES" smtClean="0"/>
-              <a:t>Quinto nivel</a:t>
-            </a:r>
             <a:endParaRPr lang="es-PE"/>
           </a:p>
         </p:txBody>
       </p:sp>
       <p:sp>
         <p:nvSpPr>
-          <p:cNvPr id="7" name="Marcador de fecha 6"/>
-          <p:cNvSpPr>
-            <a:spLocks noGrp="1"/>
-          </p:cNvSpPr>
-          <p:nvPr>
-            <p:ph type="dt" sz="half" idx="10"/>
-          </p:nvPr>
-        </p:nvSpPr>
-        <p:spPr/>
-        <p:txBody>
-          <a:bodyPr/>
-          <a:lstStyle/>
-          <a:p>
-            <a:fld id="{E21449DE-EB7C-49DB-8693-159B0964EAB0}" type="datetimeFigureOut">
-              <a:rPr lang="es-PE" smtClean="0"/>
-              <a:t>07/07/2020</a:t>
-            </a:fld>
-            <a:endParaRPr lang="es-PE"/>
-          </a:p>
-        </p:txBody>
-      </p:sp>
-      <p:sp>
-        <p:nvSpPr>
-          <p:cNvPr id="8" name="Marcador de pie de página 7"/>
-          <p:cNvSpPr>
-            <a:spLocks noGrp="1"/>
-          </p:cNvSpPr>
-          <p:nvPr>
-            <p:ph type="ftr" sz="quarter" idx="11"/>
-          </p:nvPr>
-        </p:nvSpPr>
-        <p:spPr/>
-        <p:txBody>
-          <a:bodyPr/>
-          <a:lstStyle/>
-          <a:p>
-            <a:endParaRPr lang="es-PE"/>
-          </a:p>
-        </p:txBody>
-      </p:sp>
-      <p:sp>
-        <p:nvSpPr>
-          <p:cNvPr id="9" name="Marcador de número de diapositiva 8"/>
+          <p:cNvPr id="6" name="Slide Number Placeholder 5"/>
           <p:cNvSpPr>
             <a:spLocks noGrp="1"/>
           </p:cNvSpPr>
@@ -1676,7 +2686,7 @@
     </p:spTree>
     <p:extLst>
       <p:ext uri="{BB962C8B-B14F-4D97-AF65-F5344CB8AC3E}">
-        <p14:creationId xmlns:p14="http://schemas.microsoft.com/office/powerpoint/2010/main" val="687704990"/>
+        <p14:creationId xmlns:p14="http://schemas.microsoft.com/office/powerpoint/2010/main" val="3015211142"/>
       </p:ext>
     </p:extLst>
   </p:cSld>
@@ -1686,9 +2696,9 @@
 </p:sldLayout>
 </file>
 
-<file path=ppt/slideLayouts/slideLayout6.xml><?xml version="1.0" encoding="utf-8"?>
-<p:sldLayout xmlns:a="http://schemas.openxmlformats.org/drawingml/2006/main" xmlns:r="http://schemas.openxmlformats.org/officeDocument/2006/relationships" xmlns:p="http://schemas.openxmlformats.org/presentationml/2006/main" type="titleOnly" preserve="1">
-  <p:cSld name="Solo el título">
+<file path=ppt/slideLayouts/slideLayout16.xml><?xml version="1.0" encoding="utf-8"?>
+<p:sldLayout xmlns:a="http://schemas.openxmlformats.org/drawingml/2006/main" xmlns:r="http://schemas.openxmlformats.org/officeDocument/2006/relationships" xmlns:p="http://schemas.openxmlformats.org/presentationml/2006/main" type="vertTitleAndTx" preserve="1">
+  <p:cSld name="Vertical Title and Text">
     <p:spTree>
       <p:nvGrpSpPr>
         <p:cNvPr id="1" name=""/>
@@ -1705,12 +2715,97 @@
       </p:grpSpPr>
       <p:sp>
         <p:nvSpPr>
-          <p:cNvPr id="2" name="Título 1"/>
-          <p:cNvSpPr>
-            <a:spLocks noGrp="1"/>
-          </p:cNvSpPr>
-          <p:nvPr>
-            <p:ph type="title"/>
+          <p:cNvPr id="2" name="Vertical Title 1"/>
+          <p:cNvSpPr>
+            <a:spLocks noGrp="1"/>
+          </p:cNvSpPr>
+          <p:nvPr>
+            <p:ph type="title" orient="vert"/>
+          </p:nvPr>
+        </p:nvSpPr>
+        <p:spPr>
+          <a:xfrm>
+            <a:off x="7967673" y="609599"/>
+            <a:ext cx="1304743" cy="5251451"/>
+          </a:xfrm>
+        </p:spPr>
+        <p:txBody>
+          <a:bodyPr vert="eaVert" anchor="ctr"/>
+          <a:lstStyle/>
+          <a:p>
+            <a:r>
+              <a:rPr lang="en-US"/>
+              <a:t>Click to edit Master title style</a:t>
+            </a:r>
+            <a:endParaRPr lang="en-US" dirty="0"/>
+          </a:p>
+        </p:txBody>
+      </p:sp>
+      <p:sp>
+        <p:nvSpPr>
+          <p:cNvPr id="3" name="Vertical Text Placeholder 2"/>
+          <p:cNvSpPr>
+            <a:spLocks noGrp="1"/>
+          </p:cNvSpPr>
+          <p:nvPr>
+            <p:ph type="body" orient="vert" idx="1"/>
+          </p:nvPr>
+        </p:nvSpPr>
+        <p:spPr>
+          <a:xfrm>
+            <a:off x="677335" y="609600"/>
+            <a:ext cx="7060150" cy="5251450"/>
+          </a:xfrm>
+        </p:spPr>
+        <p:txBody>
+          <a:bodyPr vert="eaVert"/>
+          <a:lstStyle/>
+          <a:p>
+            <a:pPr lvl="0"/>
+            <a:r>
+              <a:rPr lang="en-US"/>
+              <a:t>Click to edit Master text styles</a:t>
+            </a:r>
+          </a:p>
+          <a:p>
+            <a:pPr lvl="1"/>
+            <a:r>
+              <a:rPr lang="en-US"/>
+              <a:t>Second level</a:t>
+            </a:r>
+          </a:p>
+          <a:p>
+            <a:pPr lvl="2"/>
+            <a:r>
+              <a:rPr lang="en-US"/>
+              <a:t>Third level</a:t>
+            </a:r>
+          </a:p>
+          <a:p>
+            <a:pPr lvl="3"/>
+            <a:r>
+              <a:rPr lang="en-US"/>
+              <a:t>Fourth level</a:t>
+            </a:r>
+          </a:p>
+          <a:p>
+            <a:pPr lvl="4"/>
+            <a:r>
+              <a:rPr lang="en-US"/>
+              <a:t>Fifth level</a:t>
+            </a:r>
+            <a:endParaRPr lang="en-US" dirty="0"/>
+          </a:p>
+        </p:txBody>
+      </p:sp>
+      <p:sp>
+        <p:nvSpPr>
+          <p:cNvPr id="4" name="Date Placeholder 3"/>
+          <p:cNvSpPr>
+            <a:spLocks noGrp="1"/>
+          </p:cNvSpPr>
+          <p:nvPr>
+            <p:ph type="dt" sz="half" idx="10"/>
           </p:nvPr>
         </p:nvSpPr>
         <p:spPr/>
@@ -1718,22 +2813,22 @@
           <a:bodyPr/>
           <a:lstStyle/>
           <a:p>
-            <a:r>
-              <a:rPr lang="es-ES" smtClean="0"/>
-              <a:t>Haga clic para modificar el estilo de título del patrón</a:t>
-            </a:r>
+            <a:fld id="{E21449DE-EB7C-49DB-8693-159B0964EAB0}" type="datetimeFigureOut">
+              <a:rPr lang="es-PE" smtClean="0"/>
+              <a:t>08/07/2020</a:t>
+            </a:fld>
             <a:endParaRPr lang="es-PE"/>
           </a:p>
         </p:txBody>
       </p:sp>
       <p:sp>
         <p:nvSpPr>
-          <p:cNvPr id="3" name="Marcador de fecha 2"/>
-          <p:cNvSpPr>
-            <a:spLocks noGrp="1"/>
-          </p:cNvSpPr>
-          <p:nvPr>
-            <p:ph type="dt" sz="half" idx="10"/>
+          <p:cNvPr id="5" name="Footer Placeholder 4"/>
+          <p:cNvSpPr>
+            <a:spLocks noGrp="1"/>
+          </p:cNvSpPr>
+          <p:nvPr>
+            <p:ph type="ftr" sz="quarter" idx="11"/>
           </p:nvPr>
         </p:nvSpPr>
         <p:spPr/>
@@ -1741,36 +2836,13 @@
           <a:bodyPr/>
           <a:lstStyle/>
           <a:p>
-            <a:fld id="{E21449DE-EB7C-49DB-8693-159B0964EAB0}" type="datetimeFigureOut">
-              <a:rPr lang="es-PE" smtClean="0"/>
-              <a:t>07/07/2020</a:t>
-            </a:fld>
             <a:endParaRPr lang="es-PE"/>
           </a:p>
         </p:txBody>
       </p:sp>
       <p:sp>
         <p:nvSpPr>
-          <p:cNvPr id="4" name="Marcador de pie de página 3"/>
-          <p:cNvSpPr>
-            <a:spLocks noGrp="1"/>
-          </p:cNvSpPr>
-          <p:nvPr>
-            <p:ph type="ftr" sz="quarter" idx="11"/>
-          </p:nvPr>
-        </p:nvSpPr>
-        <p:spPr/>
-        <p:txBody>
-          <a:bodyPr/>
-          <a:lstStyle/>
-          <a:p>
-            <a:endParaRPr lang="es-PE"/>
-          </a:p>
-        </p:txBody>
-      </p:sp>
-      <p:sp>
-        <p:nvSpPr>
-          <p:cNvPr id="5" name="Marcador de número de diapositiva 4"/>
+          <p:cNvPr id="6" name="Slide Number Placeholder 5"/>
           <p:cNvSpPr>
             <a:spLocks noGrp="1"/>
           </p:cNvSpPr>
@@ -1794,7 +2866,7 @@
     </p:spTree>
     <p:extLst>
       <p:ext uri="{BB962C8B-B14F-4D97-AF65-F5344CB8AC3E}">
-        <p14:creationId xmlns:p14="http://schemas.microsoft.com/office/powerpoint/2010/main" val="1196655969"/>
+        <p14:creationId xmlns:p14="http://schemas.microsoft.com/office/powerpoint/2010/main" val="4127233006"/>
       </p:ext>
     </p:extLst>
   </p:cSld>
@@ -1804,9 +2876,9 @@
 </p:sldLayout>
 </file>
 
-<file path=ppt/slideLayouts/slideLayout7.xml><?xml version="1.0" encoding="utf-8"?>
-<p:sldLayout xmlns:a="http://schemas.openxmlformats.org/drawingml/2006/main" xmlns:r="http://schemas.openxmlformats.org/officeDocument/2006/relationships" xmlns:p="http://schemas.openxmlformats.org/presentationml/2006/main" type="blank" preserve="1">
-  <p:cSld name="En blanco">
+<file path=ppt/slideLayouts/slideLayout2.xml><?xml version="1.0" encoding="utf-8"?>
+<p:sldLayout xmlns:a="http://schemas.openxmlformats.org/drawingml/2006/main" xmlns:r="http://schemas.openxmlformats.org/officeDocument/2006/relationships" xmlns:p="http://schemas.openxmlformats.org/presentationml/2006/main" type="obj" preserve="1">
+  <p:cSld name="Title and Content">
     <p:spTree>
       <p:nvGrpSpPr>
         <p:cNvPr id="1" name=""/>
@@ -1823,12 +2895,41 @@
       </p:grpSpPr>
       <p:sp>
         <p:nvSpPr>
-          <p:cNvPr id="2" name="Marcador de fecha 1"/>
-          <p:cNvSpPr>
-            <a:spLocks noGrp="1"/>
-          </p:cNvSpPr>
-          <p:nvPr>
-            <p:ph type="dt" sz="half" idx="10"/>
+          <p:cNvPr id="2" name="Title 1"/>
+          <p:cNvSpPr>
+            <a:spLocks noGrp="1"/>
+          </p:cNvSpPr>
+          <p:nvPr>
+            <p:ph type="title"/>
+          </p:nvPr>
+        </p:nvSpPr>
+        <p:spPr/>
+        <p:txBody>
+          <a:bodyPr>
+            <a:normAutofit/>
+          </a:bodyPr>
+          <a:lstStyle>
+            <a:lvl1pPr>
+              <a:defRPr sz="3600"/>
+            </a:lvl1pPr>
+          </a:lstStyle>
+          <a:p>
+            <a:r>
+              <a:rPr lang="en-US"/>
+              <a:t>Click to edit Master title style</a:t>
+            </a:r>
+            <a:endParaRPr lang="en-US" dirty="0"/>
+          </a:p>
+        </p:txBody>
+      </p:sp>
+      <p:sp>
+        <p:nvSpPr>
+          <p:cNvPr id="3" name="Content Placeholder 2"/>
+          <p:cNvSpPr>
+            <a:spLocks noGrp="1"/>
+          </p:cNvSpPr>
+          <p:nvPr>
+            <p:ph idx="1"/>
           </p:nvPr>
         </p:nvSpPr>
         <p:spPr/>
@@ -1836,9 +2937,61 @@
           <a:bodyPr/>
           <a:lstStyle/>
           <a:p>
+            <a:pPr lvl="0"/>
+            <a:r>
+              <a:rPr lang="en-US"/>
+              <a:t>Click to edit Master text styles</a:t>
+            </a:r>
+          </a:p>
+          <a:p>
+            <a:pPr lvl="1"/>
+            <a:r>
+              <a:rPr lang="en-US"/>
+              <a:t>Second level</a:t>
+            </a:r>
+          </a:p>
+          <a:p>
+            <a:pPr lvl="2"/>
+            <a:r>
+              <a:rPr lang="en-US"/>
+              <a:t>Third level</a:t>
+            </a:r>
+          </a:p>
+          <a:p>
+            <a:pPr lvl="3"/>
+            <a:r>
+              <a:rPr lang="en-US"/>
+              <a:t>Fourth level</a:t>
+            </a:r>
+          </a:p>
+          <a:p>
+            <a:pPr lvl="4"/>
+            <a:r>
+              <a:rPr lang="en-US"/>
+              <a:t>Fifth level</a:t>
+            </a:r>
+            <a:endParaRPr lang="en-US" dirty="0"/>
+          </a:p>
+        </p:txBody>
+      </p:sp>
+      <p:sp>
+        <p:nvSpPr>
+          <p:cNvPr id="4" name="Date Placeholder 3"/>
+          <p:cNvSpPr>
+            <a:spLocks noGrp="1"/>
+          </p:cNvSpPr>
+          <p:nvPr>
+            <p:ph type="dt" sz="half" idx="10"/>
+          </p:nvPr>
+        </p:nvSpPr>
+        <p:spPr/>
+        <p:txBody>
+          <a:bodyPr/>
+          <a:lstStyle/>
+          <a:p>
             <a:fld id="{E21449DE-EB7C-49DB-8693-159B0964EAB0}" type="datetimeFigureOut">
               <a:rPr lang="es-PE" smtClean="0"/>
-              <a:t>07/07/2020</a:t>
+              <a:t>08/07/2020</a:t>
             </a:fld>
             <a:endParaRPr lang="es-PE"/>
           </a:p>
@@ -1846,7 +2999,7 @@
       </p:sp>
       <p:sp>
         <p:nvSpPr>
-          <p:cNvPr id="3" name="Marcador de pie de página 2"/>
+          <p:cNvPr id="5" name="Footer Placeholder 4"/>
           <p:cNvSpPr>
             <a:spLocks noGrp="1"/>
           </p:cNvSpPr>
@@ -1865,7 +3018,7 @@
       </p:sp>
       <p:sp>
         <p:nvSpPr>
-          <p:cNvPr id="4" name="Marcador de número de diapositiva 3"/>
+          <p:cNvPr id="6" name="Slide Number Placeholder 5"/>
           <p:cNvSpPr>
             <a:spLocks noGrp="1"/>
           </p:cNvSpPr>
@@ -1889,7 +3042,7 @@
     </p:spTree>
     <p:extLst>
       <p:ext uri="{BB962C8B-B14F-4D97-AF65-F5344CB8AC3E}">
-        <p14:creationId xmlns:p14="http://schemas.microsoft.com/office/powerpoint/2010/main" val="989250771"/>
+        <p14:creationId xmlns:p14="http://schemas.microsoft.com/office/powerpoint/2010/main" val="1675423806"/>
       </p:ext>
     </p:extLst>
   </p:cSld>
@@ -1899,9 +3052,9 @@
 </p:sldLayout>
 </file>
 
-<file path=ppt/slideLayouts/slideLayout8.xml><?xml version="1.0" encoding="utf-8"?>
-<p:sldLayout xmlns:a="http://schemas.openxmlformats.org/drawingml/2006/main" xmlns:r="http://schemas.openxmlformats.org/officeDocument/2006/relationships" xmlns:p="http://schemas.openxmlformats.org/presentationml/2006/main" type="objTx" preserve="1">
-  <p:cSld name="Contenido con título">
+<file path=ppt/slideLayouts/slideLayout3.xml><?xml version="1.0" encoding="utf-8"?>
+<p:sldLayout xmlns:a="http://schemas.openxmlformats.org/drawingml/2006/main" xmlns:r="http://schemas.openxmlformats.org/officeDocument/2006/relationships" xmlns:p="http://schemas.openxmlformats.org/presentationml/2006/main" type="secHead" preserve="1">
+  <p:cSld name="Section Header">
     <p:spTree>
       <p:nvGrpSpPr>
         <p:cNvPr id="1" name=""/>
@@ -1918,7 +3071,7 @@
       </p:grpSpPr>
       <p:sp>
         <p:nvSpPr>
-          <p:cNvPr id="2" name="Título 1"/>
+          <p:cNvPr id="2" name="Title 1"/>
           <p:cNvSpPr>
             <a:spLocks noGrp="1"/>
           </p:cNvSpPr>
@@ -1928,179 +3081,149 @@
         </p:nvSpPr>
         <p:spPr>
           <a:xfrm>
-            <a:off x="839788" y="457200"/>
-            <a:ext cx="3932237" cy="1600200"/>
+            <a:off x="677335" y="2700867"/>
+            <a:ext cx="8596668" cy="1826581"/>
           </a:xfrm>
         </p:spPr>
         <p:txBody>
           <a:bodyPr anchor="b"/>
           <a:lstStyle>
-            <a:lvl1pPr>
-              <a:defRPr sz="3200"/>
+            <a:lvl1pPr algn="l">
+              <a:defRPr sz="4000" b="0" cap="none"/>
             </a:lvl1pPr>
           </a:lstStyle>
           <a:p>
             <a:r>
-              <a:rPr lang="es-ES" smtClean="0"/>
-              <a:t>Haga clic para modificar el estilo de título del patrón</a:t>
-            </a:r>
-            <a:endParaRPr lang="es-PE"/>
-          </a:p>
-        </p:txBody>
-      </p:sp>
-      <p:sp>
-        <p:nvSpPr>
-          <p:cNvPr id="3" name="Marcador de contenido 2"/>
-          <p:cNvSpPr>
-            <a:spLocks noGrp="1"/>
-          </p:cNvSpPr>
-          <p:nvPr>
-            <p:ph idx="1"/>
+              <a:rPr lang="en-US"/>
+              <a:t>Click to edit Master title style</a:t>
+            </a:r>
+            <a:endParaRPr lang="en-US" dirty="0"/>
+          </a:p>
+        </p:txBody>
+      </p:sp>
+      <p:sp>
+        <p:nvSpPr>
+          <p:cNvPr id="3" name="Text Placeholder 2"/>
+          <p:cNvSpPr>
+            <a:spLocks noGrp="1"/>
+          </p:cNvSpPr>
+          <p:nvPr>
+            <p:ph type="body" idx="1"/>
           </p:nvPr>
         </p:nvSpPr>
         <p:spPr>
           <a:xfrm>
-            <a:off x="5183188" y="987425"/>
-            <a:ext cx="6172200" cy="4873625"/>
+            <a:off x="677335" y="4527448"/>
+            <a:ext cx="8596668" cy="860400"/>
           </a:xfrm>
         </p:spPr>
         <p:txBody>
-          <a:bodyPr/>
+          <a:bodyPr anchor="t"/>
           <a:lstStyle>
-            <a:lvl1pPr>
-              <a:defRPr sz="3200"/>
+            <a:lvl1pPr marL="0" indent="0" algn="l">
+              <a:buNone/>
+              <a:defRPr sz="2000">
+                <a:solidFill>
+                  <a:schemeClr val="tx1">
+                    <a:lumMod val="50000"/>
+                    <a:lumOff val="50000"/>
+                  </a:schemeClr>
+                </a:solidFill>
+              </a:defRPr>
             </a:lvl1pPr>
-            <a:lvl2pPr>
-              <a:defRPr sz="2800"/>
+            <a:lvl2pPr marL="457200" indent="0">
+              <a:buNone/>
+              <a:defRPr sz="1800">
+                <a:solidFill>
+                  <a:schemeClr val="tx1">
+                    <a:tint val="75000"/>
+                  </a:schemeClr>
+                </a:solidFill>
+              </a:defRPr>
             </a:lvl2pPr>
-            <a:lvl3pPr>
-              <a:defRPr sz="2400"/>
+            <a:lvl3pPr marL="914400" indent="0">
+              <a:buNone/>
+              <a:defRPr sz="1600">
+                <a:solidFill>
+                  <a:schemeClr val="tx1">
+                    <a:tint val="75000"/>
+                  </a:schemeClr>
+                </a:solidFill>
+              </a:defRPr>
             </a:lvl3pPr>
-            <a:lvl4pPr>
-              <a:defRPr sz="2000"/>
+            <a:lvl4pPr marL="1371600" indent="0">
+              <a:buNone/>
+              <a:defRPr sz="1400">
+                <a:solidFill>
+                  <a:schemeClr val="tx1">
+                    <a:tint val="75000"/>
+                  </a:schemeClr>
+                </a:solidFill>
+              </a:defRPr>
             </a:lvl4pPr>
-            <a:lvl5pPr>
-              <a:defRPr sz="2000"/>
+            <a:lvl5pPr marL="1828800" indent="0">
+              <a:buNone/>
+              <a:defRPr sz="1400">
+                <a:solidFill>
+                  <a:schemeClr val="tx1">
+                    <a:tint val="75000"/>
+                  </a:schemeClr>
+                </a:solidFill>
+              </a:defRPr>
             </a:lvl5pPr>
-            <a:lvl6pPr>
-              <a:defRPr sz="2000"/>
+            <a:lvl6pPr marL="2286000" indent="0">
+              <a:buNone/>
+              <a:defRPr sz="1400">
+                <a:solidFill>
+                  <a:schemeClr val="tx1">
+                    <a:tint val="75000"/>
+                  </a:schemeClr>
+                </a:solidFill>
+              </a:defRPr>
             </a:lvl6pPr>
-            <a:lvl7pPr>
-              <a:defRPr sz="2000"/>
+            <a:lvl7pPr marL="2743200" indent="0">
+              <a:buNone/>
+              <a:defRPr sz="1400">
+                <a:solidFill>
+                  <a:schemeClr val="tx1">
+                    <a:tint val="75000"/>
+                  </a:schemeClr>
+                </a:solidFill>
+              </a:defRPr>
             </a:lvl7pPr>
-            <a:lvl8pPr>
-              <a:defRPr sz="2000"/>
+            <a:lvl8pPr marL="3200400" indent="0">
+              <a:buNone/>
+              <a:defRPr sz="1400">
+                <a:solidFill>
+                  <a:schemeClr val="tx1">
+                    <a:tint val="75000"/>
+                  </a:schemeClr>
+                </a:solidFill>
+              </a:defRPr>
             </a:lvl8pPr>
-            <a:lvl9pPr>
-              <a:defRPr sz="2000"/>
+            <a:lvl9pPr marL="3657600" indent="0">
+              <a:buNone/>
+              <a:defRPr sz="1400">
+                <a:solidFill>
+                  <a:schemeClr val="tx1">
+                    <a:tint val="75000"/>
+                  </a:schemeClr>
+                </a:solidFill>
+              </a:defRPr>
             </a:lvl9pPr>
           </a:lstStyle>
           <a:p>
             <a:pPr lvl="0"/>
             <a:r>
-              <a:rPr lang="es-ES" smtClean="0"/>
-              <a:t>Haga clic para modificar el estilo de texto del patrón</a:t>
-            </a:r>
-          </a:p>
-          <a:p>
-            <a:pPr lvl="1"/>
-            <a:r>
-              <a:rPr lang="es-ES" smtClean="0"/>
-              <a:t>Segundo nivel</a:t>
-            </a:r>
-          </a:p>
-          <a:p>
-            <a:pPr lvl="2"/>
-            <a:r>
-              <a:rPr lang="es-ES" smtClean="0"/>
-              <a:t>Tercer nivel</a:t>
-            </a:r>
-          </a:p>
-          <a:p>
-            <a:pPr lvl="3"/>
-            <a:r>
-              <a:rPr lang="es-ES" smtClean="0"/>
-              <a:t>Cuarto nivel</a:t>
-            </a:r>
-          </a:p>
-          <a:p>
-            <a:pPr lvl="4"/>
-            <a:r>
-              <a:rPr lang="es-ES" smtClean="0"/>
-              <a:t>Quinto nivel</a:t>
-            </a:r>
-            <a:endParaRPr lang="es-PE"/>
-          </a:p>
-        </p:txBody>
-      </p:sp>
-      <p:sp>
-        <p:nvSpPr>
-          <p:cNvPr id="4" name="Marcador de texto 3"/>
-          <p:cNvSpPr>
-            <a:spLocks noGrp="1"/>
-          </p:cNvSpPr>
-          <p:nvPr>
-            <p:ph type="body" sz="half" idx="2"/>
-          </p:nvPr>
-        </p:nvSpPr>
-        <p:spPr>
-          <a:xfrm>
-            <a:off x="839788" y="2057400"/>
-            <a:ext cx="3932237" cy="3811588"/>
-          </a:xfrm>
-        </p:spPr>
-        <p:txBody>
-          <a:bodyPr/>
-          <a:lstStyle>
-            <a:lvl1pPr marL="0" indent="0">
-              <a:buNone/>
-              <a:defRPr sz="1600"/>
-            </a:lvl1pPr>
-            <a:lvl2pPr marL="457200" indent="0">
-              <a:buNone/>
-              <a:defRPr sz="1400"/>
-            </a:lvl2pPr>
-            <a:lvl3pPr marL="914400" indent="0">
-              <a:buNone/>
-              <a:defRPr sz="1200"/>
-            </a:lvl3pPr>
-            <a:lvl4pPr marL="1371600" indent="0">
-              <a:buNone/>
-              <a:defRPr sz="1000"/>
-            </a:lvl4pPr>
-            <a:lvl5pPr marL="1828800" indent="0">
-              <a:buNone/>
-              <a:defRPr sz="1000"/>
-            </a:lvl5pPr>
-            <a:lvl6pPr marL="2286000" indent="0">
-              <a:buNone/>
-              <a:defRPr sz="1000"/>
-            </a:lvl6pPr>
-            <a:lvl7pPr marL="2743200" indent="0">
-              <a:buNone/>
-              <a:defRPr sz="1000"/>
-            </a:lvl7pPr>
-            <a:lvl8pPr marL="3200400" indent="0">
-              <a:buNone/>
-              <a:defRPr sz="1000"/>
-            </a:lvl8pPr>
-            <a:lvl9pPr marL="3657600" indent="0">
-              <a:buNone/>
-              <a:defRPr sz="1000"/>
-            </a:lvl9pPr>
-          </a:lstStyle>
-          <a:p>
-            <a:pPr lvl="0"/>
-            <a:r>
-              <a:rPr lang="es-ES" smtClean="0"/>
-              <a:t>Haga clic para modificar el estilo de texto del patrón</a:t>
-            </a:r>
-          </a:p>
-        </p:txBody>
-      </p:sp>
-      <p:sp>
-        <p:nvSpPr>
-          <p:cNvPr id="5" name="Marcador de fecha 4"/>
+              <a:rPr lang="en-US"/>
+              <a:t>Click to edit Master text styles</a:t>
+            </a:r>
+          </a:p>
+        </p:txBody>
+      </p:sp>
+      <p:sp>
+        <p:nvSpPr>
+          <p:cNvPr id="4" name="Date Placeholder 3"/>
           <p:cNvSpPr>
             <a:spLocks noGrp="1"/>
           </p:cNvSpPr>
@@ -2115,7 +3238,7 @@
           <a:p>
             <a:fld id="{E21449DE-EB7C-49DB-8693-159B0964EAB0}" type="datetimeFigureOut">
               <a:rPr lang="es-PE" smtClean="0"/>
-              <a:t>07/07/2020</a:t>
+              <a:t>08/07/2020</a:t>
             </a:fld>
             <a:endParaRPr lang="es-PE"/>
           </a:p>
@@ -2123,7 +3246,7 @@
       </p:sp>
       <p:sp>
         <p:nvSpPr>
-          <p:cNvPr id="6" name="Marcador de pie de página 5"/>
+          <p:cNvPr id="5" name="Footer Placeholder 4"/>
           <p:cNvSpPr>
             <a:spLocks noGrp="1"/>
           </p:cNvSpPr>
@@ -2142,7 +3265,7 @@
       </p:sp>
       <p:sp>
         <p:nvSpPr>
-          <p:cNvPr id="7" name="Marcador de número de diapositiva 6"/>
+          <p:cNvPr id="6" name="Slide Number Placeholder 5"/>
           <p:cNvSpPr>
             <a:spLocks noGrp="1"/>
           </p:cNvSpPr>
@@ -2166,7 +3289,7 @@
     </p:spTree>
     <p:extLst>
       <p:ext uri="{BB962C8B-B14F-4D97-AF65-F5344CB8AC3E}">
-        <p14:creationId xmlns:p14="http://schemas.microsoft.com/office/powerpoint/2010/main" val="2967353354"/>
+        <p14:creationId xmlns:p14="http://schemas.microsoft.com/office/powerpoint/2010/main" val="4085206482"/>
       </p:ext>
     </p:extLst>
   </p:cSld>
@@ -2176,9 +3299,9 @@
 </p:sldLayout>
 </file>
 
-<file path=ppt/slideLayouts/slideLayout9.xml><?xml version="1.0" encoding="utf-8"?>
-<p:sldLayout xmlns:a="http://schemas.openxmlformats.org/drawingml/2006/main" xmlns:r="http://schemas.openxmlformats.org/officeDocument/2006/relationships" xmlns:p="http://schemas.openxmlformats.org/presentationml/2006/main" type="picTx" preserve="1">
-  <p:cSld name="Imagen con título">
+<file path=ppt/slideLayouts/slideLayout4.xml><?xml version="1.0" encoding="utf-8"?>
+<p:sldLayout xmlns:a="http://schemas.openxmlformats.org/drawingml/2006/main" xmlns:r="http://schemas.openxmlformats.org/officeDocument/2006/relationships" xmlns:p="http://schemas.openxmlformats.org/presentationml/2006/main" type="twoObj" preserve="1">
+  <p:cSld name="Two Content">
     <p:spTree>
       <p:nvGrpSpPr>
         <p:cNvPr id="1" name=""/>
@@ -2195,165 +3318,144 @@
       </p:grpSpPr>
       <p:sp>
         <p:nvSpPr>
-          <p:cNvPr id="2" name="Título 1"/>
+          <p:cNvPr id="2" name="Title 1"/>
           <p:cNvSpPr>
             <a:spLocks noGrp="1"/>
           </p:cNvSpPr>
           <p:nvPr>
             <p:ph type="title"/>
+          </p:nvPr>
+        </p:nvSpPr>
+        <p:spPr/>
+        <p:txBody>
+          <a:bodyPr/>
+          <a:lstStyle/>
+          <a:p>
+            <a:r>
+              <a:rPr lang="en-US"/>
+              <a:t>Click to edit Master title style</a:t>
+            </a:r>
+            <a:endParaRPr lang="en-US" dirty="0"/>
+          </a:p>
+        </p:txBody>
+      </p:sp>
+      <p:sp>
+        <p:nvSpPr>
+          <p:cNvPr id="3" name="Content Placeholder 2"/>
+          <p:cNvSpPr>
+            <a:spLocks noGrp="1"/>
+          </p:cNvSpPr>
+          <p:nvPr>
+            <p:ph sz="half" idx="1"/>
           </p:nvPr>
         </p:nvSpPr>
         <p:spPr>
           <a:xfrm>
-            <a:off x="839788" y="457200"/>
-            <a:ext cx="3932237" cy="1600200"/>
+            <a:off x="677334" y="2160589"/>
+            <a:ext cx="4184035" cy="3880772"/>
           </a:xfrm>
         </p:spPr>
         <p:txBody>
-          <a:bodyPr anchor="b"/>
-          <a:lstStyle>
-            <a:lvl1pPr>
-              <a:defRPr sz="3200"/>
-            </a:lvl1pPr>
-          </a:lstStyle>
-          <a:p>
-            <a:r>
-              <a:rPr lang="es-ES" smtClean="0"/>
-              <a:t>Haga clic para modificar el estilo de título del patrón</a:t>
-            </a:r>
-            <a:endParaRPr lang="es-PE"/>
-          </a:p>
-        </p:txBody>
-      </p:sp>
-      <p:sp>
-        <p:nvSpPr>
-          <p:cNvPr id="3" name="Marcador de posición de imagen 2"/>
-          <p:cNvSpPr>
-            <a:spLocks noGrp="1"/>
-          </p:cNvSpPr>
-          <p:nvPr>
-            <p:ph type="pic" idx="1"/>
+          <a:bodyPr/>
+          <a:lstStyle/>
+          <a:p>
+            <a:pPr lvl="0"/>
+            <a:r>
+              <a:rPr lang="en-US"/>
+              <a:t>Click to edit Master text styles</a:t>
+            </a:r>
+          </a:p>
+          <a:p>
+            <a:pPr lvl="1"/>
+            <a:r>
+              <a:rPr lang="en-US"/>
+              <a:t>Second level</a:t>
+            </a:r>
+          </a:p>
+          <a:p>
+            <a:pPr lvl="2"/>
+            <a:r>
+              <a:rPr lang="en-US"/>
+              <a:t>Third level</a:t>
+            </a:r>
+          </a:p>
+          <a:p>
+            <a:pPr lvl="3"/>
+            <a:r>
+              <a:rPr lang="en-US"/>
+              <a:t>Fourth level</a:t>
+            </a:r>
+          </a:p>
+          <a:p>
+            <a:pPr lvl="4"/>
+            <a:r>
+              <a:rPr lang="en-US"/>
+              <a:t>Fifth level</a:t>
+            </a:r>
+            <a:endParaRPr lang="en-US" dirty="0"/>
+          </a:p>
+        </p:txBody>
+      </p:sp>
+      <p:sp>
+        <p:nvSpPr>
+          <p:cNvPr id="4" name="Content Placeholder 3"/>
+          <p:cNvSpPr>
+            <a:spLocks noGrp="1"/>
+          </p:cNvSpPr>
+          <p:nvPr>
+            <p:ph sz="half" idx="2"/>
           </p:nvPr>
         </p:nvSpPr>
         <p:spPr>
           <a:xfrm>
-            <a:off x="5183188" y="987425"/>
-            <a:ext cx="6172200" cy="4873625"/>
+            <a:off x="5089970" y="2160589"/>
+            <a:ext cx="4184034" cy="3880773"/>
           </a:xfrm>
         </p:spPr>
         <p:txBody>
           <a:bodyPr/>
-          <a:lstStyle>
-            <a:lvl1pPr marL="0" indent="0">
-              <a:buNone/>
-              <a:defRPr sz="3200"/>
-            </a:lvl1pPr>
-            <a:lvl2pPr marL="457200" indent="0">
-              <a:buNone/>
-              <a:defRPr sz="2800"/>
-            </a:lvl2pPr>
-            <a:lvl3pPr marL="914400" indent="0">
-              <a:buNone/>
-              <a:defRPr sz="2400"/>
-            </a:lvl3pPr>
-            <a:lvl4pPr marL="1371600" indent="0">
-              <a:buNone/>
-              <a:defRPr sz="2000"/>
-            </a:lvl4pPr>
-            <a:lvl5pPr marL="1828800" indent="0">
-              <a:buNone/>
-              <a:defRPr sz="2000"/>
-            </a:lvl5pPr>
-            <a:lvl6pPr marL="2286000" indent="0">
-              <a:buNone/>
-              <a:defRPr sz="2000"/>
-            </a:lvl6pPr>
-            <a:lvl7pPr marL="2743200" indent="0">
-              <a:buNone/>
-              <a:defRPr sz="2000"/>
-            </a:lvl7pPr>
-            <a:lvl8pPr marL="3200400" indent="0">
-              <a:buNone/>
-              <a:defRPr sz="2000"/>
-            </a:lvl8pPr>
-            <a:lvl9pPr marL="3657600" indent="0">
-              <a:buNone/>
-              <a:defRPr sz="2000"/>
-            </a:lvl9pPr>
-          </a:lstStyle>
-          <a:p>
-            <a:endParaRPr lang="es-PE"/>
-          </a:p>
-        </p:txBody>
-      </p:sp>
-      <p:sp>
-        <p:nvSpPr>
-          <p:cNvPr id="4" name="Marcador de texto 3"/>
-          <p:cNvSpPr>
-            <a:spLocks noGrp="1"/>
-          </p:cNvSpPr>
-          <p:nvPr>
-            <p:ph type="body" sz="half" idx="2"/>
-          </p:nvPr>
-        </p:nvSpPr>
-        <p:spPr>
-          <a:xfrm>
-            <a:off x="839788" y="2057400"/>
-            <a:ext cx="3932237" cy="3811588"/>
-          </a:xfrm>
-        </p:spPr>
-        <p:txBody>
-          <a:bodyPr/>
-          <a:lstStyle>
-            <a:lvl1pPr marL="0" indent="0">
-              <a:buNone/>
-              <a:defRPr sz="1600"/>
-            </a:lvl1pPr>
-            <a:lvl2pPr marL="457200" indent="0">
-              <a:buNone/>
-              <a:defRPr sz="1400"/>
-            </a:lvl2pPr>
-            <a:lvl3pPr marL="914400" indent="0">
-              <a:buNone/>
-              <a:defRPr sz="1200"/>
-            </a:lvl3pPr>
-            <a:lvl4pPr marL="1371600" indent="0">
-              <a:buNone/>
-              <a:defRPr sz="1000"/>
-            </a:lvl4pPr>
-            <a:lvl5pPr marL="1828800" indent="0">
-              <a:buNone/>
-              <a:defRPr sz="1000"/>
-            </a:lvl5pPr>
-            <a:lvl6pPr marL="2286000" indent="0">
-              <a:buNone/>
-              <a:defRPr sz="1000"/>
-            </a:lvl6pPr>
-            <a:lvl7pPr marL="2743200" indent="0">
-              <a:buNone/>
-              <a:defRPr sz="1000"/>
-            </a:lvl7pPr>
-            <a:lvl8pPr marL="3200400" indent="0">
-              <a:buNone/>
-              <a:defRPr sz="1000"/>
-            </a:lvl8pPr>
-            <a:lvl9pPr marL="3657600" indent="0">
-              <a:buNone/>
-              <a:defRPr sz="1000"/>
-            </a:lvl9pPr>
-          </a:lstStyle>
+          <a:lstStyle/>
           <a:p>
             <a:pPr lvl="0"/>
             <a:r>
-              <a:rPr lang="es-ES" smtClean="0"/>
-              <a:t>Haga clic para modificar el estilo de texto del patrón</a:t>
-            </a:r>
-          </a:p>
-        </p:txBody>
-      </p:sp>
-      <p:sp>
-        <p:nvSpPr>
-          <p:cNvPr id="5" name="Marcador de fecha 4"/>
+              <a:rPr lang="en-US"/>
+              <a:t>Click to edit Master text styles</a:t>
+            </a:r>
+          </a:p>
+          <a:p>
+            <a:pPr lvl="1"/>
+            <a:r>
+              <a:rPr lang="en-US"/>
+              <a:t>Second level</a:t>
+            </a:r>
+          </a:p>
+          <a:p>
+            <a:pPr lvl="2"/>
+            <a:r>
+              <a:rPr lang="en-US"/>
+              <a:t>Third level</a:t>
+            </a:r>
+          </a:p>
+          <a:p>
+            <a:pPr lvl="3"/>
+            <a:r>
+              <a:rPr lang="en-US"/>
+              <a:t>Fourth level</a:t>
+            </a:r>
+          </a:p>
+          <a:p>
+            <a:pPr lvl="4"/>
+            <a:r>
+              <a:rPr lang="en-US"/>
+              <a:t>Fifth level</a:t>
+            </a:r>
+            <a:endParaRPr lang="en-US" dirty="0"/>
+          </a:p>
+        </p:txBody>
+      </p:sp>
+      <p:sp>
+        <p:nvSpPr>
+          <p:cNvPr id="5" name="Date Placeholder 4"/>
           <p:cNvSpPr>
             <a:spLocks noGrp="1"/>
           </p:cNvSpPr>
@@ -2368,7 +3470,7 @@
           <a:p>
             <a:fld id="{E21449DE-EB7C-49DB-8693-159B0964EAB0}" type="datetimeFigureOut">
               <a:rPr lang="es-PE" smtClean="0"/>
-              <a:t>07/07/2020</a:t>
+              <a:t>08/07/2020</a:t>
             </a:fld>
             <a:endParaRPr lang="es-PE"/>
           </a:p>
@@ -2376,7 +3478,7 @@
       </p:sp>
       <p:sp>
         <p:nvSpPr>
-          <p:cNvPr id="6" name="Marcador de pie de página 5"/>
+          <p:cNvPr id="6" name="Footer Placeholder 5"/>
           <p:cNvSpPr>
             <a:spLocks noGrp="1"/>
           </p:cNvSpPr>
@@ -2395,7 +3497,7 @@
       </p:sp>
       <p:sp>
         <p:nvSpPr>
-          <p:cNvPr id="7" name="Marcador de número de diapositiva 6"/>
+          <p:cNvPr id="7" name="Slide Number Placeholder 6"/>
           <p:cNvSpPr>
             <a:spLocks noGrp="1"/>
           </p:cNvSpPr>
@@ -2419,7 +3521,1117 @@
     </p:spTree>
     <p:extLst>
       <p:ext uri="{BB962C8B-B14F-4D97-AF65-F5344CB8AC3E}">
-        <p14:creationId xmlns:p14="http://schemas.microsoft.com/office/powerpoint/2010/main" val="522561741"/>
+        <p14:creationId xmlns:p14="http://schemas.microsoft.com/office/powerpoint/2010/main" val="1439915788"/>
+      </p:ext>
+    </p:extLst>
+  </p:cSld>
+  <p:clrMapOvr>
+    <a:masterClrMapping/>
+  </p:clrMapOvr>
+</p:sldLayout>
+</file>
+
+<file path=ppt/slideLayouts/slideLayout5.xml><?xml version="1.0" encoding="utf-8"?>
+<p:sldLayout xmlns:a="http://schemas.openxmlformats.org/drawingml/2006/main" xmlns:r="http://schemas.openxmlformats.org/officeDocument/2006/relationships" xmlns:p="http://schemas.openxmlformats.org/presentationml/2006/main" type="twoTxTwoObj" preserve="1">
+  <p:cSld name="Comparison">
+    <p:spTree>
+      <p:nvGrpSpPr>
+        <p:cNvPr id="1" name=""/>
+        <p:cNvGrpSpPr/>
+        <p:nvPr/>
+      </p:nvGrpSpPr>
+      <p:grpSpPr>
+        <a:xfrm>
+          <a:off x="0" y="0"/>
+          <a:ext cx="0" cy="0"/>
+          <a:chOff x="0" y="0"/>
+          <a:chExt cx="0" cy="0"/>
+        </a:xfrm>
+      </p:grpSpPr>
+      <p:sp>
+        <p:nvSpPr>
+          <p:cNvPr id="2" name="Title 1"/>
+          <p:cNvSpPr>
+            <a:spLocks noGrp="1"/>
+          </p:cNvSpPr>
+          <p:nvPr>
+            <p:ph type="title"/>
+          </p:nvPr>
+        </p:nvSpPr>
+        <p:spPr/>
+        <p:txBody>
+          <a:bodyPr/>
+          <a:lstStyle>
+            <a:lvl1pPr>
+              <a:defRPr/>
+            </a:lvl1pPr>
+          </a:lstStyle>
+          <a:p>
+            <a:r>
+              <a:rPr lang="en-US"/>
+              <a:t>Click to edit Master title style</a:t>
+            </a:r>
+            <a:endParaRPr lang="en-US" dirty="0"/>
+          </a:p>
+        </p:txBody>
+      </p:sp>
+      <p:sp>
+        <p:nvSpPr>
+          <p:cNvPr id="3" name="Text Placeholder 2"/>
+          <p:cNvSpPr>
+            <a:spLocks noGrp="1"/>
+          </p:cNvSpPr>
+          <p:nvPr>
+            <p:ph type="body" idx="1"/>
+          </p:nvPr>
+        </p:nvSpPr>
+        <p:spPr>
+          <a:xfrm>
+            <a:off x="675745" y="2160983"/>
+            <a:ext cx="4185623" cy="576262"/>
+          </a:xfrm>
+        </p:spPr>
+        <p:txBody>
+          <a:bodyPr anchor="b">
+            <a:noAutofit/>
+          </a:bodyPr>
+          <a:lstStyle>
+            <a:lvl1pPr marL="0" indent="0">
+              <a:buNone/>
+              <a:defRPr sz="2400" b="0"/>
+            </a:lvl1pPr>
+            <a:lvl2pPr marL="457200" indent="0">
+              <a:buNone/>
+              <a:defRPr sz="2000" b="1"/>
+            </a:lvl2pPr>
+            <a:lvl3pPr marL="914400" indent="0">
+              <a:buNone/>
+              <a:defRPr sz="1800" b="1"/>
+            </a:lvl3pPr>
+            <a:lvl4pPr marL="1371600" indent="0">
+              <a:buNone/>
+              <a:defRPr sz="1600" b="1"/>
+            </a:lvl4pPr>
+            <a:lvl5pPr marL="1828800" indent="0">
+              <a:buNone/>
+              <a:defRPr sz="1600" b="1"/>
+            </a:lvl5pPr>
+            <a:lvl6pPr marL="2286000" indent="0">
+              <a:buNone/>
+              <a:defRPr sz="1600" b="1"/>
+            </a:lvl6pPr>
+            <a:lvl7pPr marL="2743200" indent="0">
+              <a:buNone/>
+              <a:defRPr sz="1600" b="1"/>
+            </a:lvl7pPr>
+            <a:lvl8pPr marL="3200400" indent="0">
+              <a:buNone/>
+              <a:defRPr sz="1600" b="1"/>
+            </a:lvl8pPr>
+            <a:lvl9pPr marL="3657600" indent="0">
+              <a:buNone/>
+              <a:defRPr sz="1600" b="1"/>
+            </a:lvl9pPr>
+          </a:lstStyle>
+          <a:p>
+            <a:pPr lvl="0"/>
+            <a:r>
+              <a:rPr lang="en-US"/>
+              <a:t>Click to edit Master text styles</a:t>
+            </a:r>
+          </a:p>
+        </p:txBody>
+      </p:sp>
+      <p:sp>
+        <p:nvSpPr>
+          <p:cNvPr id="4" name="Content Placeholder 3"/>
+          <p:cNvSpPr>
+            <a:spLocks noGrp="1"/>
+          </p:cNvSpPr>
+          <p:nvPr>
+            <p:ph sz="half" idx="2"/>
+          </p:nvPr>
+        </p:nvSpPr>
+        <p:spPr>
+          <a:xfrm>
+            <a:off x="675745" y="2737245"/>
+            <a:ext cx="4185623" cy="3304117"/>
+          </a:xfrm>
+        </p:spPr>
+        <p:txBody>
+          <a:bodyPr>
+            <a:normAutofit/>
+          </a:bodyPr>
+          <a:lstStyle/>
+          <a:p>
+            <a:pPr lvl="0"/>
+            <a:r>
+              <a:rPr lang="en-US"/>
+              <a:t>Click to edit Master text styles</a:t>
+            </a:r>
+          </a:p>
+          <a:p>
+            <a:pPr lvl="1"/>
+            <a:r>
+              <a:rPr lang="en-US"/>
+              <a:t>Second level</a:t>
+            </a:r>
+          </a:p>
+          <a:p>
+            <a:pPr lvl="2"/>
+            <a:r>
+              <a:rPr lang="en-US"/>
+              <a:t>Third level</a:t>
+            </a:r>
+          </a:p>
+          <a:p>
+            <a:pPr lvl="3"/>
+            <a:r>
+              <a:rPr lang="en-US"/>
+              <a:t>Fourth level</a:t>
+            </a:r>
+          </a:p>
+          <a:p>
+            <a:pPr lvl="4"/>
+            <a:r>
+              <a:rPr lang="en-US"/>
+              <a:t>Fifth level</a:t>
+            </a:r>
+            <a:endParaRPr lang="en-US" dirty="0"/>
+          </a:p>
+        </p:txBody>
+      </p:sp>
+      <p:sp>
+        <p:nvSpPr>
+          <p:cNvPr id="5" name="Text Placeholder 4"/>
+          <p:cNvSpPr>
+            <a:spLocks noGrp="1"/>
+          </p:cNvSpPr>
+          <p:nvPr>
+            <p:ph type="body" sz="quarter" idx="3"/>
+          </p:nvPr>
+        </p:nvSpPr>
+        <p:spPr>
+          <a:xfrm>
+            <a:off x="5088383" y="2160983"/>
+            <a:ext cx="4185618" cy="576262"/>
+          </a:xfrm>
+        </p:spPr>
+        <p:txBody>
+          <a:bodyPr anchor="b">
+            <a:noAutofit/>
+          </a:bodyPr>
+          <a:lstStyle>
+            <a:lvl1pPr marL="0" indent="0">
+              <a:buNone/>
+              <a:defRPr sz="2400" b="0"/>
+            </a:lvl1pPr>
+            <a:lvl2pPr marL="457200" indent="0">
+              <a:buNone/>
+              <a:defRPr sz="2000" b="1"/>
+            </a:lvl2pPr>
+            <a:lvl3pPr marL="914400" indent="0">
+              <a:buNone/>
+              <a:defRPr sz="1800" b="1"/>
+            </a:lvl3pPr>
+            <a:lvl4pPr marL="1371600" indent="0">
+              <a:buNone/>
+              <a:defRPr sz="1600" b="1"/>
+            </a:lvl4pPr>
+            <a:lvl5pPr marL="1828800" indent="0">
+              <a:buNone/>
+              <a:defRPr sz="1600" b="1"/>
+            </a:lvl5pPr>
+            <a:lvl6pPr marL="2286000" indent="0">
+              <a:buNone/>
+              <a:defRPr sz="1600" b="1"/>
+            </a:lvl6pPr>
+            <a:lvl7pPr marL="2743200" indent="0">
+              <a:buNone/>
+              <a:defRPr sz="1600" b="1"/>
+            </a:lvl7pPr>
+            <a:lvl8pPr marL="3200400" indent="0">
+              <a:buNone/>
+              <a:defRPr sz="1600" b="1"/>
+            </a:lvl8pPr>
+            <a:lvl9pPr marL="3657600" indent="0">
+              <a:buNone/>
+              <a:defRPr sz="1600" b="1"/>
+            </a:lvl9pPr>
+          </a:lstStyle>
+          <a:p>
+            <a:pPr lvl="0"/>
+            <a:r>
+              <a:rPr lang="en-US"/>
+              <a:t>Click to edit Master text styles</a:t>
+            </a:r>
+          </a:p>
+        </p:txBody>
+      </p:sp>
+      <p:sp>
+        <p:nvSpPr>
+          <p:cNvPr id="6" name="Content Placeholder 5"/>
+          <p:cNvSpPr>
+            <a:spLocks noGrp="1"/>
+          </p:cNvSpPr>
+          <p:nvPr>
+            <p:ph sz="quarter" idx="4"/>
+          </p:nvPr>
+        </p:nvSpPr>
+        <p:spPr>
+          <a:xfrm>
+            <a:off x="5088384" y="2737245"/>
+            <a:ext cx="4185617" cy="3304117"/>
+          </a:xfrm>
+        </p:spPr>
+        <p:txBody>
+          <a:bodyPr>
+            <a:normAutofit/>
+          </a:bodyPr>
+          <a:lstStyle/>
+          <a:p>
+            <a:pPr lvl="0"/>
+            <a:r>
+              <a:rPr lang="en-US"/>
+              <a:t>Click to edit Master text styles</a:t>
+            </a:r>
+          </a:p>
+          <a:p>
+            <a:pPr lvl="1"/>
+            <a:r>
+              <a:rPr lang="en-US"/>
+              <a:t>Second level</a:t>
+            </a:r>
+          </a:p>
+          <a:p>
+            <a:pPr lvl="2"/>
+            <a:r>
+              <a:rPr lang="en-US"/>
+              <a:t>Third level</a:t>
+            </a:r>
+          </a:p>
+          <a:p>
+            <a:pPr lvl="3"/>
+            <a:r>
+              <a:rPr lang="en-US"/>
+              <a:t>Fourth level</a:t>
+            </a:r>
+          </a:p>
+          <a:p>
+            <a:pPr lvl="4"/>
+            <a:r>
+              <a:rPr lang="en-US"/>
+              <a:t>Fifth level</a:t>
+            </a:r>
+            <a:endParaRPr lang="en-US" dirty="0"/>
+          </a:p>
+        </p:txBody>
+      </p:sp>
+      <p:sp>
+        <p:nvSpPr>
+          <p:cNvPr id="7" name="Date Placeholder 6"/>
+          <p:cNvSpPr>
+            <a:spLocks noGrp="1"/>
+          </p:cNvSpPr>
+          <p:nvPr>
+            <p:ph type="dt" sz="half" idx="10"/>
+          </p:nvPr>
+        </p:nvSpPr>
+        <p:spPr/>
+        <p:txBody>
+          <a:bodyPr/>
+          <a:lstStyle/>
+          <a:p>
+            <a:fld id="{E21449DE-EB7C-49DB-8693-159B0964EAB0}" type="datetimeFigureOut">
+              <a:rPr lang="es-PE" smtClean="0"/>
+              <a:t>08/07/2020</a:t>
+            </a:fld>
+            <a:endParaRPr lang="es-PE"/>
+          </a:p>
+        </p:txBody>
+      </p:sp>
+      <p:sp>
+        <p:nvSpPr>
+          <p:cNvPr id="8" name="Footer Placeholder 7"/>
+          <p:cNvSpPr>
+            <a:spLocks noGrp="1"/>
+          </p:cNvSpPr>
+          <p:nvPr>
+            <p:ph type="ftr" sz="quarter" idx="11"/>
+          </p:nvPr>
+        </p:nvSpPr>
+        <p:spPr/>
+        <p:txBody>
+          <a:bodyPr/>
+          <a:lstStyle/>
+          <a:p>
+            <a:endParaRPr lang="es-PE"/>
+          </a:p>
+        </p:txBody>
+      </p:sp>
+      <p:sp>
+        <p:nvSpPr>
+          <p:cNvPr id="9" name="Slide Number Placeholder 8"/>
+          <p:cNvSpPr>
+            <a:spLocks noGrp="1"/>
+          </p:cNvSpPr>
+          <p:nvPr>
+            <p:ph type="sldNum" sz="quarter" idx="12"/>
+          </p:nvPr>
+        </p:nvSpPr>
+        <p:spPr/>
+        <p:txBody>
+          <a:bodyPr/>
+          <a:lstStyle/>
+          <a:p>
+            <a:fld id="{47E46FEF-1078-45E6-A35D-6C135BF4B061}" type="slidenum">
+              <a:rPr lang="es-PE" smtClean="0"/>
+              <a:t>‹Nº›</a:t>
+            </a:fld>
+            <a:endParaRPr lang="es-PE"/>
+          </a:p>
+        </p:txBody>
+      </p:sp>
+    </p:spTree>
+    <p:extLst>
+      <p:ext uri="{BB962C8B-B14F-4D97-AF65-F5344CB8AC3E}">
+        <p14:creationId xmlns:p14="http://schemas.microsoft.com/office/powerpoint/2010/main" val="4143459067"/>
+      </p:ext>
+    </p:extLst>
+  </p:cSld>
+  <p:clrMapOvr>
+    <a:masterClrMapping/>
+  </p:clrMapOvr>
+</p:sldLayout>
+</file>
+
+<file path=ppt/slideLayouts/slideLayout6.xml><?xml version="1.0" encoding="utf-8"?>
+<p:sldLayout xmlns:a="http://schemas.openxmlformats.org/drawingml/2006/main" xmlns:r="http://schemas.openxmlformats.org/officeDocument/2006/relationships" xmlns:p="http://schemas.openxmlformats.org/presentationml/2006/main" type="titleOnly" preserve="1">
+  <p:cSld name="Title Only">
+    <p:spTree>
+      <p:nvGrpSpPr>
+        <p:cNvPr id="1" name=""/>
+        <p:cNvGrpSpPr/>
+        <p:nvPr/>
+      </p:nvGrpSpPr>
+      <p:grpSpPr>
+        <a:xfrm>
+          <a:off x="0" y="0"/>
+          <a:ext cx="0" cy="0"/>
+          <a:chOff x="0" y="0"/>
+          <a:chExt cx="0" cy="0"/>
+        </a:xfrm>
+      </p:grpSpPr>
+      <p:sp>
+        <p:nvSpPr>
+          <p:cNvPr id="2" name="Title 1"/>
+          <p:cNvSpPr>
+            <a:spLocks noGrp="1"/>
+          </p:cNvSpPr>
+          <p:nvPr>
+            <p:ph type="title"/>
+          </p:nvPr>
+        </p:nvSpPr>
+        <p:spPr>
+          <a:xfrm>
+            <a:off x="677334" y="609600"/>
+            <a:ext cx="8596668" cy="1320800"/>
+          </a:xfrm>
+        </p:spPr>
+        <p:txBody>
+          <a:bodyPr/>
+          <a:lstStyle/>
+          <a:p>
+            <a:r>
+              <a:rPr lang="en-US"/>
+              <a:t>Click to edit Master title style</a:t>
+            </a:r>
+            <a:endParaRPr lang="en-US" dirty="0"/>
+          </a:p>
+        </p:txBody>
+      </p:sp>
+      <p:sp>
+        <p:nvSpPr>
+          <p:cNvPr id="3" name="Date Placeholder 2"/>
+          <p:cNvSpPr>
+            <a:spLocks noGrp="1"/>
+          </p:cNvSpPr>
+          <p:nvPr>
+            <p:ph type="dt" sz="half" idx="10"/>
+          </p:nvPr>
+        </p:nvSpPr>
+        <p:spPr/>
+        <p:txBody>
+          <a:bodyPr/>
+          <a:lstStyle/>
+          <a:p>
+            <a:fld id="{E21449DE-EB7C-49DB-8693-159B0964EAB0}" type="datetimeFigureOut">
+              <a:rPr lang="es-PE" smtClean="0"/>
+              <a:t>08/07/2020</a:t>
+            </a:fld>
+            <a:endParaRPr lang="es-PE"/>
+          </a:p>
+        </p:txBody>
+      </p:sp>
+      <p:sp>
+        <p:nvSpPr>
+          <p:cNvPr id="4" name="Footer Placeholder 3"/>
+          <p:cNvSpPr>
+            <a:spLocks noGrp="1"/>
+          </p:cNvSpPr>
+          <p:nvPr>
+            <p:ph type="ftr" sz="quarter" idx="11"/>
+          </p:nvPr>
+        </p:nvSpPr>
+        <p:spPr/>
+        <p:txBody>
+          <a:bodyPr/>
+          <a:lstStyle/>
+          <a:p>
+            <a:endParaRPr lang="es-PE"/>
+          </a:p>
+        </p:txBody>
+      </p:sp>
+      <p:sp>
+        <p:nvSpPr>
+          <p:cNvPr id="5" name="Slide Number Placeholder 4"/>
+          <p:cNvSpPr>
+            <a:spLocks noGrp="1"/>
+          </p:cNvSpPr>
+          <p:nvPr>
+            <p:ph type="sldNum" sz="quarter" idx="12"/>
+          </p:nvPr>
+        </p:nvSpPr>
+        <p:spPr/>
+        <p:txBody>
+          <a:bodyPr/>
+          <a:lstStyle/>
+          <a:p>
+            <a:fld id="{47E46FEF-1078-45E6-A35D-6C135BF4B061}" type="slidenum">
+              <a:rPr lang="es-PE" smtClean="0"/>
+              <a:t>‹Nº›</a:t>
+            </a:fld>
+            <a:endParaRPr lang="es-PE"/>
+          </a:p>
+        </p:txBody>
+      </p:sp>
+    </p:spTree>
+    <p:extLst>
+      <p:ext uri="{BB962C8B-B14F-4D97-AF65-F5344CB8AC3E}">
+        <p14:creationId xmlns:p14="http://schemas.microsoft.com/office/powerpoint/2010/main" val="3565864816"/>
+      </p:ext>
+    </p:extLst>
+  </p:cSld>
+  <p:clrMapOvr>
+    <a:masterClrMapping/>
+  </p:clrMapOvr>
+</p:sldLayout>
+</file>
+
+<file path=ppt/slideLayouts/slideLayout7.xml><?xml version="1.0" encoding="utf-8"?>
+<p:sldLayout xmlns:a="http://schemas.openxmlformats.org/drawingml/2006/main" xmlns:r="http://schemas.openxmlformats.org/officeDocument/2006/relationships" xmlns:p="http://schemas.openxmlformats.org/presentationml/2006/main" type="blank" preserve="1">
+  <p:cSld name="Blank">
+    <p:spTree>
+      <p:nvGrpSpPr>
+        <p:cNvPr id="1" name=""/>
+        <p:cNvGrpSpPr/>
+        <p:nvPr/>
+      </p:nvGrpSpPr>
+      <p:grpSpPr>
+        <a:xfrm>
+          <a:off x="0" y="0"/>
+          <a:ext cx="0" cy="0"/>
+          <a:chOff x="0" y="0"/>
+          <a:chExt cx="0" cy="0"/>
+        </a:xfrm>
+      </p:grpSpPr>
+      <p:sp>
+        <p:nvSpPr>
+          <p:cNvPr id="2" name="Date Placeholder 1"/>
+          <p:cNvSpPr>
+            <a:spLocks noGrp="1"/>
+          </p:cNvSpPr>
+          <p:nvPr>
+            <p:ph type="dt" sz="half" idx="10"/>
+          </p:nvPr>
+        </p:nvSpPr>
+        <p:spPr/>
+        <p:txBody>
+          <a:bodyPr/>
+          <a:lstStyle/>
+          <a:p>
+            <a:fld id="{E21449DE-EB7C-49DB-8693-159B0964EAB0}" type="datetimeFigureOut">
+              <a:rPr lang="es-PE" smtClean="0"/>
+              <a:t>08/07/2020</a:t>
+            </a:fld>
+            <a:endParaRPr lang="es-PE"/>
+          </a:p>
+        </p:txBody>
+      </p:sp>
+      <p:sp>
+        <p:nvSpPr>
+          <p:cNvPr id="3" name="Footer Placeholder 2"/>
+          <p:cNvSpPr>
+            <a:spLocks noGrp="1"/>
+          </p:cNvSpPr>
+          <p:nvPr>
+            <p:ph type="ftr" sz="quarter" idx="11"/>
+          </p:nvPr>
+        </p:nvSpPr>
+        <p:spPr/>
+        <p:txBody>
+          <a:bodyPr/>
+          <a:lstStyle/>
+          <a:p>
+            <a:endParaRPr lang="es-PE"/>
+          </a:p>
+        </p:txBody>
+      </p:sp>
+      <p:sp>
+        <p:nvSpPr>
+          <p:cNvPr id="4" name="Slide Number Placeholder 3"/>
+          <p:cNvSpPr>
+            <a:spLocks noGrp="1"/>
+          </p:cNvSpPr>
+          <p:nvPr>
+            <p:ph type="sldNum" sz="quarter" idx="12"/>
+          </p:nvPr>
+        </p:nvSpPr>
+        <p:spPr/>
+        <p:txBody>
+          <a:bodyPr/>
+          <a:lstStyle/>
+          <a:p>
+            <a:fld id="{47E46FEF-1078-45E6-A35D-6C135BF4B061}" type="slidenum">
+              <a:rPr lang="es-PE" smtClean="0"/>
+              <a:t>‹Nº›</a:t>
+            </a:fld>
+            <a:endParaRPr lang="es-PE"/>
+          </a:p>
+        </p:txBody>
+      </p:sp>
+    </p:spTree>
+    <p:extLst>
+      <p:ext uri="{BB962C8B-B14F-4D97-AF65-F5344CB8AC3E}">
+        <p14:creationId xmlns:p14="http://schemas.microsoft.com/office/powerpoint/2010/main" val="848512701"/>
+      </p:ext>
+    </p:extLst>
+  </p:cSld>
+  <p:clrMapOvr>
+    <a:masterClrMapping/>
+  </p:clrMapOvr>
+</p:sldLayout>
+</file>
+
+<file path=ppt/slideLayouts/slideLayout8.xml><?xml version="1.0" encoding="utf-8"?>
+<p:sldLayout xmlns:a="http://schemas.openxmlformats.org/drawingml/2006/main" xmlns:r="http://schemas.openxmlformats.org/officeDocument/2006/relationships" xmlns:p="http://schemas.openxmlformats.org/presentationml/2006/main" type="objTx" preserve="1">
+  <p:cSld name="Content with Caption">
+    <p:spTree>
+      <p:nvGrpSpPr>
+        <p:cNvPr id="1" name=""/>
+        <p:cNvGrpSpPr/>
+        <p:nvPr/>
+      </p:nvGrpSpPr>
+      <p:grpSpPr>
+        <a:xfrm>
+          <a:off x="0" y="0"/>
+          <a:ext cx="0" cy="0"/>
+          <a:chOff x="0" y="0"/>
+          <a:chExt cx="0" cy="0"/>
+        </a:xfrm>
+      </p:grpSpPr>
+      <p:sp>
+        <p:nvSpPr>
+          <p:cNvPr id="2" name="Title 1"/>
+          <p:cNvSpPr>
+            <a:spLocks noGrp="1"/>
+          </p:cNvSpPr>
+          <p:nvPr>
+            <p:ph type="title"/>
+          </p:nvPr>
+        </p:nvSpPr>
+        <p:spPr>
+          <a:xfrm>
+            <a:off x="677334" y="1498604"/>
+            <a:ext cx="3854528" cy="1278466"/>
+          </a:xfrm>
+        </p:spPr>
+        <p:txBody>
+          <a:bodyPr anchor="b">
+            <a:normAutofit/>
+          </a:bodyPr>
+          <a:lstStyle>
+            <a:lvl1pPr>
+              <a:defRPr sz="2000"/>
+            </a:lvl1pPr>
+          </a:lstStyle>
+          <a:p>
+            <a:r>
+              <a:rPr lang="en-US"/>
+              <a:t>Click to edit Master title style</a:t>
+            </a:r>
+            <a:endParaRPr lang="en-US" dirty="0"/>
+          </a:p>
+        </p:txBody>
+      </p:sp>
+      <p:sp>
+        <p:nvSpPr>
+          <p:cNvPr id="3" name="Content Placeholder 2"/>
+          <p:cNvSpPr>
+            <a:spLocks noGrp="1"/>
+          </p:cNvSpPr>
+          <p:nvPr>
+            <p:ph idx="1"/>
+          </p:nvPr>
+        </p:nvSpPr>
+        <p:spPr>
+          <a:xfrm>
+            <a:off x="4760461" y="514924"/>
+            <a:ext cx="4513541" cy="5526437"/>
+          </a:xfrm>
+        </p:spPr>
+        <p:txBody>
+          <a:bodyPr>
+            <a:normAutofit/>
+          </a:bodyPr>
+          <a:lstStyle/>
+          <a:p>
+            <a:pPr lvl="0"/>
+            <a:r>
+              <a:rPr lang="en-US"/>
+              <a:t>Click to edit Master text styles</a:t>
+            </a:r>
+          </a:p>
+          <a:p>
+            <a:pPr lvl="1"/>
+            <a:r>
+              <a:rPr lang="en-US"/>
+              <a:t>Second level</a:t>
+            </a:r>
+          </a:p>
+          <a:p>
+            <a:pPr lvl="2"/>
+            <a:r>
+              <a:rPr lang="en-US"/>
+              <a:t>Third level</a:t>
+            </a:r>
+          </a:p>
+          <a:p>
+            <a:pPr lvl="3"/>
+            <a:r>
+              <a:rPr lang="en-US"/>
+              <a:t>Fourth level</a:t>
+            </a:r>
+          </a:p>
+          <a:p>
+            <a:pPr lvl="4"/>
+            <a:r>
+              <a:rPr lang="en-US"/>
+              <a:t>Fifth level</a:t>
+            </a:r>
+            <a:endParaRPr lang="en-US" dirty="0"/>
+          </a:p>
+        </p:txBody>
+      </p:sp>
+      <p:sp>
+        <p:nvSpPr>
+          <p:cNvPr id="4" name="Text Placeholder 3"/>
+          <p:cNvSpPr>
+            <a:spLocks noGrp="1"/>
+          </p:cNvSpPr>
+          <p:nvPr>
+            <p:ph type="body" sz="half" idx="2"/>
+          </p:nvPr>
+        </p:nvSpPr>
+        <p:spPr>
+          <a:xfrm>
+            <a:off x="677334" y="2777069"/>
+            <a:ext cx="3854528" cy="2584449"/>
+          </a:xfrm>
+        </p:spPr>
+        <p:txBody>
+          <a:bodyPr>
+            <a:normAutofit/>
+          </a:bodyPr>
+          <a:lstStyle>
+            <a:lvl1pPr marL="0" indent="0">
+              <a:buNone/>
+              <a:defRPr sz="1400"/>
+            </a:lvl1pPr>
+            <a:lvl2pPr marL="457063" indent="0">
+              <a:buNone/>
+              <a:defRPr sz="1400"/>
+            </a:lvl2pPr>
+            <a:lvl3pPr marL="914126" indent="0">
+              <a:buNone/>
+              <a:defRPr sz="1200"/>
+            </a:lvl3pPr>
+            <a:lvl4pPr marL="1371189" indent="0">
+              <a:buNone/>
+              <a:defRPr sz="1000"/>
+            </a:lvl4pPr>
+            <a:lvl5pPr marL="1828251" indent="0">
+              <a:buNone/>
+              <a:defRPr sz="1000"/>
+            </a:lvl5pPr>
+            <a:lvl6pPr marL="2285314" indent="0">
+              <a:buNone/>
+              <a:defRPr sz="1000"/>
+            </a:lvl6pPr>
+            <a:lvl7pPr marL="2742377" indent="0">
+              <a:buNone/>
+              <a:defRPr sz="1000"/>
+            </a:lvl7pPr>
+            <a:lvl8pPr marL="3199440" indent="0">
+              <a:buNone/>
+              <a:defRPr sz="1000"/>
+            </a:lvl8pPr>
+            <a:lvl9pPr marL="3656503" indent="0">
+              <a:buNone/>
+              <a:defRPr sz="1000"/>
+            </a:lvl9pPr>
+          </a:lstStyle>
+          <a:p>
+            <a:pPr lvl="0"/>
+            <a:r>
+              <a:rPr lang="en-US"/>
+              <a:t>Click to edit Master text styles</a:t>
+            </a:r>
+          </a:p>
+        </p:txBody>
+      </p:sp>
+      <p:sp>
+        <p:nvSpPr>
+          <p:cNvPr id="5" name="Date Placeholder 4"/>
+          <p:cNvSpPr>
+            <a:spLocks noGrp="1"/>
+          </p:cNvSpPr>
+          <p:nvPr>
+            <p:ph type="dt" sz="half" idx="10"/>
+          </p:nvPr>
+        </p:nvSpPr>
+        <p:spPr/>
+        <p:txBody>
+          <a:bodyPr/>
+          <a:lstStyle/>
+          <a:p>
+            <a:fld id="{E21449DE-EB7C-49DB-8693-159B0964EAB0}" type="datetimeFigureOut">
+              <a:rPr lang="es-PE" smtClean="0"/>
+              <a:t>08/07/2020</a:t>
+            </a:fld>
+            <a:endParaRPr lang="es-PE"/>
+          </a:p>
+        </p:txBody>
+      </p:sp>
+      <p:sp>
+        <p:nvSpPr>
+          <p:cNvPr id="6" name="Footer Placeholder 5"/>
+          <p:cNvSpPr>
+            <a:spLocks noGrp="1"/>
+          </p:cNvSpPr>
+          <p:nvPr>
+            <p:ph type="ftr" sz="quarter" idx="11"/>
+          </p:nvPr>
+        </p:nvSpPr>
+        <p:spPr/>
+        <p:txBody>
+          <a:bodyPr/>
+          <a:lstStyle/>
+          <a:p>
+            <a:endParaRPr lang="es-PE"/>
+          </a:p>
+        </p:txBody>
+      </p:sp>
+      <p:sp>
+        <p:nvSpPr>
+          <p:cNvPr id="7" name="Slide Number Placeholder 6"/>
+          <p:cNvSpPr>
+            <a:spLocks noGrp="1"/>
+          </p:cNvSpPr>
+          <p:nvPr>
+            <p:ph type="sldNum" sz="quarter" idx="12"/>
+          </p:nvPr>
+        </p:nvSpPr>
+        <p:spPr/>
+        <p:txBody>
+          <a:bodyPr/>
+          <a:lstStyle/>
+          <a:p>
+            <a:fld id="{47E46FEF-1078-45E6-A35D-6C135BF4B061}" type="slidenum">
+              <a:rPr lang="es-PE" smtClean="0"/>
+              <a:t>‹Nº›</a:t>
+            </a:fld>
+            <a:endParaRPr lang="es-PE"/>
+          </a:p>
+        </p:txBody>
+      </p:sp>
+    </p:spTree>
+    <p:extLst>
+      <p:ext uri="{BB962C8B-B14F-4D97-AF65-F5344CB8AC3E}">
+        <p14:creationId xmlns:p14="http://schemas.microsoft.com/office/powerpoint/2010/main" val="2354332859"/>
+      </p:ext>
+    </p:extLst>
+  </p:cSld>
+  <p:clrMapOvr>
+    <a:masterClrMapping/>
+  </p:clrMapOvr>
+</p:sldLayout>
+</file>
+
+<file path=ppt/slideLayouts/slideLayout9.xml><?xml version="1.0" encoding="utf-8"?>
+<p:sldLayout xmlns:a="http://schemas.openxmlformats.org/drawingml/2006/main" xmlns:r="http://schemas.openxmlformats.org/officeDocument/2006/relationships" xmlns:p="http://schemas.openxmlformats.org/presentationml/2006/main" type="picTx" preserve="1">
+  <p:cSld name="Picture with Caption">
+    <p:spTree>
+      <p:nvGrpSpPr>
+        <p:cNvPr id="1" name=""/>
+        <p:cNvGrpSpPr/>
+        <p:nvPr/>
+      </p:nvGrpSpPr>
+      <p:grpSpPr>
+        <a:xfrm>
+          <a:off x="0" y="0"/>
+          <a:ext cx="0" cy="0"/>
+          <a:chOff x="0" y="0"/>
+          <a:chExt cx="0" cy="0"/>
+        </a:xfrm>
+      </p:grpSpPr>
+      <p:sp>
+        <p:nvSpPr>
+          <p:cNvPr id="2" name="Title 1"/>
+          <p:cNvSpPr>
+            <a:spLocks noGrp="1"/>
+          </p:cNvSpPr>
+          <p:nvPr>
+            <p:ph type="title"/>
+          </p:nvPr>
+        </p:nvSpPr>
+        <p:spPr>
+          <a:xfrm>
+            <a:off x="677334" y="4800600"/>
+            <a:ext cx="8596667" cy="566738"/>
+          </a:xfrm>
+        </p:spPr>
+        <p:txBody>
+          <a:bodyPr anchor="b">
+            <a:normAutofit/>
+          </a:bodyPr>
+          <a:lstStyle>
+            <a:lvl1pPr algn="l">
+              <a:defRPr sz="2400" b="0"/>
+            </a:lvl1pPr>
+          </a:lstStyle>
+          <a:p>
+            <a:r>
+              <a:rPr lang="en-US"/>
+              <a:t>Click to edit Master title style</a:t>
+            </a:r>
+            <a:endParaRPr lang="en-US" dirty="0"/>
+          </a:p>
+        </p:txBody>
+      </p:sp>
+      <p:sp>
+        <p:nvSpPr>
+          <p:cNvPr id="3" name="Picture Placeholder 2"/>
+          <p:cNvSpPr>
+            <a:spLocks noGrp="1" noChangeAspect="1"/>
+          </p:cNvSpPr>
+          <p:nvPr>
+            <p:ph type="pic" idx="1"/>
+          </p:nvPr>
+        </p:nvSpPr>
+        <p:spPr>
+          <a:xfrm>
+            <a:off x="677334" y="609600"/>
+            <a:ext cx="8596668" cy="3845718"/>
+          </a:xfrm>
+        </p:spPr>
+        <p:txBody>
+          <a:bodyPr anchor="t">
+            <a:normAutofit/>
+          </a:bodyPr>
+          <a:lstStyle>
+            <a:lvl1pPr marL="0" indent="0" algn="ctr">
+              <a:buNone/>
+              <a:defRPr sz="1600"/>
+            </a:lvl1pPr>
+            <a:lvl2pPr marL="457200" indent="0">
+              <a:buNone/>
+              <a:defRPr sz="1600"/>
+            </a:lvl2pPr>
+            <a:lvl3pPr marL="914400" indent="0">
+              <a:buNone/>
+              <a:defRPr sz="1600"/>
+            </a:lvl3pPr>
+            <a:lvl4pPr marL="1371600" indent="0">
+              <a:buNone/>
+              <a:defRPr sz="1600"/>
+            </a:lvl4pPr>
+            <a:lvl5pPr marL="1828800" indent="0">
+              <a:buNone/>
+              <a:defRPr sz="1600"/>
+            </a:lvl5pPr>
+            <a:lvl6pPr marL="2286000" indent="0">
+              <a:buNone/>
+              <a:defRPr sz="1600"/>
+            </a:lvl6pPr>
+            <a:lvl7pPr marL="2743200" indent="0">
+              <a:buNone/>
+              <a:defRPr sz="1600"/>
+            </a:lvl7pPr>
+            <a:lvl8pPr marL="3200400" indent="0">
+              <a:buNone/>
+              <a:defRPr sz="1600"/>
+            </a:lvl8pPr>
+            <a:lvl9pPr marL="3657600" indent="0">
+              <a:buNone/>
+              <a:defRPr sz="1600"/>
+            </a:lvl9pPr>
+          </a:lstStyle>
+          <a:p>
+            <a:r>
+              <a:rPr lang="en-US"/>
+              <a:t>Click icon to add picture</a:t>
+            </a:r>
+            <a:endParaRPr lang="en-US" dirty="0"/>
+          </a:p>
+        </p:txBody>
+      </p:sp>
+      <p:sp>
+        <p:nvSpPr>
+          <p:cNvPr id="4" name="Text Placeholder 3"/>
+          <p:cNvSpPr>
+            <a:spLocks noGrp="1"/>
+          </p:cNvSpPr>
+          <p:nvPr>
+            <p:ph type="body" sz="half" idx="2"/>
+          </p:nvPr>
+        </p:nvSpPr>
+        <p:spPr>
+          <a:xfrm>
+            <a:off x="677334" y="5367338"/>
+            <a:ext cx="8596667" cy="674024"/>
+          </a:xfrm>
+        </p:spPr>
+        <p:txBody>
+          <a:bodyPr>
+            <a:normAutofit/>
+          </a:bodyPr>
+          <a:lstStyle>
+            <a:lvl1pPr marL="0" indent="0">
+              <a:buNone/>
+              <a:defRPr sz="1200"/>
+            </a:lvl1pPr>
+            <a:lvl2pPr marL="457200" indent="0">
+              <a:buNone/>
+              <a:defRPr sz="1200"/>
+            </a:lvl2pPr>
+            <a:lvl3pPr marL="914400" indent="0">
+              <a:buNone/>
+              <a:defRPr sz="1000"/>
+            </a:lvl3pPr>
+            <a:lvl4pPr marL="1371600" indent="0">
+              <a:buNone/>
+              <a:defRPr sz="900"/>
+            </a:lvl4pPr>
+            <a:lvl5pPr marL="1828800" indent="0">
+              <a:buNone/>
+              <a:defRPr sz="900"/>
+            </a:lvl5pPr>
+            <a:lvl6pPr marL="2286000" indent="0">
+              <a:buNone/>
+              <a:defRPr sz="900"/>
+            </a:lvl6pPr>
+            <a:lvl7pPr marL="2743200" indent="0">
+              <a:buNone/>
+              <a:defRPr sz="900"/>
+            </a:lvl7pPr>
+            <a:lvl8pPr marL="3200400" indent="0">
+              <a:buNone/>
+              <a:defRPr sz="900"/>
+            </a:lvl8pPr>
+            <a:lvl9pPr marL="3657600" indent="0">
+              <a:buNone/>
+              <a:defRPr sz="900"/>
+            </a:lvl9pPr>
+          </a:lstStyle>
+          <a:p>
+            <a:pPr lvl="0"/>
+            <a:r>
+              <a:rPr lang="en-US"/>
+              <a:t>Click to edit Master text styles</a:t>
+            </a:r>
+          </a:p>
+        </p:txBody>
+      </p:sp>
+      <p:sp>
+        <p:nvSpPr>
+          <p:cNvPr id="5" name="Date Placeholder 4"/>
+          <p:cNvSpPr>
+            <a:spLocks noGrp="1"/>
+          </p:cNvSpPr>
+          <p:nvPr>
+            <p:ph type="dt" sz="half" idx="10"/>
+          </p:nvPr>
+        </p:nvSpPr>
+        <p:spPr/>
+        <p:txBody>
+          <a:bodyPr/>
+          <a:lstStyle/>
+          <a:p>
+            <a:fld id="{E21449DE-EB7C-49DB-8693-159B0964EAB0}" type="datetimeFigureOut">
+              <a:rPr lang="es-PE" smtClean="0"/>
+              <a:t>08/07/2020</a:t>
+            </a:fld>
+            <a:endParaRPr lang="es-PE"/>
+          </a:p>
+        </p:txBody>
+      </p:sp>
+      <p:sp>
+        <p:nvSpPr>
+          <p:cNvPr id="6" name="Footer Placeholder 5"/>
+          <p:cNvSpPr>
+            <a:spLocks noGrp="1"/>
+          </p:cNvSpPr>
+          <p:nvPr>
+            <p:ph type="ftr" sz="quarter" idx="11"/>
+          </p:nvPr>
+        </p:nvSpPr>
+        <p:spPr/>
+        <p:txBody>
+          <a:bodyPr/>
+          <a:lstStyle/>
+          <a:p>
+            <a:endParaRPr lang="es-PE"/>
+          </a:p>
+        </p:txBody>
+      </p:sp>
+      <p:sp>
+        <p:nvSpPr>
+          <p:cNvPr id="7" name="Slide Number Placeholder 6"/>
+          <p:cNvSpPr>
+            <a:spLocks noGrp="1"/>
+          </p:cNvSpPr>
+          <p:nvPr>
+            <p:ph type="sldNum" sz="quarter" idx="12"/>
+          </p:nvPr>
+        </p:nvSpPr>
+        <p:spPr/>
+        <p:txBody>
+          <a:bodyPr/>
+          <a:lstStyle/>
+          <a:p>
+            <a:fld id="{47E46FEF-1078-45E6-A35D-6C135BF4B061}" type="slidenum">
+              <a:rPr lang="es-PE" smtClean="0"/>
+              <a:t>‹Nº›</a:t>
+            </a:fld>
+            <a:endParaRPr lang="es-PE"/>
+          </a:p>
+        </p:txBody>
+      </p:sp>
+    </p:spTree>
+    <p:extLst>
+      <p:ext uri="{BB962C8B-B14F-4D97-AF65-F5344CB8AC3E}">
+        <p14:creationId xmlns:p14="http://schemas.microsoft.com/office/powerpoint/2010/main" val="1293915355"/>
       </p:ext>
     </p:extLst>
   </p:cSld>
@@ -2451,9 +4663,539 @@
           <a:chExt cx="0" cy="0"/>
         </a:xfrm>
       </p:grpSpPr>
-      <p:sp>
-        <p:nvSpPr>
-          <p:cNvPr id="2" name="Marcador de título 1"/>
+      <p:grpSp>
+        <p:nvGrpSpPr>
+          <p:cNvPr id="7" name="Group 6"/>
+          <p:cNvGrpSpPr/>
+          <p:nvPr/>
+        </p:nvGrpSpPr>
+        <p:grpSpPr>
+          <a:xfrm>
+            <a:off x="0" y="-8467"/>
+            <a:ext cx="12192000" cy="6866467"/>
+            <a:chOff x="0" y="-8467"/>
+            <a:chExt cx="12192000" cy="6866467"/>
+          </a:xfrm>
+        </p:grpSpPr>
+        <p:cxnSp>
+          <p:nvCxnSpPr>
+            <p:cNvPr id="20" name="Straight Connector 19"/>
+            <p:cNvCxnSpPr/>
+            <p:nvPr/>
+          </p:nvCxnSpPr>
+          <p:spPr>
+            <a:xfrm>
+              <a:off x="9371012" y="0"/>
+              <a:ext cx="1219200" cy="6858000"/>
+            </a:xfrm>
+            <a:prstGeom prst="line">
+              <a:avLst/>
+            </a:prstGeom>
+            <a:ln w="9525">
+              <a:solidFill>
+                <a:schemeClr val="bg1">
+                  <a:lumMod val="75000"/>
+                </a:schemeClr>
+              </a:solidFill>
+            </a:ln>
+          </p:spPr>
+          <p:style>
+            <a:lnRef idx="2">
+              <a:schemeClr val="accent1"/>
+            </a:lnRef>
+            <a:fillRef idx="0">
+              <a:schemeClr val="accent1"/>
+            </a:fillRef>
+            <a:effectRef idx="1">
+              <a:schemeClr val="accent1"/>
+            </a:effectRef>
+            <a:fontRef idx="minor">
+              <a:schemeClr val="tx1"/>
+            </a:fontRef>
+          </p:style>
+        </p:cxnSp>
+        <p:cxnSp>
+          <p:nvCxnSpPr>
+            <p:cNvPr id="21" name="Straight Connector 20"/>
+            <p:cNvCxnSpPr/>
+            <p:nvPr/>
+          </p:nvCxnSpPr>
+          <p:spPr>
+            <a:xfrm flipH="1">
+              <a:off x="7425267" y="3681413"/>
+              <a:ext cx="4763558" cy="3176587"/>
+            </a:xfrm>
+            <a:prstGeom prst="line">
+              <a:avLst/>
+            </a:prstGeom>
+            <a:ln w="9525">
+              <a:solidFill>
+                <a:schemeClr val="bg1">
+                  <a:lumMod val="85000"/>
+                </a:schemeClr>
+              </a:solidFill>
+            </a:ln>
+          </p:spPr>
+          <p:style>
+            <a:lnRef idx="2">
+              <a:schemeClr val="accent1"/>
+            </a:lnRef>
+            <a:fillRef idx="0">
+              <a:schemeClr val="accent1"/>
+            </a:fillRef>
+            <a:effectRef idx="1">
+              <a:schemeClr val="accent1"/>
+            </a:effectRef>
+            <a:fontRef idx="minor">
+              <a:schemeClr val="tx1"/>
+            </a:fontRef>
+          </p:style>
+        </p:cxnSp>
+        <p:sp>
+          <p:nvSpPr>
+            <p:cNvPr id="22" name="Rectangle 23"/>
+            <p:cNvSpPr/>
+            <p:nvPr/>
+          </p:nvSpPr>
+          <p:spPr>
+            <a:xfrm>
+              <a:off x="9181476" y="-8467"/>
+              <a:ext cx="3007349" cy="6866467"/>
+            </a:xfrm>
+            <a:custGeom>
+              <a:avLst/>
+              <a:gdLst/>
+              <a:ahLst/>
+              <a:cxnLst/>
+              <a:rect l="l" t="t" r="r" b="b"/>
+              <a:pathLst>
+                <a:path w="3007349" h="6866467">
+                  <a:moveTo>
+                    <a:pt x="2045532" y="0"/>
+                  </a:moveTo>
+                  <a:lnTo>
+                    <a:pt x="3007349" y="0"/>
+                  </a:lnTo>
+                  <a:lnTo>
+                    <a:pt x="3007349" y="6866467"/>
+                  </a:lnTo>
+                  <a:lnTo>
+                    <a:pt x="0" y="6866467"/>
+                  </a:lnTo>
+                  <a:lnTo>
+                    <a:pt x="2045532" y="0"/>
+                  </a:lnTo>
+                  <a:close/>
+                </a:path>
+              </a:pathLst>
+            </a:custGeom>
+            <a:solidFill>
+              <a:schemeClr val="accent1">
+                <a:alpha val="30000"/>
+              </a:schemeClr>
+            </a:solidFill>
+            <a:ln>
+              <a:noFill/>
+            </a:ln>
+            <a:effectLst/>
+          </p:spPr>
+          <p:style>
+            <a:lnRef idx="1">
+              <a:schemeClr val="accent1"/>
+            </a:lnRef>
+            <a:fillRef idx="3">
+              <a:schemeClr val="accent1"/>
+            </a:fillRef>
+            <a:effectRef idx="2">
+              <a:schemeClr val="accent1"/>
+            </a:effectRef>
+            <a:fontRef idx="minor">
+              <a:schemeClr val="lt1"/>
+            </a:fontRef>
+          </p:style>
+        </p:sp>
+        <p:sp>
+          <p:nvSpPr>
+            <p:cNvPr id="23" name="Rectangle 25"/>
+            <p:cNvSpPr/>
+            <p:nvPr/>
+          </p:nvSpPr>
+          <p:spPr>
+            <a:xfrm>
+              <a:off x="9603442" y="-8467"/>
+              <a:ext cx="2588558" cy="6866467"/>
+            </a:xfrm>
+            <a:custGeom>
+              <a:avLst/>
+              <a:gdLst/>
+              <a:ahLst/>
+              <a:cxnLst/>
+              <a:rect l="l" t="t" r="r" b="b"/>
+              <a:pathLst>
+                <a:path w="2573311" h="6866467">
+                  <a:moveTo>
+                    <a:pt x="0" y="0"/>
+                  </a:moveTo>
+                  <a:lnTo>
+                    <a:pt x="2573311" y="0"/>
+                  </a:lnTo>
+                  <a:lnTo>
+                    <a:pt x="2573311" y="6866467"/>
+                  </a:lnTo>
+                  <a:lnTo>
+                    <a:pt x="1202336" y="6866467"/>
+                  </a:lnTo>
+                  <a:lnTo>
+                    <a:pt x="0" y="0"/>
+                  </a:lnTo>
+                  <a:close/>
+                </a:path>
+              </a:pathLst>
+            </a:custGeom>
+            <a:solidFill>
+              <a:schemeClr val="accent1">
+                <a:alpha val="20000"/>
+              </a:schemeClr>
+            </a:solidFill>
+            <a:ln>
+              <a:noFill/>
+            </a:ln>
+            <a:effectLst/>
+          </p:spPr>
+          <p:style>
+            <a:lnRef idx="1">
+              <a:schemeClr val="accent1"/>
+            </a:lnRef>
+            <a:fillRef idx="3">
+              <a:schemeClr val="accent1"/>
+            </a:fillRef>
+            <a:effectRef idx="2">
+              <a:schemeClr val="accent1"/>
+            </a:effectRef>
+            <a:fontRef idx="minor">
+              <a:schemeClr val="lt1"/>
+            </a:fontRef>
+          </p:style>
+        </p:sp>
+        <p:sp>
+          <p:nvSpPr>
+            <p:cNvPr id="24" name="Isosceles Triangle 23"/>
+            <p:cNvSpPr/>
+            <p:nvPr/>
+          </p:nvSpPr>
+          <p:spPr>
+            <a:xfrm>
+              <a:off x="8932333" y="3048000"/>
+              <a:ext cx="3259667" cy="3810000"/>
+            </a:xfrm>
+            <a:prstGeom prst="triangle">
+              <a:avLst>
+                <a:gd name="adj" fmla="val 100000"/>
+              </a:avLst>
+            </a:prstGeom>
+            <a:solidFill>
+              <a:schemeClr val="accent2">
+                <a:alpha val="72000"/>
+              </a:schemeClr>
+            </a:solidFill>
+            <a:ln>
+              <a:noFill/>
+            </a:ln>
+            <a:effectLst/>
+          </p:spPr>
+          <p:style>
+            <a:lnRef idx="1">
+              <a:schemeClr val="accent1"/>
+            </a:lnRef>
+            <a:fillRef idx="3">
+              <a:schemeClr val="accent1"/>
+            </a:fillRef>
+            <a:effectRef idx="2">
+              <a:schemeClr val="accent1"/>
+            </a:effectRef>
+            <a:fontRef idx="minor">
+              <a:schemeClr val="lt1"/>
+            </a:fontRef>
+          </p:style>
+        </p:sp>
+        <p:sp>
+          <p:nvSpPr>
+            <p:cNvPr id="25" name="Rectangle 27"/>
+            <p:cNvSpPr/>
+            <p:nvPr/>
+          </p:nvSpPr>
+          <p:spPr>
+            <a:xfrm>
+              <a:off x="9334500" y="-8467"/>
+              <a:ext cx="2854326" cy="6866467"/>
+            </a:xfrm>
+            <a:custGeom>
+              <a:avLst/>
+              <a:gdLst/>
+              <a:ahLst/>
+              <a:cxnLst/>
+              <a:rect l="l" t="t" r="r" b="b"/>
+              <a:pathLst>
+                <a:path w="2858013" h="6866467">
+                  <a:moveTo>
+                    <a:pt x="0" y="0"/>
+                  </a:moveTo>
+                  <a:lnTo>
+                    <a:pt x="2858013" y="0"/>
+                  </a:lnTo>
+                  <a:lnTo>
+                    <a:pt x="2858013" y="6866467"/>
+                  </a:lnTo>
+                  <a:lnTo>
+                    <a:pt x="2473942" y="6866467"/>
+                  </a:lnTo>
+                  <a:lnTo>
+                    <a:pt x="0" y="0"/>
+                  </a:lnTo>
+                  <a:close/>
+                </a:path>
+              </a:pathLst>
+            </a:custGeom>
+            <a:solidFill>
+              <a:schemeClr val="accent2">
+                <a:lumMod val="75000"/>
+                <a:alpha val="70000"/>
+              </a:schemeClr>
+            </a:solidFill>
+            <a:ln>
+              <a:noFill/>
+            </a:ln>
+            <a:effectLst/>
+          </p:spPr>
+          <p:style>
+            <a:lnRef idx="1">
+              <a:schemeClr val="accent1"/>
+            </a:lnRef>
+            <a:fillRef idx="3">
+              <a:schemeClr val="accent1"/>
+            </a:fillRef>
+            <a:effectRef idx="2">
+              <a:schemeClr val="accent1"/>
+            </a:effectRef>
+            <a:fontRef idx="minor">
+              <a:schemeClr val="lt1"/>
+            </a:fontRef>
+          </p:style>
+        </p:sp>
+        <p:sp>
+          <p:nvSpPr>
+            <p:cNvPr id="26" name="Rectangle 28"/>
+            <p:cNvSpPr/>
+            <p:nvPr/>
+          </p:nvSpPr>
+          <p:spPr>
+            <a:xfrm>
+              <a:off x="10898730" y="-8467"/>
+              <a:ext cx="1290094" cy="6866467"/>
+            </a:xfrm>
+            <a:custGeom>
+              <a:avLst/>
+              <a:gdLst/>
+              <a:ahLst/>
+              <a:cxnLst/>
+              <a:rect l="l" t="t" r="r" b="b"/>
+              <a:pathLst>
+                <a:path w="1290094" h="6858000">
+                  <a:moveTo>
+                    <a:pt x="1019735" y="0"/>
+                  </a:moveTo>
+                  <a:lnTo>
+                    <a:pt x="1290094" y="0"/>
+                  </a:lnTo>
+                  <a:lnTo>
+                    <a:pt x="1290094" y="6858000"/>
+                  </a:lnTo>
+                  <a:lnTo>
+                    <a:pt x="0" y="6858000"/>
+                  </a:lnTo>
+                  <a:lnTo>
+                    <a:pt x="1019735" y="0"/>
+                  </a:lnTo>
+                  <a:close/>
+                </a:path>
+              </a:pathLst>
+            </a:custGeom>
+            <a:solidFill>
+              <a:schemeClr val="accent1">
+                <a:lumMod val="60000"/>
+                <a:lumOff val="40000"/>
+                <a:alpha val="70000"/>
+              </a:schemeClr>
+            </a:solidFill>
+            <a:ln>
+              <a:noFill/>
+            </a:ln>
+            <a:effectLst/>
+          </p:spPr>
+          <p:style>
+            <a:lnRef idx="1">
+              <a:schemeClr val="accent1"/>
+            </a:lnRef>
+            <a:fillRef idx="3">
+              <a:schemeClr val="accent1"/>
+            </a:fillRef>
+            <a:effectRef idx="2">
+              <a:schemeClr val="accent1"/>
+            </a:effectRef>
+            <a:fontRef idx="minor">
+              <a:schemeClr val="lt1"/>
+            </a:fontRef>
+          </p:style>
+        </p:sp>
+        <p:sp>
+          <p:nvSpPr>
+            <p:cNvPr id="27" name="Rectangle 29"/>
+            <p:cNvSpPr/>
+            <p:nvPr/>
+          </p:nvSpPr>
+          <p:spPr>
+            <a:xfrm>
+              <a:off x="10938999" y="-8467"/>
+              <a:ext cx="1249825" cy="6866467"/>
+            </a:xfrm>
+            <a:custGeom>
+              <a:avLst/>
+              <a:gdLst/>
+              <a:ahLst/>
+              <a:cxnLst/>
+              <a:rect l="l" t="t" r="r" b="b"/>
+              <a:pathLst>
+                <a:path w="1249825" h="6858000">
+                  <a:moveTo>
+                    <a:pt x="0" y="0"/>
+                  </a:moveTo>
+                  <a:lnTo>
+                    <a:pt x="1249825" y="0"/>
+                  </a:lnTo>
+                  <a:lnTo>
+                    <a:pt x="1249825" y="6858000"/>
+                  </a:lnTo>
+                  <a:lnTo>
+                    <a:pt x="1109382" y="6858000"/>
+                  </a:lnTo>
+                  <a:lnTo>
+                    <a:pt x="0" y="0"/>
+                  </a:lnTo>
+                  <a:close/>
+                </a:path>
+              </a:pathLst>
+            </a:custGeom>
+            <a:solidFill>
+              <a:schemeClr val="accent1">
+                <a:alpha val="65000"/>
+              </a:schemeClr>
+            </a:solidFill>
+            <a:ln>
+              <a:noFill/>
+            </a:ln>
+            <a:effectLst/>
+          </p:spPr>
+          <p:style>
+            <a:lnRef idx="1">
+              <a:schemeClr val="accent1"/>
+            </a:lnRef>
+            <a:fillRef idx="3">
+              <a:schemeClr val="accent1"/>
+            </a:fillRef>
+            <a:effectRef idx="2">
+              <a:schemeClr val="accent1"/>
+            </a:effectRef>
+            <a:fontRef idx="minor">
+              <a:schemeClr val="lt1"/>
+            </a:fontRef>
+          </p:style>
+        </p:sp>
+        <p:sp>
+          <p:nvSpPr>
+            <p:cNvPr id="28" name="Isosceles Triangle 27"/>
+            <p:cNvSpPr/>
+            <p:nvPr/>
+          </p:nvSpPr>
+          <p:spPr>
+            <a:xfrm>
+              <a:off x="10371666" y="3589867"/>
+              <a:ext cx="1817159" cy="3268133"/>
+            </a:xfrm>
+            <a:prstGeom prst="triangle">
+              <a:avLst>
+                <a:gd name="adj" fmla="val 100000"/>
+              </a:avLst>
+            </a:prstGeom>
+            <a:solidFill>
+              <a:schemeClr val="accent1">
+                <a:alpha val="80000"/>
+              </a:schemeClr>
+            </a:solidFill>
+            <a:ln>
+              <a:noFill/>
+            </a:ln>
+            <a:effectLst/>
+          </p:spPr>
+          <p:style>
+            <a:lnRef idx="1">
+              <a:schemeClr val="accent1"/>
+            </a:lnRef>
+            <a:fillRef idx="3">
+              <a:schemeClr val="accent1"/>
+            </a:fillRef>
+            <a:effectRef idx="2">
+              <a:schemeClr val="accent1"/>
+            </a:effectRef>
+            <a:fontRef idx="minor">
+              <a:schemeClr val="lt1"/>
+            </a:fontRef>
+          </p:style>
+        </p:sp>
+        <p:sp>
+          <p:nvSpPr>
+            <p:cNvPr id="29" name="Isosceles Triangle 28"/>
+            <p:cNvSpPr/>
+            <p:nvPr/>
+          </p:nvSpPr>
+          <p:spPr>
+            <a:xfrm>
+              <a:off x="0" y="4013200"/>
+              <a:ext cx="448733" cy="2844800"/>
+            </a:xfrm>
+            <a:prstGeom prst="triangle">
+              <a:avLst>
+                <a:gd name="adj" fmla="val 0"/>
+              </a:avLst>
+            </a:prstGeom>
+            <a:solidFill>
+              <a:schemeClr val="accent1">
+                <a:alpha val="85000"/>
+              </a:schemeClr>
+            </a:solidFill>
+            <a:ln>
+              <a:noFill/>
+            </a:ln>
+            <a:effectLst/>
+          </p:spPr>
+          <p:style>
+            <a:lnRef idx="1">
+              <a:schemeClr val="accent1"/>
+            </a:lnRef>
+            <a:fillRef idx="3">
+              <a:schemeClr val="accent1"/>
+            </a:fillRef>
+            <a:effectRef idx="2">
+              <a:schemeClr val="accent1"/>
+            </a:effectRef>
+            <a:fontRef idx="minor">
+              <a:schemeClr val="lt1"/>
+            </a:fontRef>
+          </p:style>
+        </p:sp>
+      </p:grpSp>
+      <p:sp>
+        <p:nvSpPr>
+          <p:cNvPr id="2" name="Title Placeholder 1"/>
           <p:cNvSpPr>
             <a:spLocks noGrp="1"/>
           </p:cNvSpPr>
@@ -2463,30 +5205,30 @@
         </p:nvSpPr>
         <p:spPr>
           <a:xfrm>
-            <a:off x="838200" y="365125"/>
-            <a:ext cx="10515600" cy="1325563"/>
+            <a:off x="677334" y="609600"/>
+            <a:ext cx="8596668" cy="1320800"/>
           </a:xfrm>
           <a:prstGeom prst="rect">
             <a:avLst/>
           </a:prstGeom>
         </p:spPr>
         <p:txBody>
-          <a:bodyPr vert="horz" lIns="91440" tIns="45720" rIns="91440" bIns="45720" rtlCol="0" anchor="ctr">
+          <a:bodyPr vert="horz" lIns="91440" tIns="45720" rIns="91440" bIns="45720" rtlCol="0" anchor="t">
             <a:normAutofit/>
           </a:bodyPr>
           <a:lstStyle/>
           <a:p>
             <a:r>
-              <a:rPr lang="es-ES" smtClean="0"/>
-              <a:t>Haga clic para modificar el estilo de título del patrón</a:t>
-            </a:r>
-            <a:endParaRPr lang="es-PE"/>
-          </a:p>
-        </p:txBody>
-      </p:sp>
-      <p:sp>
-        <p:nvSpPr>
-          <p:cNvPr id="3" name="Marcador de texto 2"/>
+              <a:rPr lang="en-US"/>
+              <a:t>Click to edit Master title style</a:t>
+            </a:r>
+            <a:endParaRPr lang="en-US" dirty="0"/>
+          </a:p>
+        </p:txBody>
+      </p:sp>
+      <p:sp>
+        <p:nvSpPr>
+          <p:cNvPr id="3" name="Text Placeholder 2"/>
           <p:cNvSpPr>
             <a:spLocks noGrp="1"/>
           </p:cNvSpPr>
@@ -2496,8 +5238,8 @@
         </p:nvSpPr>
         <p:spPr>
           <a:xfrm>
-            <a:off x="838200" y="1825625"/>
-            <a:ext cx="10515600" cy="4351338"/>
+            <a:off x="677334" y="2160589"/>
+            <a:ext cx="8596668" cy="3880773"/>
           </a:xfrm>
           <a:prstGeom prst="rect">
             <a:avLst/>
@@ -2511,44 +5253,44 @@
           <a:p>
             <a:pPr lvl="0"/>
             <a:r>
-              <a:rPr lang="es-ES" smtClean="0"/>
-              <a:t>Haga clic para modificar el estilo de texto del patrón</a:t>
+              <a:rPr lang="en-US"/>
+              <a:t>Click to edit Master text styles</a:t>
             </a:r>
           </a:p>
           <a:p>
             <a:pPr lvl="1"/>
             <a:r>
-              <a:rPr lang="es-ES" smtClean="0"/>
-              <a:t>Segundo nivel</a:t>
+              <a:rPr lang="en-US"/>
+              <a:t>Second level</a:t>
             </a:r>
           </a:p>
           <a:p>
             <a:pPr lvl="2"/>
             <a:r>
-              <a:rPr lang="es-ES" smtClean="0"/>
-              <a:t>Tercer nivel</a:t>
+              <a:rPr lang="en-US"/>
+              <a:t>Third level</a:t>
             </a:r>
           </a:p>
           <a:p>
             <a:pPr lvl="3"/>
             <a:r>
-              <a:rPr lang="es-ES" smtClean="0"/>
-              <a:t>Cuarto nivel</a:t>
+              <a:rPr lang="en-US"/>
+              <a:t>Fourth level</a:t>
             </a:r>
           </a:p>
           <a:p>
             <a:pPr lvl="4"/>
             <a:r>
-              <a:rPr lang="es-ES" smtClean="0"/>
-              <a:t>Quinto nivel</a:t>
-            </a:r>
-            <a:endParaRPr lang="es-PE"/>
-          </a:p>
-        </p:txBody>
-      </p:sp>
-      <p:sp>
-        <p:nvSpPr>
-          <p:cNvPr id="4" name="Marcador de fecha 3"/>
+              <a:rPr lang="en-US"/>
+              <a:t>Fifth level</a:t>
+            </a:r>
+            <a:endParaRPr lang="en-US" dirty="0"/>
+          </a:p>
+        </p:txBody>
+      </p:sp>
+      <p:sp>
+        <p:nvSpPr>
+          <p:cNvPr id="4" name="Date Placeholder 3"/>
           <p:cNvSpPr>
             <a:spLocks noGrp="1"/>
           </p:cNvSpPr>
@@ -2558,8 +5300,8 @@
         </p:nvSpPr>
         <p:spPr>
           <a:xfrm>
-            <a:off x="838200" y="6356350"/>
-            <a:ext cx="2743200" cy="365125"/>
+            <a:off x="7205133" y="6041362"/>
+            <a:ext cx="911939" cy="365125"/>
           </a:xfrm>
           <a:prstGeom prst="rect">
             <a:avLst/>
@@ -2568,8 +5310,8 @@
         <p:txBody>
           <a:bodyPr vert="horz" lIns="91440" tIns="45720" rIns="91440" bIns="45720" rtlCol="0" anchor="ctr"/>
           <a:lstStyle>
-            <a:lvl1pPr algn="l">
-              <a:defRPr sz="1200">
+            <a:lvl1pPr algn="r">
+              <a:defRPr sz="900">
                 <a:solidFill>
                   <a:schemeClr val="tx1">
                     <a:tint val="75000"/>
@@ -2581,7 +5323,7 @@
           <a:p>
             <a:fld id="{E21449DE-EB7C-49DB-8693-159B0964EAB0}" type="datetimeFigureOut">
               <a:rPr lang="es-PE" smtClean="0"/>
-              <a:t>07/07/2020</a:t>
+              <a:t>08/07/2020</a:t>
             </a:fld>
             <a:endParaRPr lang="es-PE"/>
           </a:p>
@@ -2589,7 +5331,7 @@
       </p:sp>
       <p:sp>
         <p:nvSpPr>
-          <p:cNvPr id="5" name="Marcador de pie de página 4"/>
+          <p:cNvPr id="5" name="Footer Placeholder 4"/>
           <p:cNvSpPr>
             <a:spLocks noGrp="1"/>
           </p:cNvSpPr>
@@ -2599,8 +5341,8 @@
         </p:nvSpPr>
         <p:spPr>
           <a:xfrm>
-            <a:off x="4038600" y="6356350"/>
-            <a:ext cx="4114800" cy="365125"/>
+            <a:off x="677334" y="6041362"/>
+            <a:ext cx="6297612" cy="365125"/>
           </a:xfrm>
           <a:prstGeom prst="rect">
             <a:avLst/>
@@ -2609,8 +5351,8 @@
         <p:txBody>
           <a:bodyPr vert="horz" lIns="91440" tIns="45720" rIns="91440" bIns="45720" rtlCol="0" anchor="ctr"/>
           <a:lstStyle>
-            <a:lvl1pPr algn="ctr">
-              <a:defRPr sz="1200">
+            <a:lvl1pPr algn="l">
+              <a:defRPr sz="900">
                 <a:solidFill>
                   <a:schemeClr val="tx1">
                     <a:tint val="75000"/>
@@ -2626,7 +5368,7 @@
       </p:sp>
       <p:sp>
         <p:nvSpPr>
-          <p:cNvPr id="6" name="Marcador de número de diapositiva 5"/>
+          <p:cNvPr id="6" name="Slide Number Placeholder 5"/>
           <p:cNvSpPr>
             <a:spLocks noGrp="1"/>
           </p:cNvSpPr>
@@ -2636,8 +5378,8 @@
         </p:nvSpPr>
         <p:spPr>
           <a:xfrm>
-            <a:off x="8610600" y="6356350"/>
-            <a:ext cx="2743200" cy="365125"/>
+            <a:off x="8590663" y="6041362"/>
+            <a:ext cx="683339" cy="365125"/>
           </a:xfrm>
           <a:prstGeom prst="rect">
             <a:avLst/>
@@ -2647,11 +5389,9 @@
           <a:bodyPr vert="horz" lIns="91440" tIns="45720" rIns="91440" bIns="45720" rtlCol="0" anchor="ctr"/>
           <a:lstStyle>
             <a:lvl1pPr algn="r">
-              <a:defRPr sz="1200">
-                <a:solidFill>
-                  <a:schemeClr val="tx1">
-                    <a:tint val="75000"/>
-                  </a:schemeClr>
+              <a:defRPr sz="900">
+                <a:solidFill>
+                  <a:schemeClr val="accent1"/>
                 </a:solidFill>
               </a:defRPr>
             </a:lvl1pPr>
@@ -2668,55 +5408,335 @@
     </p:spTree>
     <p:extLst>
       <p:ext uri="{BB962C8B-B14F-4D97-AF65-F5344CB8AC3E}">
-        <p14:creationId xmlns:p14="http://schemas.microsoft.com/office/powerpoint/2010/main" val="3963177444"/>
+        <p14:creationId xmlns:p14="http://schemas.microsoft.com/office/powerpoint/2010/main" val="833671042"/>
       </p:ext>
     </p:extLst>
   </p:cSld>
   <p:clrMap bg1="lt1" tx1="dk1" bg2="lt2" tx2="dk2" accent1="accent1" accent2="accent2" accent3="accent3" accent4="accent4" accent5="accent5" accent6="accent6" hlink="hlink" folHlink="folHlink"/>
   <p:sldLayoutIdLst>
-    <p:sldLayoutId id="2147483690" r:id="rId1"/>
-    <p:sldLayoutId id="2147483691" r:id="rId2"/>
-    <p:sldLayoutId id="2147483692" r:id="rId3"/>
-    <p:sldLayoutId id="2147483693" r:id="rId4"/>
-    <p:sldLayoutId id="2147483694" r:id="rId5"/>
-    <p:sldLayoutId id="2147483695" r:id="rId6"/>
-    <p:sldLayoutId id="2147483696" r:id="rId7"/>
-    <p:sldLayoutId id="2147483697" r:id="rId8"/>
-    <p:sldLayoutId id="2147483698" r:id="rId9"/>
-    <p:sldLayoutId id="2147483699" r:id="rId10"/>
-    <p:sldLayoutId id="2147483700" r:id="rId11"/>
+    <p:sldLayoutId id="2147483749" r:id="rId1"/>
+    <p:sldLayoutId id="2147483750" r:id="rId2"/>
+    <p:sldLayoutId id="2147483751" r:id="rId3"/>
+    <p:sldLayoutId id="2147483752" r:id="rId4"/>
+    <p:sldLayoutId id="2147483753" r:id="rId5"/>
+    <p:sldLayoutId id="2147483754" r:id="rId6"/>
+    <p:sldLayoutId id="2147483755" r:id="rId7"/>
+    <p:sldLayoutId id="2147483756" r:id="rId8"/>
+    <p:sldLayoutId id="2147483757" r:id="rId9"/>
+    <p:sldLayoutId id="2147483758" r:id="rId10"/>
+    <p:sldLayoutId id="2147483759" r:id="rId11"/>
+    <p:sldLayoutId id="2147483760" r:id="rId12"/>
+    <p:sldLayoutId id="2147483761" r:id="rId13"/>
+    <p:sldLayoutId id="2147483762" r:id="rId14"/>
+    <p:sldLayoutId id="2147483763" r:id="rId15"/>
+    <p:sldLayoutId id="2147483764" r:id="rId16"/>
   </p:sldLayoutIdLst>
   <p:txStyles>
     <p:titleStyle>
-      <a:lvl1pPr algn="l" defTabSz="914400" rtl="0" eaLnBrk="1" latinLnBrk="0" hangingPunct="1">
-        <a:lnSpc>
-          <a:spcPct val="90000"/>
-        </a:lnSpc>
+      <a:lvl1pPr algn="l" defTabSz="457200" rtl="0" eaLnBrk="1" latinLnBrk="0" hangingPunct="1">
         <a:spcBef>
           <a:spcPct val="0"/>
         </a:spcBef>
         <a:buNone/>
-        <a:defRPr sz="4400" kern="1200">
+        <a:defRPr sz="3600" kern="1200">
           <a:solidFill>
-            <a:schemeClr val="tx1"/>
+            <a:schemeClr val="accent1"/>
           </a:solidFill>
           <a:latin typeface="+mj-lt"/>
           <a:ea typeface="+mj-ea"/>
           <a:cs typeface="+mj-cs"/>
         </a:defRPr>
       </a:lvl1pPr>
+      <a:lvl2pPr eaLnBrk="1" hangingPunct="1">
+        <a:defRPr>
+          <a:solidFill>
+            <a:schemeClr val="tx2"/>
+          </a:solidFill>
+        </a:defRPr>
+      </a:lvl2pPr>
+      <a:lvl3pPr eaLnBrk="1" hangingPunct="1">
+        <a:defRPr>
+          <a:solidFill>
+            <a:schemeClr val="tx2"/>
+          </a:solidFill>
+        </a:defRPr>
+      </a:lvl3pPr>
+      <a:lvl4pPr eaLnBrk="1" hangingPunct="1">
+        <a:defRPr>
+          <a:solidFill>
+            <a:schemeClr val="tx2"/>
+          </a:solidFill>
+        </a:defRPr>
+      </a:lvl4pPr>
+      <a:lvl5pPr eaLnBrk="1" hangingPunct="1">
+        <a:defRPr>
+          <a:solidFill>
+            <a:schemeClr val="tx2"/>
+          </a:solidFill>
+        </a:defRPr>
+      </a:lvl5pPr>
+      <a:lvl6pPr eaLnBrk="1" hangingPunct="1">
+        <a:defRPr>
+          <a:solidFill>
+            <a:schemeClr val="tx2"/>
+          </a:solidFill>
+        </a:defRPr>
+      </a:lvl6pPr>
+      <a:lvl7pPr eaLnBrk="1" hangingPunct="1">
+        <a:defRPr>
+          <a:solidFill>
+            <a:schemeClr val="tx2"/>
+          </a:solidFill>
+        </a:defRPr>
+      </a:lvl7pPr>
+      <a:lvl8pPr eaLnBrk="1" hangingPunct="1">
+        <a:defRPr>
+          <a:solidFill>
+            <a:schemeClr val="tx2"/>
+          </a:solidFill>
+        </a:defRPr>
+      </a:lvl8pPr>
+      <a:lvl9pPr eaLnBrk="1" hangingPunct="1">
+        <a:defRPr>
+          <a:solidFill>
+            <a:schemeClr val="tx2"/>
+          </a:solidFill>
+        </a:defRPr>
+      </a:lvl9pPr>
     </p:titleStyle>
     <p:bodyStyle>
-      <a:lvl1pPr marL="228600" indent="-228600" algn="l" defTabSz="914400" rtl="0" eaLnBrk="1" latinLnBrk="0" hangingPunct="1">
-        <a:lnSpc>
-          <a:spcPct val="90000"/>
-        </a:lnSpc>
+      <a:lvl1pPr marL="342900" indent="-342900" algn="l" defTabSz="457200" rtl="0" eaLnBrk="1" latinLnBrk="0" hangingPunct="1">
         <a:spcBef>
           <a:spcPts val="1000"/>
         </a:spcBef>
-        <a:buFont typeface="Arial" panose="020B0604020202020204" pitchFamily="34" charset="0"/>
-        <a:buChar char="•"/>
-        <a:defRPr sz="2800" kern="1200">
+        <a:spcAft>
+          <a:spcPts val="0"/>
+        </a:spcAft>
+        <a:buClr>
+          <a:schemeClr val="accent1"/>
+        </a:buClr>
+        <a:buSzPct val="80000"/>
+        <a:buFont typeface="Wingdings 3" charset="2"/>
+        <a:buChar char=""/>
+        <a:defRPr sz="1800" kern="1200">
+          <a:solidFill>
+            <a:schemeClr val="tx1">
+              <a:lumMod val="75000"/>
+              <a:lumOff val="25000"/>
+            </a:schemeClr>
+          </a:solidFill>
+          <a:latin typeface="+mn-lt"/>
+          <a:ea typeface="+mn-ea"/>
+          <a:cs typeface="+mn-cs"/>
+        </a:defRPr>
+      </a:lvl1pPr>
+      <a:lvl2pPr marL="742950" indent="-285750" algn="l" defTabSz="457200" rtl="0" eaLnBrk="1" latinLnBrk="0" hangingPunct="1">
+        <a:spcBef>
+          <a:spcPts val="1000"/>
+        </a:spcBef>
+        <a:spcAft>
+          <a:spcPts val="0"/>
+        </a:spcAft>
+        <a:buClr>
+          <a:schemeClr val="accent1"/>
+        </a:buClr>
+        <a:buSzPct val="80000"/>
+        <a:buFont typeface="Wingdings 3" charset="2"/>
+        <a:buChar char=""/>
+        <a:defRPr sz="1600" kern="1200">
+          <a:solidFill>
+            <a:schemeClr val="tx1">
+              <a:lumMod val="75000"/>
+              <a:lumOff val="25000"/>
+            </a:schemeClr>
+          </a:solidFill>
+          <a:latin typeface="+mn-lt"/>
+          <a:ea typeface="+mn-ea"/>
+          <a:cs typeface="+mn-cs"/>
+        </a:defRPr>
+      </a:lvl2pPr>
+      <a:lvl3pPr marL="1143000" indent="-228600" algn="l" defTabSz="457200" rtl="0" eaLnBrk="1" latinLnBrk="0" hangingPunct="1">
+        <a:spcBef>
+          <a:spcPts val="1000"/>
+        </a:spcBef>
+        <a:spcAft>
+          <a:spcPts val="0"/>
+        </a:spcAft>
+        <a:buClr>
+          <a:schemeClr val="accent1"/>
+        </a:buClr>
+        <a:buSzPct val="80000"/>
+        <a:buFont typeface="Wingdings 3" charset="2"/>
+        <a:buChar char=""/>
+        <a:defRPr sz="1400" kern="1200">
+          <a:solidFill>
+            <a:schemeClr val="tx1">
+              <a:lumMod val="75000"/>
+              <a:lumOff val="25000"/>
+            </a:schemeClr>
+          </a:solidFill>
+          <a:latin typeface="+mn-lt"/>
+          <a:ea typeface="+mn-ea"/>
+          <a:cs typeface="+mn-cs"/>
+        </a:defRPr>
+      </a:lvl3pPr>
+      <a:lvl4pPr marL="1600200" indent="-228600" algn="l" defTabSz="457200" rtl="0" eaLnBrk="1" latinLnBrk="0" hangingPunct="1">
+        <a:spcBef>
+          <a:spcPts val="1000"/>
+        </a:spcBef>
+        <a:spcAft>
+          <a:spcPts val="0"/>
+        </a:spcAft>
+        <a:buClr>
+          <a:schemeClr val="accent1"/>
+        </a:buClr>
+        <a:buSzPct val="80000"/>
+        <a:buFont typeface="Wingdings 3" charset="2"/>
+        <a:buChar char=""/>
+        <a:defRPr sz="1200" kern="1200">
+          <a:solidFill>
+            <a:schemeClr val="tx1">
+              <a:lumMod val="75000"/>
+              <a:lumOff val="25000"/>
+            </a:schemeClr>
+          </a:solidFill>
+          <a:latin typeface="+mn-lt"/>
+          <a:ea typeface="+mn-ea"/>
+          <a:cs typeface="+mn-cs"/>
+        </a:defRPr>
+      </a:lvl4pPr>
+      <a:lvl5pPr marL="2057400" indent="-228600" algn="l" defTabSz="457200" rtl="0" eaLnBrk="1" latinLnBrk="0" hangingPunct="1">
+        <a:spcBef>
+          <a:spcPts val="1000"/>
+        </a:spcBef>
+        <a:spcAft>
+          <a:spcPts val="0"/>
+        </a:spcAft>
+        <a:buClr>
+          <a:schemeClr val="accent1"/>
+        </a:buClr>
+        <a:buSzPct val="80000"/>
+        <a:buFont typeface="Wingdings 3" charset="2"/>
+        <a:buChar char=""/>
+        <a:defRPr sz="1200" kern="1200">
+          <a:solidFill>
+            <a:schemeClr val="tx1">
+              <a:lumMod val="75000"/>
+              <a:lumOff val="25000"/>
+            </a:schemeClr>
+          </a:solidFill>
+          <a:latin typeface="+mn-lt"/>
+          <a:ea typeface="+mn-ea"/>
+          <a:cs typeface="+mn-cs"/>
+        </a:defRPr>
+      </a:lvl5pPr>
+      <a:lvl6pPr marL="2514600" indent="-228600" algn="l" defTabSz="457200" rtl="0" eaLnBrk="1" latinLnBrk="0" hangingPunct="1">
+        <a:spcBef>
+          <a:spcPts val="1000"/>
+        </a:spcBef>
+        <a:spcAft>
+          <a:spcPts val="0"/>
+        </a:spcAft>
+        <a:buClr>
+          <a:schemeClr val="accent1"/>
+        </a:buClr>
+        <a:buSzPct val="80000"/>
+        <a:buFont typeface="Wingdings 3" charset="2"/>
+        <a:buChar char=""/>
+        <a:defRPr sz="1200" kern="1200">
+          <a:solidFill>
+            <a:schemeClr val="tx1">
+              <a:lumMod val="75000"/>
+              <a:lumOff val="25000"/>
+            </a:schemeClr>
+          </a:solidFill>
+          <a:latin typeface="+mn-lt"/>
+          <a:ea typeface="+mn-ea"/>
+          <a:cs typeface="+mn-cs"/>
+        </a:defRPr>
+      </a:lvl6pPr>
+      <a:lvl7pPr marL="2971800" indent="-228600" algn="l" defTabSz="457200" rtl="0" eaLnBrk="1" latinLnBrk="0" hangingPunct="1">
+        <a:spcBef>
+          <a:spcPts val="1000"/>
+        </a:spcBef>
+        <a:spcAft>
+          <a:spcPts val="0"/>
+        </a:spcAft>
+        <a:buClr>
+          <a:schemeClr val="accent1"/>
+        </a:buClr>
+        <a:buSzPct val="80000"/>
+        <a:buFont typeface="Wingdings 3" charset="2"/>
+        <a:buChar char=""/>
+        <a:defRPr sz="1200" kern="1200">
+          <a:solidFill>
+            <a:schemeClr val="tx1">
+              <a:lumMod val="75000"/>
+              <a:lumOff val="25000"/>
+            </a:schemeClr>
+          </a:solidFill>
+          <a:latin typeface="+mn-lt"/>
+          <a:ea typeface="+mn-ea"/>
+          <a:cs typeface="+mn-cs"/>
+        </a:defRPr>
+      </a:lvl7pPr>
+      <a:lvl8pPr marL="3429000" indent="-228600" algn="l" defTabSz="457200" rtl="0" eaLnBrk="1" latinLnBrk="0" hangingPunct="1">
+        <a:spcBef>
+          <a:spcPts val="1000"/>
+        </a:spcBef>
+        <a:spcAft>
+          <a:spcPts val="0"/>
+        </a:spcAft>
+        <a:buClr>
+          <a:schemeClr val="accent1"/>
+        </a:buClr>
+        <a:buSzPct val="80000"/>
+        <a:buFont typeface="Wingdings 3" charset="2"/>
+        <a:buChar char=""/>
+        <a:defRPr sz="1200" kern="1200">
+          <a:solidFill>
+            <a:schemeClr val="tx1">
+              <a:lumMod val="75000"/>
+              <a:lumOff val="25000"/>
+            </a:schemeClr>
+          </a:solidFill>
+          <a:latin typeface="+mn-lt"/>
+          <a:ea typeface="+mn-ea"/>
+          <a:cs typeface="+mn-cs"/>
+        </a:defRPr>
+      </a:lvl8pPr>
+      <a:lvl9pPr marL="3886200" indent="-228600" algn="l" defTabSz="457200" rtl="0" eaLnBrk="1" latinLnBrk="0" hangingPunct="1">
+        <a:spcBef>
+          <a:spcPts val="1000"/>
+        </a:spcBef>
+        <a:spcAft>
+          <a:spcPts val="0"/>
+        </a:spcAft>
+        <a:buClr>
+          <a:schemeClr val="accent1"/>
+        </a:buClr>
+        <a:buSzPct val="80000"/>
+        <a:buFont typeface="Wingdings 3" charset="2"/>
+        <a:buChar char=""/>
+        <a:defRPr sz="1200" kern="1200">
+          <a:solidFill>
+            <a:schemeClr val="tx1">
+              <a:lumMod val="75000"/>
+              <a:lumOff val="25000"/>
+            </a:schemeClr>
+          </a:solidFill>
+          <a:latin typeface="+mn-lt"/>
+          <a:ea typeface="+mn-ea"/>
+          <a:cs typeface="+mn-cs"/>
+        </a:defRPr>
+      </a:lvl9pPr>
+    </p:bodyStyle>
+    <p:otherStyle>
+      <a:defPPr>
+        <a:defRPr lang="en-US"/>
+      </a:defPPr>
+      <a:lvl1pPr marL="0" algn="l" defTabSz="457200" rtl="0" eaLnBrk="1" latinLnBrk="0" hangingPunct="1">
+        <a:defRPr sz="1800" kern="1200">
           <a:solidFill>
             <a:schemeClr val="tx1"/>
           </a:solidFill>
@@ -2725,16 +5745,8 @@
           <a:cs typeface="+mn-cs"/>
         </a:defRPr>
       </a:lvl1pPr>
-      <a:lvl2pPr marL="685800" indent="-228600" algn="l" defTabSz="914400" rtl="0" eaLnBrk="1" latinLnBrk="0" hangingPunct="1">
-        <a:lnSpc>
-          <a:spcPct val="90000"/>
-        </a:lnSpc>
-        <a:spcBef>
-          <a:spcPts val="500"/>
-        </a:spcBef>
-        <a:buFont typeface="Arial" panose="020B0604020202020204" pitchFamily="34" charset="0"/>
-        <a:buChar char="•"/>
-        <a:defRPr sz="2400" kern="1200">
+      <a:lvl2pPr marL="457200" algn="l" defTabSz="457200" rtl="0" eaLnBrk="1" latinLnBrk="0" hangingPunct="1">
+        <a:defRPr sz="1800" kern="1200">
           <a:solidFill>
             <a:schemeClr val="tx1"/>
           </a:solidFill>
@@ -2743,16 +5755,8 @@
           <a:cs typeface="+mn-cs"/>
         </a:defRPr>
       </a:lvl2pPr>
-      <a:lvl3pPr marL="1143000" indent="-228600" algn="l" defTabSz="914400" rtl="0" eaLnBrk="1" latinLnBrk="0" hangingPunct="1">
-        <a:lnSpc>
-          <a:spcPct val="90000"/>
-        </a:lnSpc>
-        <a:spcBef>
-          <a:spcPts val="500"/>
-        </a:spcBef>
-        <a:buFont typeface="Arial" panose="020B0604020202020204" pitchFamily="34" charset="0"/>
-        <a:buChar char="•"/>
-        <a:defRPr sz="2000" kern="1200">
+      <a:lvl3pPr marL="914400" algn="l" defTabSz="457200" rtl="0" eaLnBrk="1" latinLnBrk="0" hangingPunct="1">
+        <a:defRPr sz="1800" kern="1200">
           <a:solidFill>
             <a:schemeClr val="tx1"/>
           </a:solidFill>
@@ -2761,15 +5765,7 @@
           <a:cs typeface="+mn-cs"/>
         </a:defRPr>
       </a:lvl3pPr>
-      <a:lvl4pPr marL="1600200" indent="-228600" algn="l" defTabSz="914400" rtl="0" eaLnBrk="1" latinLnBrk="0" hangingPunct="1">
-        <a:lnSpc>
-          <a:spcPct val="90000"/>
-        </a:lnSpc>
-        <a:spcBef>
-          <a:spcPts val="500"/>
-        </a:spcBef>
-        <a:buFont typeface="Arial" panose="020B0604020202020204" pitchFamily="34" charset="0"/>
-        <a:buChar char="•"/>
+      <a:lvl4pPr marL="1371600" algn="l" defTabSz="457200" rtl="0" eaLnBrk="1" latinLnBrk="0" hangingPunct="1">
         <a:defRPr sz="1800" kern="1200">
           <a:solidFill>
             <a:schemeClr val="tx1"/>
@@ -2779,15 +5775,7 @@
           <a:cs typeface="+mn-cs"/>
         </a:defRPr>
       </a:lvl4pPr>
-      <a:lvl5pPr marL="2057400" indent="-228600" algn="l" defTabSz="914400" rtl="0" eaLnBrk="1" latinLnBrk="0" hangingPunct="1">
-        <a:lnSpc>
-          <a:spcPct val="90000"/>
-        </a:lnSpc>
-        <a:spcBef>
-          <a:spcPts val="500"/>
-        </a:spcBef>
-        <a:buFont typeface="Arial" panose="020B0604020202020204" pitchFamily="34" charset="0"/>
-        <a:buChar char="•"/>
+      <a:lvl5pPr marL="1828800" algn="l" defTabSz="457200" rtl="0" eaLnBrk="1" latinLnBrk="0" hangingPunct="1">
         <a:defRPr sz="1800" kern="1200">
           <a:solidFill>
             <a:schemeClr val="tx1"/>
@@ -2797,15 +5785,7 @@
           <a:cs typeface="+mn-cs"/>
         </a:defRPr>
       </a:lvl5pPr>
-      <a:lvl6pPr marL="2514600" indent="-228600" algn="l" defTabSz="914400" rtl="0" eaLnBrk="1" latinLnBrk="0" hangingPunct="1">
-        <a:lnSpc>
-          <a:spcPct val="90000"/>
-        </a:lnSpc>
-        <a:spcBef>
-          <a:spcPts val="500"/>
-        </a:spcBef>
-        <a:buFont typeface="Arial" panose="020B0604020202020204" pitchFamily="34" charset="0"/>
-        <a:buChar char="•"/>
+      <a:lvl6pPr marL="2286000" algn="l" defTabSz="457200" rtl="0" eaLnBrk="1" latinLnBrk="0" hangingPunct="1">
         <a:defRPr sz="1800" kern="1200">
           <a:solidFill>
             <a:schemeClr val="tx1"/>
@@ -2815,15 +5795,7 @@
           <a:cs typeface="+mn-cs"/>
         </a:defRPr>
       </a:lvl6pPr>
-      <a:lvl7pPr marL="2971800" indent="-228600" algn="l" defTabSz="914400" rtl="0" eaLnBrk="1" latinLnBrk="0" hangingPunct="1">
-        <a:lnSpc>
-          <a:spcPct val="90000"/>
-        </a:lnSpc>
-        <a:spcBef>
-          <a:spcPts val="500"/>
-        </a:spcBef>
-        <a:buFont typeface="Arial" panose="020B0604020202020204" pitchFamily="34" charset="0"/>
-        <a:buChar char="•"/>
+      <a:lvl7pPr marL="2743200" algn="l" defTabSz="457200" rtl="0" eaLnBrk="1" latinLnBrk="0" hangingPunct="1">
         <a:defRPr sz="1800" kern="1200">
           <a:solidFill>
             <a:schemeClr val="tx1"/>
@@ -2833,15 +5805,7 @@
           <a:cs typeface="+mn-cs"/>
         </a:defRPr>
       </a:lvl7pPr>
-      <a:lvl8pPr marL="3429000" indent="-228600" algn="l" defTabSz="914400" rtl="0" eaLnBrk="1" latinLnBrk="0" hangingPunct="1">
-        <a:lnSpc>
-          <a:spcPct val="90000"/>
-        </a:lnSpc>
-        <a:spcBef>
-          <a:spcPts val="500"/>
-        </a:spcBef>
-        <a:buFont typeface="Arial" panose="020B0604020202020204" pitchFamily="34" charset="0"/>
-        <a:buChar char="•"/>
+      <a:lvl8pPr marL="3200400" algn="l" defTabSz="457200" rtl="0" eaLnBrk="1" latinLnBrk="0" hangingPunct="1">
         <a:defRPr sz="1800" kern="1200">
           <a:solidFill>
             <a:schemeClr val="tx1"/>
@@ -2851,110 +5815,7 @@
           <a:cs typeface="+mn-cs"/>
         </a:defRPr>
       </a:lvl8pPr>
-      <a:lvl9pPr marL="3886200" indent="-228600" algn="l" defTabSz="914400" rtl="0" eaLnBrk="1" latinLnBrk="0" hangingPunct="1">
-        <a:lnSpc>
-          <a:spcPct val="90000"/>
-        </a:lnSpc>
-        <a:spcBef>
-          <a:spcPts val="500"/>
-        </a:spcBef>
-        <a:buFont typeface="Arial" panose="020B0604020202020204" pitchFamily="34" charset="0"/>
-        <a:buChar char="•"/>
-        <a:defRPr sz="1800" kern="1200">
-          <a:solidFill>
-            <a:schemeClr val="tx1"/>
-          </a:solidFill>
-          <a:latin typeface="+mn-lt"/>
-          <a:ea typeface="+mn-ea"/>
-          <a:cs typeface="+mn-cs"/>
-        </a:defRPr>
-      </a:lvl9pPr>
-    </p:bodyStyle>
-    <p:otherStyle>
-      <a:defPPr>
-        <a:defRPr lang="es-PE"/>
-      </a:defPPr>
-      <a:lvl1pPr marL="0" algn="l" defTabSz="914400" rtl="0" eaLnBrk="1" latinLnBrk="0" hangingPunct="1">
-        <a:defRPr sz="1800" kern="1200">
-          <a:solidFill>
-            <a:schemeClr val="tx1"/>
-          </a:solidFill>
-          <a:latin typeface="+mn-lt"/>
-          <a:ea typeface="+mn-ea"/>
-          <a:cs typeface="+mn-cs"/>
-        </a:defRPr>
-      </a:lvl1pPr>
-      <a:lvl2pPr marL="457200" algn="l" defTabSz="914400" rtl="0" eaLnBrk="1" latinLnBrk="0" hangingPunct="1">
-        <a:defRPr sz="1800" kern="1200">
-          <a:solidFill>
-            <a:schemeClr val="tx1"/>
-          </a:solidFill>
-          <a:latin typeface="+mn-lt"/>
-          <a:ea typeface="+mn-ea"/>
-          <a:cs typeface="+mn-cs"/>
-        </a:defRPr>
-      </a:lvl2pPr>
-      <a:lvl3pPr marL="914400" algn="l" defTabSz="914400" rtl="0" eaLnBrk="1" latinLnBrk="0" hangingPunct="1">
-        <a:defRPr sz="1800" kern="1200">
-          <a:solidFill>
-            <a:schemeClr val="tx1"/>
-          </a:solidFill>
-          <a:latin typeface="+mn-lt"/>
-          <a:ea typeface="+mn-ea"/>
-          <a:cs typeface="+mn-cs"/>
-        </a:defRPr>
-      </a:lvl3pPr>
-      <a:lvl4pPr marL="1371600" algn="l" defTabSz="914400" rtl="0" eaLnBrk="1" latinLnBrk="0" hangingPunct="1">
-        <a:defRPr sz="1800" kern="1200">
-          <a:solidFill>
-            <a:schemeClr val="tx1"/>
-          </a:solidFill>
-          <a:latin typeface="+mn-lt"/>
-          <a:ea typeface="+mn-ea"/>
-          <a:cs typeface="+mn-cs"/>
-        </a:defRPr>
-      </a:lvl4pPr>
-      <a:lvl5pPr marL="1828800" algn="l" defTabSz="914400" rtl="0" eaLnBrk="1" latinLnBrk="0" hangingPunct="1">
-        <a:defRPr sz="1800" kern="1200">
-          <a:solidFill>
-            <a:schemeClr val="tx1"/>
-          </a:solidFill>
-          <a:latin typeface="+mn-lt"/>
-          <a:ea typeface="+mn-ea"/>
-          <a:cs typeface="+mn-cs"/>
-        </a:defRPr>
-      </a:lvl5pPr>
-      <a:lvl6pPr marL="2286000" algn="l" defTabSz="914400" rtl="0" eaLnBrk="1" latinLnBrk="0" hangingPunct="1">
-        <a:defRPr sz="1800" kern="1200">
-          <a:solidFill>
-            <a:schemeClr val="tx1"/>
-          </a:solidFill>
-          <a:latin typeface="+mn-lt"/>
-          <a:ea typeface="+mn-ea"/>
-          <a:cs typeface="+mn-cs"/>
-        </a:defRPr>
-      </a:lvl6pPr>
-      <a:lvl7pPr marL="2743200" algn="l" defTabSz="914400" rtl="0" eaLnBrk="1" latinLnBrk="0" hangingPunct="1">
-        <a:defRPr sz="1800" kern="1200">
-          <a:solidFill>
-            <a:schemeClr val="tx1"/>
-          </a:solidFill>
-          <a:latin typeface="+mn-lt"/>
-          <a:ea typeface="+mn-ea"/>
-          <a:cs typeface="+mn-cs"/>
-        </a:defRPr>
-      </a:lvl7pPr>
-      <a:lvl8pPr marL="3200400" algn="l" defTabSz="914400" rtl="0" eaLnBrk="1" latinLnBrk="0" hangingPunct="1">
-        <a:defRPr sz="1800" kern="1200">
-          <a:solidFill>
-            <a:schemeClr val="tx1"/>
-          </a:solidFill>
-          <a:latin typeface="+mn-lt"/>
-          <a:ea typeface="+mn-ea"/>
-          <a:cs typeface="+mn-cs"/>
-        </a:defRPr>
-      </a:lvl8pPr>
-      <a:lvl9pPr marL="3657600" algn="l" defTabSz="914400" rtl="0" eaLnBrk="1" latinLnBrk="0" hangingPunct="1">
+      <a:lvl9pPr marL="3657600" algn="l" defTabSz="457200" rtl="0" eaLnBrk="1" latinLnBrk="0" hangingPunct="1">
         <a:defRPr sz="1800" kern="1200">
           <a:solidFill>
             <a:schemeClr val="tx1"/>
@@ -2988,7 +5849,13 @@
       </p:grpSpPr>
       <p:sp>
         <p:nvSpPr>
-          <p:cNvPr id="4" name="Título 3"/>
+          <p:cNvPr id="2" name="Title 1">
+            <a:extLst>
+              <a:ext uri="{FF2B5EF4-FFF2-40B4-BE49-F238E27FC236}">
+                <a16:creationId xmlns:a16="http://schemas.microsoft.com/office/drawing/2014/main" xmlns="" id="{58EB19D0-BCF2-43A7-94EC-1D5BBC2D21AE}"/>
+              </a:ext>
+            </a:extLst>
+          </p:cNvPr>
           <p:cNvSpPr>
             <a:spLocks noGrp="1"/>
           </p:cNvSpPr>
@@ -2998,8 +5865,8 @@
         </p:nvSpPr>
         <p:spPr>
           <a:xfrm>
-            <a:off x="592428" y="1"/>
-            <a:ext cx="10761372" cy="965914"/>
+            <a:off x="193183" y="244699"/>
+            <a:ext cx="10238704" cy="1068946"/>
           </a:xfrm>
         </p:spPr>
         <p:txBody>
@@ -3007,8 +5874,12 @@
           <a:lstStyle/>
           <a:p>
             <a:r>
-              <a:rPr lang="es-PE" dirty="0" smtClean="0"/>
-              <a:t>Etapa 1: Investigación </a:t>
+              <a:rPr lang="es-MX" dirty="0"/>
+              <a:t>PROYECTO DE FIN DE </a:t>
+            </a:r>
+            <a:r>
+              <a:rPr lang="es-MX" dirty="0" smtClean="0"/>
+              <a:t>CURSO (INVESTIGACIÓN)</a:t>
             </a:r>
             <a:endParaRPr lang="es-PE" dirty="0"/>
           </a:p>
@@ -3016,7 +5887,13 @@
       </p:sp>
       <p:sp>
         <p:nvSpPr>
-          <p:cNvPr id="5" name="Marcador de contenido 4"/>
+          <p:cNvPr id="3" name="Content Placeholder 2">
+            <a:extLst>
+              <a:ext uri="{FF2B5EF4-FFF2-40B4-BE49-F238E27FC236}">
+                <a16:creationId xmlns:a16="http://schemas.microsoft.com/office/drawing/2014/main" xmlns="" id="{F6EB87BD-41E1-4DFF-A157-4764993BEE50}"/>
+              </a:ext>
+            </a:extLst>
+          </p:cNvPr>
           <p:cNvSpPr>
             <a:spLocks noGrp="1"/>
           </p:cNvSpPr>
@@ -3026,143 +5903,130 @@
         </p:nvSpPr>
         <p:spPr>
           <a:xfrm>
-            <a:off x="838200" y="1068945"/>
-            <a:ext cx="11113394" cy="5525037"/>
+            <a:off x="761224" y="4412609"/>
+            <a:ext cx="8986783" cy="1754588"/>
           </a:xfrm>
         </p:spPr>
         <p:txBody>
           <a:bodyPr>
-            <a:normAutofit/>
+            <a:normAutofit lnSpcReduction="10000"/>
           </a:bodyPr>
           <a:lstStyle/>
           <a:p>
             <a:pPr marL="0" indent="0">
               <a:buNone/>
             </a:pPr>
-            <a:endParaRPr lang="es-PE" sz="2000" b="1" dirty="0" smtClean="0"/>
+            <a:r>
+              <a:rPr lang="es-MX" dirty="0"/>
+              <a:t>INTEGRANTES:							CURSO</a:t>
+            </a:r>
+            <a:r>
+              <a:rPr lang="es-MX" dirty="0" smtClean="0"/>
+              <a:t>: INTERACCIÓN </a:t>
+            </a:r>
+            <a:r>
+              <a:rPr lang="es-MX" dirty="0"/>
+              <a:t>HOMBRE MAQUINA				</a:t>
+            </a:r>
+            <a:endParaRPr lang="es-MX" dirty="0" smtClean="0"/>
+          </a:p>
+          <a:p>
+            <a:r>
+              <a:rPr lang="es-MX" dirty="0" smtClean="0"/>
+              <a:t>VALLEJOS ROMERO ANY</a:t>
+            </a:r>
+            <a:r>
+              <a:rPr lang="es-MX" dirty="0"/>
+              <a:t>				</a:t>
+            </a:r>
+            <a:r>
+              <a:rPr lang="es-MX" dirty="0"/>
+              <a:t>	</a:t>
+            </a:r>
+            <a:r>
+              <a:rPr lang="es-MX" dirty="0" smtClean="0"/>
+              <a:t>DOCENTE: </a:t>
+            </a:r>
+            <a:r>
+              <a:rPr lang="es-ES" dirty="0" smtClean="0"/>
+              <a:t>ING</a:t>
+            </a:r>
+            <a:r>
+              <a:rPr lang="es-ES" dirty="0"/>
+              <a:t>. VIGO PEREYRA LILIANA</a:t>
+            </a:r>
+            <a:endParaRPr lang="es-PE" dirty="0"/>
+          </a:p>
+          <a:p>
+            <a:r>
+              <a:rPr lang="es-MX" dirty="0" smtClean="0"/>
+              <a:t>MORENO SÁNCHEZ NEISSER</a:t>
+            </a:r>
+          </a:p>
+          <a:p>
+            <a:r>
+              <a:rPr lang="es-MX" dirty="0" smtClean="0"/>
+              <a:t>QUEZADA CASTILLO DIEGO </a:t>
+            </a:r>
+            <a:endParaRPr lang="es-MX" dirty="0"/>
+          </a:p>
+          <a:p>
+            <a:endParaRPr lang="es-MX" dirty="0"/>
           </a:p>
           <a:p>
             <a:pPr marL="0" indent="0">
               <a:buNone/>
             </a:pPr>
-            <a:r>
-              <a:rPr lang="es-PE" sz="2000" b="1" dirty="0" smtClean="0"/>
-              <a:t>1.-Definir escenarios</a:t>
-            </a:r>
+            <a:endParaRPr lang="es-MX" dirty="0"/>
           </a:p>
           <a:p>
             <a:pPr marL="0" indent="0">
               <a:buNone/>
             </a:pPr>
-            <a:r>
-              <a:rPr lang="es-PE" sz="2000" dirty="0" smtClean="0"/>
-              <a:t>	- Política </a:t>
-            </a:r>
-            <a:r>
-              <a:rPr lang="es-PE" sz="2000" dirty="0"/>
-              <a:t>de entrega y devolución</a:t>
-            </a:r>
-          </a:p>
-          <a:p>
-            <a:pPr marL="0" indent="0">
-              <a:buNone/>
-            </a:pPr>
-            <a:r>
-              <a:rPr lang="es-PE" sz="2000" dirty="0"/>
-              <a:t>	</a:t>
-            </a:r>
-            <a:r>
-              <a:rPr lang="es-PE" sz="2000" dirty="0" smtClean="0"/>
-              <a:t>- Libro </a:t>
-            </a:r>
-            <a:r>
-              <a:rPr lang="es-PE" sz="2000" dirty="0"/>
-              <a:t>de </a:t>
-            </a:r>
-            <a:r>
-              <a:rPr lang="es-PE" sz="2000" dirty="0" smtClean="0"/>
-              <a:t>reclamos</a:t>
-            </a:r>
-          </a:p>
-          <a:p>
-            <a:pPr marL="0" indent="0">
-              <a:buNone/>
-            </a:pPr>
-            <a:r>
-              <a:rPr lang="es-PE" sz="2000" dirty="0"/>
-              <a:t>	</a:t>
-            </a:r>
-            <a:r>
-              <a:rPr lang="es-PE" sz="2000" dirty="0" smtClean="0"/>
-              <a:t>- Consultas</a:t>
-            </a:r>
-            <a:endParaRPr lang="es-PE" sz="2000" dirty="0"/>
-          </a:p>
-          <a:p>
-            <a:pPr marL="0" indent="0">
-              <a:buNone/>
-            </a:pPr>
-            <a:r>
-              <a:rPr lang="es-PE" sz="2000" dirty="0"/>
-              <a:t>	</a:t>
-            </a:r>
-            <a:r>
-              <a:rPr lang="es-PE" sz="2000" dirty="0" smtClean="0"/>
-              <a:t>- Registro de usuarios para recibir ofertas, para enterarse de los 	   nuevos productos y también para ver el estado de su compra.</a:t>
-            </a:r>
-          </a:p>
-          <a:p>
-            <a:pPr marL="0" indent="0">
-              <a:buNone/>
-            </a:pPr>
-            <a:endParaRPr lang="es-PE" sz="2000" dirty="0" smtClean="0"/>
-          </a:p>
-          <a:p>
-            <a:pPr marL="0" indent="0">
-              <a:buNone/>
-            </a:pPr>
-            <a:r>
-              <a:rPr lang="es-PE" sz="2000" b="1" dirty="0" smtClean="0"/>
-              <a:t>2.- Estudio del contexto:</a:t>
-            </a:r>
-          </a:p>
-          <a:p>
-            <a:pPr marL="0" indent="0">
-              <a:buNone/>
-            </a:pPr>
-            <a:r>
-              <a:rPr lang="es-PE" sz="2000" dirty="0"/>
-              <a:t>	</a:t>
-            </a:r>
-            <a:r>
-              <a:rPr lang="es-PE" sz="2000" dirty="0" smtClean="0"/>
-              <a:t>-Asesoría personalizada para orientar a los clientes del obsequio que quiere regalar en la 	ocasión.</a:t>
-            </a:r>
-          </a:p>
-          <a:p>
-            <a:pPr marL="0" indent="0">
-              <a:buNone/>
-            </a:pPr>
-            <a:r>
-              <a:rPr lang="es-PE" sz="2000" dirty="0" smtClean="0"/>
-              <a:t>	-Por la compra del producto la envoltura, tarjeta o la bolsa de regalo es totalmente gratis.</a:t>
-            </a:r>
-          </a:p>
-          <a:p>
-            <a:pPr marL="0" indent="0">
-              <a:buNone/>
-            </a:pPr>
-            <a:r>
-              <a:rPr lang="es-PE" sz="2000" dirty="0" smtClean="0"/>
-              <a:t>	-Descuentos mensuales en algunos productos y sorteos.</a:t>
-            </a:r>
-          </a:p>
-        </p:txBody>
-      </p:sp>
+            <a:endParaRPr lang="es-PE" dirty="0"/>
+          </a:p>
+        </p:txBody>
+      </p:sp>
+      <p:pic>
+        <p:nvPicPr>
+          <p:cNvPr id="5" name="Picture 4" descr="A close up of a logo&#10;&#10;Description automatically generated">
+            <a:extLst>
+              <a:ext uri="{FF2B5EF4-FFF2-40B4-BE49-F238E27FC236}">
+                <a16:creationId xmlns:a16="http://schemas.microsoft.com/office/drawing/2014/main" xmlns="" id="{0A177777-B97B-4EB5-B710-AF6F32C8BE5E}"/>
+              </a:ext>
+            </a:extLst>
+          </p:cNvPr>
+          <p:cNvPicPr>
+            <a:picLocks noChangeAspect="1"/>
+          </p:cNvPicPr>
+          <p:nvPr/>
+        </p:nvPicPr>
+        <p:blipFill>
+          <a:blip r:embed="rId2">
+            <a:extLst>
+              <a:ext uri="{28A0092B-C50C-407E-A947-70E740481C1C}">
+                <a14:useLocalDpi xmlns:a14="http://schemas.microsoft.com/office/drawing/2010/main" val="0"/>
+              </a:ext>
+            </a:extLst>
+          </a:blip>
+          <a:stretch>
+            <a:fillRect/>
+          </a:stretch>
+        </p:blipFill>
+        <p:spPr>
+          <a:xfrm>
+            <a:off x="1275139" y="1491997"/>
+            <a:ext cx="7860843" cy="2371665"/>
+          </a:xfrm>
+          <a:prstGeom prst="rect">
+            <a:avLst/>
+          </a:prstGeom>
+        </p:spPr>
+      </p:pic>
     </p:spTree>
     <p:extLst>
       <p:ext uri="{BB962C8B-B14F-4D97-AF65-F5344CB8AC3E}">
-        <p14:creationId xmlns:p14="http://schemas.microsoft.com/office/powerpoint/2010/main" val="3219154733"/>
+        <p14:creationId xmlns:p14="http://schemas.microsoft.com/office/powerpoint/2010/main" val="682707777"/>
       </p:ext>
     </p:extLst>
   </p:cSld>
@@ -3201,10 +6065,24 @@
         </p:nvSpPr>
         <p:spPr>
           <a:xfrm>
-            <a:off x="8165206" y="365125"/>
-            <a:ext cx="3812146" cy="6009917"/>
+            <a:off x="6645500" y="1771082"/>
+            <a:ext cx="4713669" cy="3315835"/>
           </a:xfrm>
         </p:spPr>
+        <p:style>
+          <a:lnRef idx="2">
+            <a:schemeClr val="accent5"/>
+          </a:lnRef>
+          <a:fillRef idx="1">
+            <a:schemeClr val="lt1"/>
+          </a:fillRef>
+          <a:effectRef idx="0">
+            <a:schemeClr val="accent5"/>
+          </a:effectRef>
+          <a:fontRef idx="minor">
+            <a:schemeClr val="dk1"/>
+          </a:fontRef>
+        </p:style>
         <p:txBody>
           <a:bodyPr>
             <a:normAutofit/>
@@ -3212,10 +6090,106 @@
           <a:lstStyle/>
           <a:p>
             <a:r>
-              <a:rPr lang="es-PE" sz="2400" dirty="0" smtClean="0"/>
+              <a:rPr lang="es-PE" sz="2800" dirty="0"/>
+              <a:t>Esta pregunta tiene como finalidad saber que gustos tienen las personas en hacer sus combinaciones y también para poder armar packs para poner a la venta.</a:t>
+            </a:r>
+          </a:p>
+        </p:txBody>
+      </p:sp>
+      <p:pic>
+        <p:nvPicPr>
+          <p:cNvPr id="3" name="Imagen 2"/>
+          <p:cNvPicPr>
+            <a:picLocks noChangeAspect="1"/>
+          </p:cNvPicPr>
+          <p:nvPr/>
+        </p:nvPicPr>
+        <p:blipFill>
+          <a:blip r:embed="rId2"/>
+          <a:stretch>
+            <a:fillRect/>
+          </a:stretch>
+        </p:blipFill>
+        <p:spPr>
+          <a:xfrm>
+            <a:off x="425004" y="695459"/>
+            <a:ext cx="6220496" cy="5632025"/>
+          </a:xfrm>
+          <a:prstGeom prst="rect">
+            <a:avLst/>
+          </a:prstGeom>
+        </p:spPr>
+      </p:pic>
+    </p:spTree>
+    <p:extLst>
+      <p:ext uri="{BB962C8B-B14F-4D97-AF65-F5344CB8AC3E}">
+        <p14:creationId xmlns:p14="http://schemas.microsoft.com/office/powerpoint/2010/main" val="3176110839"/>
+      </p:ext>
+    </p:extLst>
+  </p:cSld>
+  <p:clrMapOvr>
+    <a:masterClrMapping/>
+  </p:clrMapOvr>
+</p:sld>
+</file>
+
+<file path=ppt/slides/slide11.xml><?xml version="1.0" encoding="utf-8"?>
+<p:sld xmlns:a="http://schemas.openxmlformats.org/drawingml/2006/main" xmlns:r="http://schemas.openxmlformats.org/officeDocument/2006/relationships" xmlns:p="http://schemas.openxmlformats.org/presentationml/2006/main">
+  <p:cSld>
+    <p:spTree>
+      <p:nvGrpSpPr>
+        <p:cNvPr id="1" name=""/>
+        <p:cNvGrpSpPr/>
+        <p:nvPr/>
+      </p:nvGrpSpPr>
+      <p:grpSpPr>
+        <a:xfrm>
+          <a:off x="0" y="0"/>
+          <a:ext cx="0" cy="0"/>
+          <a:chOff x="0" y="0"/>
+          <a:chExt cx="0" cy="0"/>
+        </a:xfrm>
+      </p:grpSpPr>
+      <p:sp>
+        <p:nvSpPr>
+          <p:cNvPr id="2" name="Título 1"/>
+          <p:cNvSpPr>
+            <a:spLocks noGrp="1"/>
+          </p:cNvSpPr>
+          <p:nvPr>
+            <p:ph type="title"/>
+          </p:nvPr>
+        </p:nvSpPr>
+        <p:spPr>
+          <a:xfrm>
+            <a:off x="8047761" y="2189527"/>
+            <a:ext cx="3812146" cy="1744319"/>
+          </a:xfrm>
+        </p:spPr>
+        <p:style>
+          <a:lnRef idx="2">
+            <a:schemeClr val="accent3"/>
+          </a:lnRef>
+          <a:fillRef idx="1">
+            <a:schemeClr val="lt1"/>
+          </a:fillRef>
+          <a:effectRef idx="0">
+            <a:schemeClr val="accent3"/>
+          </a:effectRef>
+          <a:fontRef idx="minor">
+            <a:schemeClr val="dk1"/>
+          </a:fontRef>
+        </p:style>
+        <p:txBody>
+          <a:bodyPr>
+            <a:normAutofit/>
+          </a:bodyPr>
+          <a:lstStyle/>
+          <a:p>
+            <a:r>
+              <a:rPr lang="es-PE" sz="2400" dirty="0"/>
               <a:t>La mayoría de los encuestados respondieron que regalan mas de una vez al año</a:t>
             </a:r>
-            <a:endParaRPr lang="es-PE" sz="2400" dirty="0"/>
           </a:p>
         </p:txBody>
       </p:sp>
@@ -3256,7 +6230,7 @@
 </p:sld>
 </file>
 
-<file path=ppt/slides/slide11.xml><?xml version="1.0" encoding="utf-8"?>
+<file path=ppt/slides/slide12.xml><?xml version="1.0" encoding="utf-8"?>
 <p:sld xmlns:a="http://schemas.openxmlformats.org/drawingml/2006/main" xmlns:r="http://schemas.openxmlformats.org/officeDocument/2006/relationships" xmlns:p="http://schemas.openxmlformats.org/presentationml/2006/main">
   <p:cSld>
     <p:spTree>
@@ -3285,10 +6259,24 @@
         </p:nvSpPr>
         <p:spPr>
           <a:xfrm>
-            <a:off x="8358388" y="365125"/>
-            <a:ext cx="3593206" cy="6164464"/>
+            <a:off x="8358388" y="2147582"/>
+            <a:ext cx="3593206" cy="2298584"/>
           </a:xfrm>
         </p:spPr>
+        <p:style>
+          <a:lnRef idx="2">
+            <a:schemeClr val="accent3"/>
+          </a:lnRef>
+          <a:fillRef idx="1">
+            <a:schemeClr val="lt1"/>
+          </a:fillRef>
+          <a:effectRef idx="0">
+            <a:schemeClr val="accent3"/>
+          </a:effectRef>
+          <a:fontRef idx="minor">
+            <a:schemeClr val="dk1"/>
+          </a:fontRef>
+        </p:style>
         <p:txBody>
           <a:bodyPr>
             <a:normAutofit/>
@@ -3296,10 +6284,13 @@
           <a:lstStyle/>
           <a:p>
             <a:r>
-              <a:rPr lang="es-PE" sz="2400" dirty="0" smtClean="0"/>
+              <a:rPr lang="es-PE" sz="2400" dirty="0">
+                <a:solidFill>
+                  <a:schemeClr val="tx2"/>
+                </a:solidFill>
+              </a:rPr>
               <a:t>La mayoría de los encuestados respondió que regalaría un regalo en días especiales, y otros que en cualquier día.</a:t>
             </a:r>
-            <a:endParaRPr lang="es-PE" sz="2400" dirty="0"/>
           </a:p>
         </p:txBody>
       </p:sp>
@@ -3340,7 +6331,7 @@
 </p:sld>
 </file>
 
-<file path=ppt/slides/slide12.xml><?xml version="1.0" encoding="utf-8"?>
+<file path=ppt/slides/slide13.xml><?xml version="1.0" encoding="utf-8"?>
 <p:sld xmlns:a="http://schemas.openxmlformats.org/drawingml/2006/main" xmlns:r="http://schemas.openxmlformats.org/officeDocument/2006/relationships" xmlns:p="http://schemas.openxmlformats.org/presentationml/2006/main">
   <p:cSld>
     <p:spTree>
@@ -3375,10 +6366,9 @@
           <a:lstStyle/>
           <a:p>
             <a:r>
-              <a:rPr lang="es-PE" dirty="0" smtClean="0"/>
+              <a:rPr lang="es-PE" dirty="0"/>
               <a:t>La mayoría de los encuestados estuvo de acuerdo con los precios que se mostró en la imagen</a:t>
             </a:r>
-            <a:endParaRPr lang="es-PE" dirty="0"/>
           </a:p>
         </p:txBody>
       </p:sp>
@@ -3443,7 +6433,7 @@
 </p:sld>
 </file>
 
-<file path=ppt/slides/slide13.xml><?xml version="1.0" encoding="utf-8"?>
+<file path=ppt/slides/slide14.xml><?xml version="1.0" encoding="utf-8"?>
 <p:sld xmlns:a="http://schemas.openxmlformats.org/drawingml/2006/main" xmlns:r="http://schemas.openxmlformats.org/officeDocument/2006/relationships" xmlns:p="http://schemas.openxmlformats.org/presentationml/2006/main">
   <p:cSld>
     <p:spTree>
@@ -3477,14 +6467,15 @@
           </a:xfrm>
         </p:spPr>
         <p:txBody>
-          <a:bodyPr/>
+          <a:bodyPr>
+            <a:normAutofit/>
+          </a:bodyPr>
           <a:lstStyle/>
           <a:p>
             <a:r>
-              <a:rPr lang="es-PE" b="1" dirty="0" smtClean="0"/>
+              <a:rPr lang="es-PE" b="1" dirty="0"/>
               <a:t>Encuesta al empresario (Dueño de una tienda)</a:t>
             </a:r>
-            <a:endParaRPr lang="es-PE" b="1" dirty="0"/>
           </a:p>
         </p:txBody>
       </p:sp>
@@ -3525,7 +6516,7 @@
 </p:sld>
 </file>
 
-<file path=ppt/slides/slide14.xml><?xml version="1.0" encoding="utf-8"?>
+<file path=ppt/slides/slide15.xml><?xml version="1.0" encoding="utf-8"?>
 <p:sld xmlns:a="http://schemas.openxmlformats.org/drawingml/2006/main" xmlns:r="http://schemas.openxmlformats.org/officeDocument/2006/relationships" xmlns:p="http://schemas.openxmlformats.org/presentationml/2006/main">
   <p:cSld>
     <p:spTree>
@@ -3579,7 +6570,7 @@
 </p:sld>
 </file>
 
-<file path=ppt/slides/slide15.xml><?xml version="1.0" encoding="utf-8"?>
+<file path=ppt/slides/slide16.xml><?xml version="1.0" encoding="utf-8"?>
 <p:sld xmlns:a="http://schemas.openxmlformats.org/drawingml/2006/main" xmlns:r="http://schemas.openxmlformats.org/officeDocument/2006/relationships" xmlns:p="http://schemas.openxmlformats.org/presentationml/2006/main">
   <p:cSld>
     <p:spTree>
@@ -3633,7 +6624,7 @@
 </p:sld>
 </file>
 
-<file path=ppt/slides/slide16.xml><?xml version="1.0" encoding="utf-8"?>
+<file path=ppt/slides/slide17.xml><?xml version="1.0" encoding="utf-8"?>
 <p:sld xmlns:a="http://schemas.openxmlformats.org/drawingml/2006/main" xmlns:r="http://schemas.openxmlformats.org/officeDocument/2006/relationships" xmlns:p="http://schemas.openxmlformats.org/presentationml/2006/main">
   <p:cSld>
     <p:spTree>
@@ -3687,7 +6678,7 @@
 </p:sld>
 </file>
 
-<file path=ppt/slides/slide17.xml><?xml version="1.0" encoding="utf-8"?>
+<file path=ppt/slides/slide18.xml><?xml version="1.0" encoding="utf-8"?>
 <p:sld xmlns:a="http://schemas.openxmlformats.org/drawingml/2006/main" xmlns:r="http://schemas.openxmlformats.org/officeDocument/2006/relationships" xmlns:p="http://schemas.openxmlformats.org/presentationml/2006/main">
   <p:cSld>
     <p:spTree>
@@ -3741,7 +6732,7 @@
 </p:sld>
 </file>
 
-<file path=ppt/slides/slide18.xml><?xml version="1.0" encoding="utf-8"?>
+<file path=ppt/slides/slide19.xml><?xml version="1.0" encoding="utf-8"?>
 <p:sld xmlns:a="http://schemas.openxmlformats.org/drawingml/2006/main" xmlns:r="http://schemas.openxmlformats.org/officeDocument/2006/relationships" xmlns:p="http://schemas.openxmlformats.org/presentationml/2006/main">
   <p:cSld>
     <p:spTree>
@@ -3824,233 +6815,173 @@
         </p:nvSpPr>
         <p:spPr>
           <a:xfrm>
-            <a:off x="838200" y="365125"/>
-            <a:ext cx="10515600" cy="6589467"/>
+            <a:off x="592428" y="385894"/>
+            <a:ext cx="10761372" cy="965914"/>
           </a:xfrm>
         </p:spPr>
         <p:txBody>
+          <a:bodyPr/>
+          <a:lstStyle/>
+          <a:p>
+            <a:r>
+              <a:rPr lang="es-PE" dirty="0"/>
+              <a:t>Etapa 1: Investigación </a:t>
+            </a:r>
+          </a:p>
+        </p:txBody>
+      </p:sp>
+      <p:sp>
+        <p:nvSpPr>
+          <p:cNvPr id="5" name="Marcador de contenido 4"/>
+          <p:cNvSpPr>
+            <a:spLocks noGrp="1"/>
+          </p:cNvSpPr>
+          <p:nvPr>
+            <p:ph idx="1"/>
+          </p:nvPr>
+        </p:nvSpPr>
+        <p:spPr>
+          <a:xfrm>
+            <a:off x="592428" y="1043778"/>
+            <a:ext cx="10061590" cy="5525037"/>
+          </a:xfrm>
+        </p:spPr>
+        <p:txBody>
           <a:bodyPr>
-            <a:normAutofit fontScale="90000"/>
+            <a:normAutofit lnSpcReduction="10000"/>
           </a:bodyPr>
           <a:lstStyle/>
           <a:p>
-            <a:r>
-              <a:rPr lang="es-PE" sz="2000" b="1" dirty="0" smtClean="0"/>
-              <a:t>3.- Definir perfiles de usuarios.</a:t>
-            </a:r>
-            <a:br>
-              <a:rPr lang="es-PE" sz="2000" b="1" dirty="0" smtClean="0"/>
-            </a:br>
-            <a:r>
-              <a:rPr lang="es-PE" sz="2000" b="1" dirty="0" smtClean="0"/>
-              <a:t/>
-            </a:r>
-            <a:br>
-              <a:rPr lang="es-PE" sz="2000" b="1" dirty="0" smtClean="0"/>
-            </a:br>
+            <a:pPr marL="0" indent="0">
+              <a:buNone/>
+            </a:pPr>
+            <a:endParaRPr lang="es-PE" sz="2000" b="1" dirty="0"/>
+          </a:p>
+          <a:p>
+            <a:pPr marL="0" indent="0">
+              <a:buNone/>
+            </a:pPr>
+            <a:r>
+              <a:rPr lang="es-PE" sz="2000" b="1" dirty="0"/>
+              <a:t>1.-Definir escenarios</a:t>
+            </a:r>
+          </a:p>
+          <a:p>
+            <a:pPr marL="0" indent="0">
+              <a:buNone/>
+            </a:pPr>
+            <a:r>
+              <a:rPr lang="es-PE" sz="2000" dirty="0"/>
+              <a:t>	- Política de entrega y devolución</a:t>
+            </a:r>
+          </a:p>
+          <a:p>
+            <a:pPr marL="0" indent="0">
+              <a:buNone/>
+            </a:pPr>
+            <a:r>
+              <a:rPr lang="es-PE" sz="2000" dirty="0"/>
+              <a:t>	- Libro de reclamos</a:t>
+            </a:r>
+          </a:p>
+          <a:p>
+            <a:pPr marL="0" indent="0">
+              <a:buNone/>
+            </a:pPr>
+            <a:r>
+              <a:rPr lang="es-PE" sz="2000" dirty="0"/>
+              <a:t>	- Consultas</a:t>
+            </a:r>
+          </a:p>
+          <a:p>
+            <a:pPr marL="0" indent="0">
+              <a:buNone/>
+            </a:pPr>
+            <a:r>
+              <a:rPr lang="es-PE" sz="2000" dirty="0"/>
+              <a:t>	- Registro de usuarios para recibir ofertas, para enterarse de </a:t>
+            </a:r>
             <a:r>
               <a:rPr lang="es-PE" sz="2000" dirty="0" smtClean="0"/>
-              <a:t>Son todas las personas de todas las edades, pero lo más potenciales son las personas que están en la etapa de enamoramiento.</a:t>
-            </a:r>
-            <a:br>
-              <a:rPr lang="es-PE" sz="2000" dirty="0" smtClean="0"/>
-            </a:br>
-            <a:r>
-              <a:rPr lang="es-PE" sz="2000" dirty="0" smtClean="0"/>
-              <a:t/>
-            </a:r>
-            <a:br>
-              <a:rPr lang="es-PE" sz="2000" dirty="0" smtClean="0"/>
-            </a:br>
-            <a:r>
-              <a:rPr lang="es-PE" sz="2000" b="1" dirty="0" smtClean="0"/>
-              <a:t>4.- Estudio de los Contenidos:</a:t>
-            </a:r>
-            <a:br>
-              <a:rPr lang="es-PE" sz="2000" b="1" dirty="0" smtClean="0"/>
-            </a:br>
-            <a:r>
-              <a:rPr lang="es-PE" sz="2000" b="1" dirty="0" smtClean="0"/>
-              <a:t/>
-            </a:r>
-            <a:br>
-              <a:rPr lang="es-PE" sz="2000" b="1" dirty="0" smtClean="0"/>
-            </a:br>
-            <a:r>
-              <a:rPr lang="es-PE" sz="2000" b="1" dirty="0" smtClean="0"/>
-              <a:t>	</a:t>
-            </a:r>
-            <a:r>
-              <a:rPr lang="es-PE" sz="2000" dirty="0" smtClean="0"/>
-              <a:t>Áreas:</a:t>
-            </a:r>
-            <a:r>
-              <a:rPr lang="es-PE" sz="2000" b="1" dirty="0"/>
-              <a:t/>
-            </a:r>
-            <a:br>
-              <a:rPr lang="es-PE" sz="2000" b="1" dirty="0"/>
-            </a:br>
-            <a:r>
-              <a:rPr lang="es-PE" sz="2000" b="1" dirty="0" smtClean="0"/>
-              <a:t>	 - </a:t>
-            </a:r>
-            <a:r>
-              <a:rPr lang="es-PE" sz="2000" dirty="0" smtClean="0"/>
-              <a:t>Logística (almacén)</a:t>
-            </a:r>
-            <a:br>
-              <a:rPr lang="es-PE" sz="2000" dirty="0" smtClean="0"/>
-            </a:br>
-            <a:r>
-              <a:rPr lang="es-PE" sz="2000" dirty="0" smtClean="0"/>
-              <a:t>	- Ventas</a:t>
-            </a:r>
-            <a:br>
-              <a:rPr lang="es-PE" sz="2000" dirty="0" smtClean="0"/>
-            </a:br>
-            <a:r>
-              <a:rPr lang="es-PE" sz="2000" dirty="0" smtClean="0"/>
-              <a:t>	- Administrativo (financiera)</a:t>
-            </a:r>
-            <a:br>
-              <a:rPr lang="es-PE" sz="2000" dirty="0" smtClean="0"/>
-            </a:br>
-            <a:r>
-              <a:rPr lang="es-PE" sz="2000" dirty="0" smtClean="0"/>
-              <a:t>	- Marketing</a:t>
-            </a:r>
-            <a:br>
-              <a:rPr lang="es-PE" sz="2000" dirty="0" smtClean="0"/>
-            </a:br>
-            <a:r>
-              <a:rPr lang="es-PE" sz="2000" dirty="0" smtClean="0"/>
-              <a:t/>
-            </a:r>
-            <a:br>
-              <a:rPr lang="es-PE" sz="2000" dirty="0" smtClean="0"/>
-            </a:br>
-            <a:r>
-              <a:rPr lang="es-PE" sz="2000" b="1" dirty="0" smtClean="0"/>
-              <a:t>5.-Estudio de Usuarios (receptores):</a:t>
-            </a:r>
-            <a:br>
-              <a:rPr lang="es-PE" sz="2000" b="1" dirty="0" smtClean="0"/>
-            </a:br>
+              <a:t>los nuevos 		</a:t>
+            </a:r>
             <a:r>
               <a:rPr lang="es-PE" sz="2000" dirty="0"/>
               <a:t>	</a:t>
             </a:r>
             <a:r>
               <a:rPr lang="es-PE" sz="2000" dirty="0" smtClean="0"/>
-              <a:t/>
-            </a:r>
-            <a:br>
+              <a:t>  productos </a:t>
+            </a:r>
+            <a:r>
+              <a:rPr lang="es-PE" sz="2000" dirty="0"/>
+              <a:t>y también para ver el estado de su compra.</a:t>
+            </a:r>
+          </a:p>
+          <a:p>
+            <a:pPr marL="0" indent="0">
+              <a:buNone/>
+            </a:pPr>
+            <a:endParaRPr lang="es-PE" sz="2000" dirty="0"/>
+          </a:p>
+          <a:p>
+            <a:pPr marL="0" indent="0">
+              <a:buNone/>
+            </a:pPr>
+            <a:r>
+              <a:rPr lang="es-PE" sz="2000" b="1" dirty="0"/>
+              <a:t>2.- Estudio del contexto:</a:t>
+            </a:r>
+          </a:p>
+          <a:p>
+            <a:pPr marL="0" indent="0">
+              <a:buNone/>
+            </a:pPr>
+            <a:r>
+              <a:rPr lang="es-PE" sz="2000" dirty="0"/>
+              <a:t>	-Asesoría personalizada para orientar a los clientes del obsequio que quiere </a:t>
+            </a:r>
+            <a:r>
               <a:rPr lang="es-PE" sz="2000" dirty="0" smtClean="0"/>
-            </a:br>
+              <a:t>	  	regalar </a:t>
+            </a:r>
             <a:r>
               <a:rPr lang="es-PE" sz="2000" dirty="0"/>
-              <a:t>	</a:t>
+              <a:t>en la 	ocasión.</a:t>
+            </a:r>
+          </a:p>
+          <a:p>
+            <a:pPr marL="0" indent="0">
+              <a:buNone/>
+            </a:pPr>
+            <a:r>
+              <a:rPr lang="es-PE" sz="2000" dirty="0"/>
+              <a:t>	-Por la compra del producto la envoltura, tarjeta o la bolsa de regalo es </a:t>
             </a:r>
             <a:r>
               <a:rPr lang="es-PE" sz="2000" dirty="0" smtClean="0"/>
-              <a:t>Enfocado a personas enamoradas</a:t>
-            </a:r>
-            <a:br>
-              <a:rPr lang="es-PE" sz="2000" dirty="0" smtClean="0"/>
-            </a:br>
+              <a:t> 	  	  	totalmente </a:t>
+            </a:r>
             <a:r>
               <a:rPr lang="es-PE" sz="2000" dirty="0"/>
-              <a:t>	</a:t>
-            </a:r>
-            <a:r>
-              <a:rPr lang="es-PE" sz="2000" dirty="0" smtClean="0"/>
-              <a:t>A personas que quieren obsequiar cuando hay una celebración (Cumpleaños, bautizos, bodas, </a:t>
-            </a:r>
-            <a:r>
-              <a:rPr lang="es-PE" sz="2000" dirty="0" err="1" smtClean="0"/>
-              <a:t>etc</a:t>
-            </a:r>
-            <a:r>
-              <a:rPr lang="es-PE" sz="2000" dirty="0" smtClean="0"/>
-              <a:t>).</a:t>
-            </a:r>
-            <a:br>
-              <a:rPr lang="es-PE" sz="2000" dirty="0" smtClean="0"/>
-            </a:br>
+              <a:t>gratis.</a:t>
+            </a:r>
+          </a:p>
+          <a:p>
+            <a:pPr marL="0" indent="0">
+              <a:buNone/>
+            </a:pPr>
             <a:r>
               <a:rPr lang="es-PE" sz="2000" dirty="0"/>
-              <a:t>	</a:t>
-            </a:r>
-            <a:r>
-              <a:rPr lang="es-PE" sz="2000" dirty="0" smtClean="0"/>
-              <a:t>A personas que han vivido un suceso, ejemplo: cuando un familiar o amigo tiene un accidente se le 	un 	detalle para desearle una pronta recuperación.</a:t>
-            </a:r>
-            <a:br>
-              <a:rPr lang="es-PE" sz="2000" dirty="0" smtClean="0"/>
-            </a:br>
-            <a:r>
-              <a:rPr lang="es-PE" sz="2000" dirty="0"/>
-              <a:t>	</a:t>
-            </a:r>
-            <a:r>
-              <a:rPr lang="es-PE" sz="2000" dirty="0" smtClean="0"/>
-              <a:t>A personas que han vivido un acontecimiento, ejemplo:  cuando es padre por primera vez, si lo han 	ascendido en el trabajo, etc.</a:t>
-            </a:r>
-            <a:br>
-              <a:rPr lang="es-PE" sz="2000" dirty="0" smtClean="0"/>
-            </a:br>
-            <a:r>
-              <a:rPr lang="es-PE" sz="2000" dirty="0"/>
-              <a:t>	</a:t>
-            </a:r>
-            <a:r>
-              <a:rPr lang="es-PE" sz="2000" dirty="0" smtClean="0"/>
-              <a:t>A personas agradecidas con otras</a:t>
-            </a:r>
-            <a:br>
-              <a:rPr lang="es-PE" sz="2000" dirty="0" smtClean="0"/>
-            </a:br>
-            <a:r>
-              <a:rPr lang="es-PE" sz="2000" dirty="0"/>
-              <a:t>	</a:t>
-            </a:r>
-            <a:r>
-              <a:rPr lang="es-PE" sz="2000" dirty="0" smtClean="0"/>
-              <a:t>A personas que quieran regalar algo por las fiestas navideñas, como también en otras ocasiones</a:t>
-            </a:r>
-            <a:br>
-              <a:rPr lang="es-PE" sz="2000" dirty="0" smtClean="0"/>
-            </a:br>
-            <a:r>
-              <a:rPr lang="es-PE" sz="2000" dirty="0" smtClean="0"/>
-              <a:t/>
-            </a:r>
-            <a:br>
-              <a:rPr lang="es-PE" sz="2000" dirty="0" smtClean="0"/>
-            </a:br>
-            <a:r>
-              <a:rPr lang="es-PE" sz="2000" dirty="0"/>
-              <a:t/>
-            </a:r>
-            <a:br>
-              <a:rPr lang="es-PE" sz="2000" dirty="0"/>
-            </a:br>
-            <a:r>
-              <a:rPr lang="es-PE" sz="2000" dirty="0" smtClean="0"/>
-              <a:t/>
-            </a:r>
-            <a:br>
-              <a:rPr lang="es-PE" sz="2000" dirty="0" smtClean="0"/>
-            </a:br>
-            <a:endParaRPr lang="es-PE" sz="2000" dirty="0"/>
+              <a:t>	-Descuentos mensuales en algunos productos y sorteos.</a:t>
+            </a:r>
           </a:p>
         </p:txBody>
       </p:sp>
     </p:spTree>
     <p:extLst>
       <p:ext uri="{BB962C8B-B14F-4D97-AF65-F5344CB8AC3E}">
-        <p14:creationId xmlns:p14="http://schemas.microsoft.com/office/powerpoint/2010/main" val="2166310876"/>
+        <p14:creationId xmlns:p14="http://schemas.microsoft.com/office/powerpoint/2010/main" val="3219154733"/>
       </p:ext>
     </p:extLst>
   </p:cSld>
@@ -4079,7 +7010,7 @@
       </p:grpSpPr>
       <p:sp>
         <p:nvSpPr>
-          <p:cNvPr id="2" name="Título 1"/>
+          <p:cNvPr id="4" name="Título 3"/>
           <p:cNvSpPr>
             <a:spLocks noGrp="1"/>
           </p:cNvSpPr>
@@ -4089,141 +7020,530 @@
         </p:nvSpPr>
         <p:spPr>
           <a:xfrm>
-            <a:off x="838200" y="1"/>
-            <a:ext cx="10515600" cy="940157"/>
+            <a:off x="309694" y="134267"/>
+            <a:ext cx="11292280" cy="4420956"/>
           </a:xfrm>
         </p:spPr>
         <p:txBody>
           <a:bodyPr>
-            <a:normAutofit/>
+            <a:normAutofit fontScale="90000"/>
           </a:bodyPr>
           <a:lstStyle/>
           <a:p>
             <a:r>
-              <a:rPr lang="es-PE" sz="2400" b="1" dirty="0" smtClean="0"/>
-              <a:t>6.-Definir el modelo de negocio.</a:t>
-            </a:r>
-            <a:endParaRPr lang="es-PE" sz="2400" b="1" dirty="0"/>
-          </a:p>
-        </p:txBody>
-      </p:sp>
-      <p:sp>
-        <p:nvSpPr>
-          <p:cNvPr id="3" name="Marcador de contenido 2"/>
-          <p:cNvSpPr>
-            <a:spLocks noGrp="1"/>
-          </p:cNvSpPr>
-          <p:nvPr>
-            <p:ph idx="1"/>
-          </p:nvPr>
+              <a:rPr lang="es-PE" sz="2000" b="1" dirty="0"/>
+              <a:t>3.- Definir perfiles de usuarios.</a:t>
+            </a:r>
+            <a:br>
+              <a:rPr lang="es-PE" sz="2000" b="1" dirty="0"/>
+            </a:br>
+            <a:r>
+              <a:rPr lang="es-PE" sz="2000" b="1" dirty="0"/>
+              <a:t/>
+            </a:r>
+            <a:br>
+              <a:rPr lang="es-PE" sz="2000" b="1" dirty="0"/>
+            </a:br>
+            <a:r>
+              <a:rPr lang="es-PE" sz="2000" dirty="0">
+                <a:solidFill>
+                  <a:schemeClr val="tx1">
+                    <a:lumMod val="75000"/>
+                    <a:lumOff val="25000"/>
+                  </a:schemeClr>
+                </a:solidFill>
+              </a:rPr>
+              <a:t>Son todas las personas de todas las edades, pero lo más potenciales son las personas que están en la etapa de enamoramiento.</a:t>
+            </a:r>
+            <a:r>
+              <a:rPr lang="es-PE" sz="2000" dirty="0">
+                <a:solidFill>
+                  <a:schemeClr val="tx1"/>
+                </a:solidFill>
+              </a:rPr>
+              <a:t/>
+            </a:r>
+            <a:br>
+              <a:rPr lang="es-PE" sz="2000" dirty="0">
+                <a:solidFill>
+                  <a:schemeClr val="tx1"/>
+                </a:solidFill>
+              </a:rPr>
+            </a:br>
+            <a:r>
+              <a:rPr lang="es-PE" sz="2000" dirty="0"/>
+              <a:t/>
+            </a:r>
+            <a:br>
+              <a:rPr lang="es-PE" sz="2000" dirty="0"/>
+            </a:br>
+            <a:r>
+              <a:rPr lang="es-PE" sz="2000" b="1" dirty="0"/>
+              <a:t>4.- Estudio de los Contenidos:</a:t>
+            </a:r>
+            <a:br>
+              <a:rPr lang="es-PE" sz="2000" b="1" dirty="0"/>
+            </a:br>
+            <a:r>
+              <a:rPr lang="es-PE" sz="2000" b="1" dirty="0"/>
+              <a:t/>
+            </a:r>
+            <a:br>
+              <a:rPr lang="es-PE" sz="2000" b="1" dirty="0"/>
+            </a:br>
+            <a:r>
+              <a:rPr lang="es-PE" sz="2000" b="1" dirty="0">
+                <a:solidFill>
+                  <a:schemeClr val="tx1">
+                    <a:lumMod val="75000"/>
+                    <a:lumOff val="25000"/>
+                  </a:schemeClr>
+                </a:solidFill>
+              </a:rPr>
+              <a:t>	</a:t>
+            </a:r>
+            <a:r>
+              <a:rPr lang="es-PE" sz="2000" dirty="0">
+                <a:solidFill>
+                  <a:schemeClr val="tx1">
+                    <a:lumMod val="75000"/>
+                    <a:lumOff val="25000"/>
+                  </a:schemeClr>
+                </a:solidFill>
+              </a:rPr>
+              <a:t>Áreas:</a:t>
+            </a:r>
+            <a:r>
+              <a:rPr lang="es-PE" sz="2000" b="1" dirty="0">
+                <a:solidFill>
+                  <a:schemeClr val="tx1">
+                    <a:lumMod val="75000"/>
+                    <a:lumOff val="25000"/>
+                  </a:schemeClr>
+                </a:solidFill>
+              </a:rPr>
+              <a:t/>
+            </a:r>
+            <a:br>
+              <a:rPr lang="es-PE" sz="2000" b="1" dirty="0">
+                <a:solidFill>
+                  <a:schemeClr val="tx1">
+                    <a:lumMod val="75000"/>
+                    <a:lumOff val="25000"/>
+                  </a:schemeClr>
+                </a:solidFill>
+              </a:rPr>
+            </a:br>
+            <a:r>
+              <a:rPr lang="es-PE" sz="2000" b="1" dirty="0">
+                <a:solidFill>
+                  <a:schemeClr val="tx1">
+                    <a:lumMod val="75000"/>
+                    <a:lumOff val="25000"/>
+                  </a:schemeClr>
+                </a:solidFill>
+              </a:rPr>
+              <a:t>	 - </a:t>
+            </a:r>
+            <a:r>
+              <a:rPr lang="es-PE" sz="2000" dirty="0">
+                <a:solidFill>
+                  <a:schemeClr val="tx1">
+                    <a:lumMod val="75000"/>
+                    <a:lumOff val="25000"/>
+                  </a:schemeClr>
+                </a:solidFill>
+              </a:rPr>
+              <a:t>Logística (almacén)</a:t>
+            </a:r>
+            <a:br>
+              <a:rPr lang="es-PE" sz="2000" dirty="0">
+                <a:solidFill>
+                  <a:schemeClr val="tx1">
+                    <a:lumMod val="75000"/>
+                    <a:lumOff val="25000"/>
+                  </a:schemeClr>
+                </a:solidFill>
+              </a:rPr>
+            </a:br>
+            <a:r>
+              <a:rPr lang="es-PE" sz="2000" dirty="0">
+                <a:solidFill>
+                  <a:schemeClr val="tx1">
+                    <a:lumMod val="75000"/>
+                    <a:lumOff val="25000"/>
+                  </a:schemeClr>
+                </a:solidFill>
+              </a:rPr>
+              <a:t>	- Ventas</a:t>
+            </a:r>
+            <a:br>
+              <a:rPr lang="es-PE" sz="2000" dirty="0">
+                <a:solidFill>
+                  <a:schemeClr val="tx1">
+                    <a:lumMod val="75000"/>
+                    <a:lumOff val="25000"/>
+                  </a:schemeClr>
+                </a:solidFill>
+              </a:rPr>
+            </a:br>
+            <a:r>
+              <a:rPr lang="es-PE" sz="2000" dirty="0">
+                <a:solidFill>
+                  <a:schemeClr val="tx1">
+                    <a:lumMod val="75000"/>
+                    <a:lumOff val="25000"/>
+                  </a:schemeClr>
+                </a:solidFill>
+              </a:rPr>
+              <a:t>	- Administrativo (financiera)</a:t>
+            </a:r>
+            <a:br>
+              <a:rPr lang="es-PE" sz="2000" dirty="0">
+                <a:solidFill>
+                  <a:schemeClr val="tx1">
+                    <a:lumMod val="75000"/>
+                    <a:lumOff val="25000"/>
+                  </a:schemeClr>
+                </a:solidFill>
+              </a:rPr>
+            </a:br>
+            <a:r>
+              <a:rPr lang="es-PE" sz="2000" dirty="0">
+                <a:solidFill>
+                  <a:schemeClr val="tx1">
+                    <a:lumMod val="75000"/>
+                    <a:lumOff val="25000"/>
+                  </a:schemeClr>
+                </a:solidFill>
+              </a:rPr>
+              <a:t>	- Marketing</a:t>
+            </a:r>
+            <a:r>
+              <a:rPr lang="es-PE" sz="2000" dirty="0"/>
+              <a:t/>
+            </a:r>
+            <a:br>
+              <a:rPr lang="es-PE" sz="2000" dirty="0"/>
+            </a:br>
+            <a:r>
+              <a:rPr lang="es-PE" sz="2000" dirty="0"/>
+              <a:t/>
+            </a:r>
+            <a:br>
+              <a:rPr lang="es-PE" sz="2000" dirty="0"/>
+            </a:br>
+            <a:r>
+              <a:rPr lang="es-PE" sz="2000" b="1" dirty="0"/>
+              <a:t>5.-Estudio de Usuarios (receptores):</a:t>
+            </a:r>
+            <a:br>
+              <a:rPr lang="es-PE" sz="2000" b="1" dirty="0"/>
+            </a:br>
+            <a:r>
+              <a:rPr lang="es-PE" sz="2000" dirty="0"/>
+              <a:t>	</a:t>
+            </a:r>
+            <a:br>
+              <a:rPr lang="es-PE" sz="2000" dirty="0"/>
+            </a:br>
+            <a:r>
+              <a:rPr lang="es-PE" sz="2000" dirty="0"/>
+              <a:t>	</a:t>
+            </a:r>
+            <a:r>
+              <a:rPr lang="es-PE" sz="2000" dirty="0">
+                <a:solidFill>
+                  <a:schemeClr val="tx1"/>
+                </a:solidFill>
+              </a:rPr>
+              <a:t/>
+            </a:r>
+            <a:br>
+              <a:rPr lang="es-PE" sz="2000" dirty="0">
+                <a:solidFill>
+                  <a:schemeClr val="tx1"/>
+                </a:solidFill>
+              </a:rPr>
+            </a:br>
+            <a:r>
+              <a:rPr lang="es-PE" sz="2000" b="1" dirty="0">
+                <a:solidFill>
+                  <a:schemeClr val="tx1"/>
+                </a:solidFill>
+              </a:rPr>
+              <a:t/>
+            </a:r>
+            <a:br>
+              <a:rPr lang="es-PE" sz="2000" b="1" dirty="0">
+                <a:solidFill>
+                  <a:schemeClr val="tx1"/>
+                </a:solidFill>
+              </a:rPr>
+            </a:br>
+            <a:r>
+              <a:rPr lang="es-PE" sz="2000" b="1" dirty="0">
+                <a:solidFill>
+                  <a:schemeClr val="tx1"/>
+                </a:solidFill>
+              </a:rPr>
+              <a:t/>
+            </a:r>
+            <a:br>
+              <a:rPr lang="es-PE" sz="2000" b="1" dirty="0">
+                <a:solidFill>
+                  <a:schemeClr val="tx1"/>
+                </a:solidFill>
+              </a:rPr>
+            </a:br>
+            <a:r>
+              <a:rPr lang="es-PE" sz="2000" b="1" dirty="0">
+                <a:solidFill>
+                  <a:schemeClr val="tx1"/>
+                </a:solidFill>
+              </a:rPr>
+              <a:t/>
+            </a:r>
+            <a:br>
+              <a:rPr lang="es-PE" sz="2000" b="1" dirty="0">
+                <a:solidFill>
+                  <a:schemeClr val="tx1"/>
+                </a:solidFill>
+              </a:rPr>
+            </a:br>
+            <a:endParaRPr lang="es-PE" sz="2000" b="1" dirty="0">
+              <a:solidFill>
+                <a:schemeClr val="tx1"/>
+              </a:solidFill>
+            </a:endParaRPr>
+          </a:p>
+        </p:txBody>
+      </p:sp>
+      <p:sp>
+        <p:nvSpPr>
+          <p:cNvPr id="2" name="TextBox 1">
+            <a:extLst>
+              <a:ext uri="{FF2B5EF4-FFF2-40B4-BE49-F238E27FC236}">
+                <a16:creationId xmlns:a16="http://schemas.microsoft.com/office/drawing/2014/main" xmlns="" id="{8968C130-833A-423E-BDC6-AD93DD24CFC3}"/>
+              </a:ext>
+            </a:extLst>
+          </p:cNvPr>
+          <p:cNvSpPr txBox="1"/>
+          <p:nvPr/>
         </p:nvSpPr>
         <p:spPr>
           <a:xfrm>
-            <a:off x="838200" y="682580"/>
-            <a:ext cx="10515600" cy="5494383"/>
+            <a:off x="167081" y="4135815"/>
+            <a:ext cx="11233557" cy="2308324"/>
           </a:xfrm>
+          <a:prstGeom prst="rect">
+            <a:avLst/>
+          </a:prstGeom>
+          <a:noFill/>
         </p:spPr>
         <p:txBody>
-          <a:bodyPr>
-            <a:normAutofit/>
+          <a:bodyPr wrap="square" rtlCol="0">
+            <a:spAutoFit/>
           </a:bodyPr>
           <a:lstStyle/>
           <a:p>
-            <a:pPr marL="0" indent="0">
-              <a:buNone/>
-            </a:pPr>
-            <a:r>
-              <a:rPr lang="es-PE" sz="2000" dirty="0" smtClean="0"/>
-              <a:t>Tendrá su tienda física y también contará con su página web para vender virtualmente. </a:t>
-            </a:r>
-          </a:p>
-          <a:p>
-            <a:pPr marL="0" indent="0">
-              <a:buNone/>
-            </a:pPr>
-            <a:r>
-              <a:rPr lang="es-PE" sz="2000" dirty="0" smtClean="0"/>
-              <a:t>El pago será anticipado, podrá escoger si quiere delivery para que le lleven el producto o si no el mismo cliente puede ir a recogerlo al local.</a:t>
-            </a:r>
-          </a:p>
-          <a:p>
-            <a:pPr marL="0" indent="0">
-              <a:buNone/>
-            </a:pPr>
-            <a:endParaRPr lang="es-PE" sz="2000" dirty="0" smtClean="0"/>
-          </a:p>
-          <a:p>
-            <a:pPr marL="0" indent="0">
-              <a:buNone/>
-            </a:pPr>
-            <a:r>
-              <a:rPr lang="es-PE" sz="2000" b="1" dirty="0" smtClean="0"/>
-              <a:t>7.-Investigar sus necesidades. (de información, formación, etc.):</a:t>
-            </a:r>
-          </a:p>
-          <a:p>
-            <a:pPr marL="0" indent="0">
-              <a:buNone/>
-            </a:pPr>
-            <a:r>
-              <a:rPr lang="es-PE" sz="2000" dirty="0" smtClean="0"/>
-              <a:t>Para las personas enamoradas tenemos los productos: rosas, peluches, chocolates, tarjetas</a:t>
-            </a:r>
-          </a:p>
-          <a:p>
-            <a:pPr marL="0" indent="0">
-              <a:buNone/>
-            </a:pPr>
-            <a:r>
-              <a:rPr lang="es-PE" sz="2000" dirty="0" smtClean="0"/>
-              <a:t>, globos, etc.</a:t>
-            </a:r>
-          </a:p>
-          <a:p>
-            <a:pPr marL="0" indent="0">
-              <a:buNone/>
-            </a:pPr>
-            <a:r>
-              <a:rPr lang="es-PE" sz="2000" dirty="0" smtClean="0"/>
-              <a:t>Para las personas que han vivido un suceso tenemos los productos: arreglos florales, chocolates, tarjetas, etc.</a:t>
-            </a:r>
-          </a:p>
-          <a:p>
-            <a:pPr marL="0" indent="0">
-              <a:buNone/>
-            </a:pPr>
-            <a:r>
-              <a:rPr lang="es-PE" sz="2000" dirty="0" smtClean="0"/>
-              <a:t>A personas que han vivido un acontecimiento tenemos los productos: bebidas, arreglo, tarjetas, etc.</a:t>
-            </a:r>
-          </a:p>
-          <a:p>
-            <a:pPr marL="0" indent="0">
-              <a:buNone/>
-            </a:pPr>
-            <a:r>
-              <a:rPr lang="es-PE" sz="2000" dirty="0" smtClean="0"/>
-              <a:t>Y para todas las personas que quieran regalar algún obsequio por cariño, consideración o amistad.</a:t>
-            </a:r>
-          </a:p>
-          <a:p>
-            <a:pPr marL="0" indent="0">
-              <a:buNone/>
-            </a:pPr>
-            <a:endParaRPr lang="es-PE" sz="2000" b="1" dirty="0" smtClean="0"/>
-          </a:p>
-          <a:p>
-            <a:pPr marL="0" indent="0">
-              <a:buNone/>
-            </a:pPr>
-            <a:endParaRPr lang="es-PE" sz="2000" b="1" dirty="0"/>
+            <a:r>
+              <a:rPr lang="es-PE" dirty="0">
+                <a:solidFill>
+                  <a:schemeClr val="tx1">
+                    <a:lumMod val="75000"/>
+                    <a:lumOff val="25000"/>
+                  </a:schemeClr>
+                </a:solidFill>
+              </a:rPr>
+              <a:t>	</a:t>
+            </a:r>
+            <a:r>
+              <a:rPr lang="es-PE" sz="1800" dirty="0">
+                <a:solidFill>
+                  <a:schemeClr val="tx1">
+                    <a:lumMod val="75000"/>
+                    <a:lumOff val="25000"/>
+                  </a:schemeClr>
+                </a:solidFill>
+              </a:rPr>
+              <a:t>Enfocado a personas enamoradas</a:t>
+            </a:r>
+            <a:br>
+              <a:rPr lang="es-PE" sz="1800" dirty="0">
+                <a:solidFill>
+                  <a:schemeClr val="tx1">
+                    <a:lumMod val="75000"/>
+                    <a:lumOff val="25000"/>
+                  </a:schemeClr>
+                </a:solidFill>
+              </a:rPr>
+            </a:br>
+            <a:r>
+              <a:rPr lang="es-PE" sz="1800" dirty="0">
+                <a:solidFill>
+                  <a:schemeClr val="tx1">
+                    <a:lumMod val="75000"/>
+                    <a:lumOff val="25000"/>
+                  </a:schemeClr>
+                </a:solidFill>
+              </a:rPr>
+              <a:t>	A personas que quieren obsequiar cuando hay una celebración (Cumpleaños, bautizos</a:t>
+            </a:r>
+            <a:r>
+              <a:rPr lang="es-PE" sz="1800" dirty="0" smtClean="0">
+                <a:solidFill>
+                  <a:schemeClr val="tx1">
+                    <a:lumMod val="75000"/>
+                    <a:lumOff val="25000"/>
+                  </a:schemeClr>
+                </a:solidFill>
+              </a:rPr>
+              <a:t>, </a:t>
+            </a:r>
+            <a:r>
+              <a:rPr lang="es-PE" sz="1800" dirty="0" err="1" smtClean="0">
+                <a:solidFill>
+                  <a:schemeClr val="tx1">
+                    <a:lumMod val="75000"/>
+                    <a:lumOff val="25000"/>
+                  </a:schemeClr>
+                </a:solidFill>
+              </a:rPr>
+              <a:t>bodas,etc</a:t>
+            </a:r>
+            <a:r>
+              <a:rPr lang="es-PE" sz="1800" dirty="0">
+                <a:solidFill>
+                  <a:schemeClr val="tx1">
+                    <a:lumMod val="75000"/>
+                    <a:lumOff val="25000"/>
+                  </a:schemeClr>
+                </a:solidFill>
+              </a:rPr>
+              <a:t>).</a:t>
+            </a:r>
+            <a:br>
+              <a:rPr lang="es-PE" sz="1800" dirty="0">
+                <a:solidFill>
+                  <a:schemeClr val="tx1">
+                    <a:lumMod val="75000"/>
+                    <a:lumOff val="25000"/>
+                  </a:schemeClr>
+                </a:solidFill>
+              </a:rPr>
+            </a:br>
+            <a:r>
+              <a:rPr lang="es-PE" sz="1800" dirty="0">
+                <a:solidFill>
+                  <a:schemeClr val="tx1">
+                    <a:lumMod val="75000"/>
+                    <a:lumOff val="25000"/>
+                  </a:schemeClr>
+                </a:solidFill>
+              </a:rPr>
+              <a:t>	A personas que han vivido un suceso, ejemplo: cuando un familiar o amigo tiene un accidente se le 	un </a:t>
+            </a:r>
+            <a:r>
+              <a:rPr lang="es-PE" sz="1800" dirty="0" smtClean="0">
+                <a:solidFill>
+                  <a:schemeClr val="tx1">
+                    <a:lumMod val="75000"/>
+                    <a:lumOff val="25000"/>
+                  </a:schemeClr>
+                </a:solidFill>
+              </a:rPr>
+              <a:t>detalle </a:t>
+            </a:r>
+            <a:r>
+              <a:rPr lang="es-PE" sz="1800" dirty="0">
+                <a:solidFill>
+                  <a:schemeClr val="tx1">
+                    <a:lumMod val="75000"/>
+                    <a:lumOff val="25000"/>
+                  </a:schemeClr>
+                </a:solidFill>
+              </a:rPr>
+              <a:t>para desearle una pronta recuperación.</a:t>
+            </a:r>
+            <a:br>
+              <a:rPr lang="es-PE" sz="1800" dirty="0">
+                <a:solidFill>
+                  <a:schemeClr val="tx1">
+                    <a:lumMod val="75000"/>
+                    <a:lumOff val="25000"/>
+                  </a:schemeClr>
+                </a:solidFill>
+              </a:rPr>
+            </a:br>
+            <a:r>
+              <a:rPr lang="es-PE" sz="1800" dirty="0">
+                <a:solidFill>
+                  <a:schemeClr val="tx1">
+                    <a:lumMod val="75000"/>
+                    <a:lumOff val="25000"/>
+                  </a:schemeClr>
+                </a:solidFill>
+              </a:rPr>
+              <a:t>	A personas que han vivido un acontecimiento, ejemplo:  cuando es padre por primera vez, si lo han 	ascendido en el trabajo, etc.</a:t>
+            </a:r>
+            <a:br>
+              <a:rPr lang="es-PE" sz="1800" dirty="0">
+                <a:solidFill>
+                  <a:schemeClr val="tx1">
+                    <a:lumMod val="75000"/>
+                    <a:lumOff val="25000"/>
+                  </a:schemeClr>
+                </a:solidFill>
+              </a:rPr>
+            </a:br>
+            <a:r>
+              <a:rPr lang="es-PE" sz="1800" dirty="0">
+                <a:solidFill>
+                  <a:schemeClr val="tx1">
+                    <a:lumMod val="75000"/>
+                    <a:lumOff val="25000"/>
+                  </a:schemeClr>
+                </a:solidFill>
+              </a:rPr>
+              <a:t>	A personas agradecidas con otras</a:t>
+            </a:r>
+            <a:br>
+              <a:rPr lang="es-PE" sz="1800" dirty="0">
+                <a:solidFill>
+                  <a:schemeClr val="tx1">
+                    <a:lumMod val="75000"/>
+                    <a:lumOff val="25000"/>
+                  </a:schemeClr>
+                </a:solidFill>
+              </a:rPr>
+            </a:br>
+            <a:r>
+              <a:rPr lang="es-PE" sz="1800" dirty="0">
+                <a:solidFill>
+                  <a:schemeClr val="tx1">
+                    <a:lumMod val="75000"/>
+                    <a:lumOff val="25000"/>
+                  </a:schemeClr>
+                </a:solidFill>
+              </a:rPr>
+              <a:t>	A personas que quieran regalar algo por las fiestas navideñas, como también en otras ocasiones</a:t>
+            </a:r>
+            <a:endParaRPr lang="es-PE" dirty="0">
+              <a:solidFill>
+                <a:schemeClr val="tx1">
+                  <a:lumMod val="75000"/>
+                  <a:lumOff val="25000"/>
+                </a:schemeClr>
+              </a:solidFill>
+            </a:endParaRPr>
           </a:p>
         </p:txBody>
       </p:sp>
     </p:spTree>
     <p:extLst>
       <p:ext uri="{BB962C8B-B14F-4D97-AF65-F5344CB8AC3E}">
-        <p14:creationId xmlns:p14="http://schemas.microsoft.com/office/powerpoint/2010/main" val="1850755455"/>
+        <p14:creationId xmlns:p14="http://schemas.microsoft.com/office/powerpoint/2010/main" val="2166310876"/>
       </p:ext>
     </p:extLst>
   </p:cSld>
@@ -4262,8 +7582,8 @@
         </p:nvSpPr>
         <p:spPr>
           <a:xfrm>
-            <a:off x="838200" y="90153"/>
-            <a:ext cx="10515600" cy="1056067"/>
+            <a:off x="628475" y="127069"/>
+            <a:ext cx="10515600" cy="940157"/>
           </a:xfrm>
         </p:spPr>
         <p:txBody>
@@ -4273,10 +7593,9 @@
           <a:lstStyle/>
           <a:p>
             <a:r>
-              <a:rPr lang="es-PE" sz="2800" b="1" dirty="0" smtClean="0"/>
-              <a:t>8.- Definir la intensión comunicativa del producto (Informar, entretener, alertar). </a:t>
-            </a:r>
-            <a:endParaRPr lang="es-PE" sz="2800" b="1" dirty="0"/>
+              <a:rPr lang="es-PE" sz="2400" b="1" dirty="0"/>
+              <a:t>6.-Definir el modelo de negocio.</a:t>
+            </a:r>
           </a:p>
         </p:txBody>
       </p:sp>
@@ -4292,13 +7611,13 @@
         </p:nvSpPr>
         <p:spPr>
           <a:xfrm>
-            <a:off x="838200" y="1146220"/>
-            <a:ext cx="10515600" cy="5434884"/>
+            <a:off x="628475" y="766469"/>
+            <a:ext cx="10515600" cy="5494383"/>
           </a:xfrm>
         </p:spPr>
         <p:txBody>
           <a:bodyPr>
-            <a:normAutofit fontScale="92500" lnSpcReduction="20000"/>
+            <a:normAutofit/>
           </a:bodyPr>
           <a:lstStyle/>
           <a:p>
@@ -4306,8 +7625,53 @@
               <a:buNone/>
             </a:pPr>
             <a:r>
+              <a:rPr lang="es-PE" sz="2000" dirty="0"/>
+              <a:t>Tendrá su tienda física y también contará con su página web para vender virtualmente. </a:t>
+            </a:r>
+          </a:p>
+          <a:p>
+            <a:pPr marL="0" indent="0">
+              <a:buNone/>
+            </a:pPr>
+            <a:r>
+              <a:rPr lang="es-PE" sz="2000" dirty="0"/>
+              <a:t>El pago será anticipado, podrá escoger si quiere delivery para que le lleven el producto o si no el mismo cliente puede ir a recogerlo al local.</a:t>
+            </a:r>
+          </a:p>
+          <a:p>
+            <a:pPr marL="0" indent="0">
+              <a:buNone/>
+            </a:pPr>
+            <a:endParaRPr lang="es-PE" sz="2000" dirty="0"/>
+          </a:p>
+          <a:p>
+            <a:pPr marL="0" indent="0">
+              <a:buNone/>
+            </a:pPr>
+            <a:r>
+              <a:rPr lang="es-PE" sz="2000" b="1" dirty="0">
+                <a:solidFill>
+                  <a:srgbClr val="92D050"/>
+                </a:solidFill>
+              </a:rPr>
+              <a:t>7.-Investigar sus necesidades. (de información, formación, etc.):</a:t>
+            </a:r>
+          </a:p>
+          <a:p>
+            <a:pPr marL="0" indent="0">
+              <a:buNone/>
+            </a:pPr>
+            <a:r>
+              <a:rPr lang="es-PE" sz="2000" dirty="0"/>
+              <a:t>Para las personas enamoradas tenemos los productos: rosas, peluches, chocolates, </a:t>
+            </a:r>
+            <a:r>
               <a:rPr lang="es-PE" sz="2000" dirty="0" smtClean="0"/>
-              <a:t>El producto sirve para expresar los sentimientos de las personas, y cada uno de ellos tiene un significado diferente, ejemplos:</a:t>
+              <a:t>tarjetas, </a:t>
+            </a:r>
+            <a:r>
+              <a:rPr lang="es-PE" sz="2000" dirty="0"/>
+              <a:t>globos, etc.</a:t>
             </a:r>
           </a:p>
           <a:p>
@@ -4315,8 +7679,8 @@
               <a:buNone/>
             </a:pPr>
             <a:r>
-              <a:rPr lang="es-PE" sz="2000" dirty="0" smtClean="0"/>
-              <a:t>Ramo de rosas: significa amor primera vista, o si llevan tiempo en su relación, quiere decir que la persona lo ama mucho.</a:t>
+              <a:rPr lang="es-PE" sz="2000" dirty="0"/>
+              <a:t>Para las personas que han vivido un suceso tenemos los productos: arreglos florales, chocolates, tarjetas, etc.</a:t>
             </a:r>
           </a:p>
           <a:p>
@@ -4324,8 +7688,8 @@
               <a:buNone/>
             </a:pPr>
             <a:r>
-              <a:rPr lang="es-PE" sz="2000" dirty="0" smtClean="0"/>
-              <a:t>Chocolates: Si te regala chocolates es porque te conoce bien y sabe lo que te gusta, y si es un chocolate especifico es mejor porque eso dice que se ha tomado el tiempo de escucharte y poner atención a lo que dices.</a:t>
+              <a:rPr lang="es-PE" sz="2000" dirty="0"/>
+              <a:t>A personas que han vivido un acontecimiento tenemos los productos: bebidas, arreglo, tarjetas, etc.</a:t>
             </a:r>
           </a:p>
           <a:p>
@@ -4333,80 +7697,28 @@
               <a:buNone/>
             </a:pPr>
             <a:r>
-              <a:rPr lang="es-PE" sz="2000" dirty="0" smtClean="0"/>
-              <a:t> Peluche: Si te regala un peluche es porque quiere que pienses en él, por eso en lugar de flores o chocolates eligió algo más duradero.</a:t>
+              <a:rPr lang="es-PE" sz="2000" dirty="0"/>
+              <a:t>Y para todas las personas que quieran regalar algún obsequio por cariño, consideración o amistad.</a:t>
             </a:r>
           </a:p>
           <a:p>
             <a:pPr marL="0" indent="0">
               <a:buNone/>
             </a:pPr>
-            <a:r>
-              <a:rPr lang="es-PE" sz="2000" b="1" dirty="0" smtClean="0"/>
-              <a:t>9.-Definir los objetivos de los clientes o emisores con el producto:</a:t>
-            </a:r>
+            <a:endParaRPr lang="es-PE" sz="2000" b="1" dirty="0"/>
           </a:p>
           <a:p>
             <a:pPr marL="0" indent="0">
               <a:buNone/>
             </a:pPr>
-            <a:r>
-              <a:rPr lang="es-PE" sz="2000" dirty="0" smtClean="0"/>
-              <a:t>¿Qué quiere hacer el producto?</a:t>
-            </a:r>
-          </a:p>
-          <a:p>
-            <a:pPr marL="0" indent="0">
-              <a:buNone/>
-            </a:pPr>
-            <a:r>
-              <a:rPr lang="es-PE" sz="2000" dirty="0" smtClean="0"/>
-              <a:t>El producto busca expresar lo que siente la persona, puede ser agradecimiento, amor, cortesía, etc., y también hacer feliz a la persona que recibe el regalo.</a:t>
-            </a:r>
-          </a:p>
-          <a:p>
-            <a:pPr marL="0" indent="0">
-              <a:buNone/>
-            </a:pPr>
-            <a:r>
-              <a:rPr lang="es-PE" sz="2000" dirty="0" smtClean="0"/>
-              <a:t>¿Para que se vende?</a:t>
-            </a:r>
-          </a:p>
-          <a:p>
-            <a:pPr marL="0" indent="0">
-              <a:buNone/>
-            </a:pPr>
-            <a:r>
-              <a:rPr lang="es-PE" sz="2000" dirty="0" smtClean="0"/>
-              <a:t>Para los dueños es un negocio para generar ingresos monetarios y para los clientes, los productos actúan como un mediador para expresar sus sentimientos.</a:t>
-            </a:r>
-          </a:p>
-          <a:p>
-            <a:pPr marL="0" indent="0">
-              <a:buNone/>
-            </a:pPr>
-            <a:r>
-              <a:rPr lang="es-PE" sz="2000" dirty="0" smtClean="0"/>
-              <a:t>¿Que necesidad cubre?</a:t>
-            </a:r>
-          </a:p>
-          <a:p>
-            <a:pPr marL="0" indent="0">
-              <a:buNone/>
-            </a:pPr>
-            <a:r>
-              <a:rPr lang="es-PE" sz="2000" dirty="0" smtClean="0"/>
-              <a:t>Cubre la necesidad de expresarte, de satisfacer lo que sientes en ese momento.</a:t>
-            </a:r>
-            <a:endParaRPr lang="es-PE" sz="2000" dirty="0"/>
+            <a:endParaRPr lang="es-PE" sz="2000" b="1" dirty="0"/>
           </a:p>
         </p:txBody>
       </p:sp>
     </p:spTree>
     <p:extLst>
       <p:ext uri="{BB962C8B-B14F-4D97-AF65-F5344CB8AC3E}">
-        <p14:creationId xmlns:p14="http://schemas.microsoft.com/office/powerpoint/2010/main" val="2532866226"/>
+        <p14:creationId xmlns:p14="http://schemas.microsoft.com/office/powerpoint/2010/main" val="1850755455"/>
       </p:ext>
     </p:extLst>
   </p:cSld>
@@ -4445,8 +7757,8 @@
         </p:nvSpPr>
         <p:spPr>
           <a:xfrm>
-            <a:off x="838200" y="154547"/>
-            <a:ext cx="10515600" cy="695459"/>
+            <a:off x="838200" y="90153"/>
+            <a:ext cx="10515600" cy="1056067"/>
           </a:xfrm>
         </p:spPr>
         <p:txBody>
@@ -4456,10 +7768,9 @@
           <a:lstStyle/>
           <a:p>
             <a:r>
-              <a:rPr lang="es-PE" sz="2400" b="1" dirty="0" smtClean="0"/>
-              <a:t>10.- Definir las necesidades generales del proyecto:</a:t>
-            </a:r>
-            <a:endParaRPr lang="es-PE" sz="2400" b="1" dirty="0"/>
+              <a:rPr lang="es-PE" sz="2800" b="1" dirty="0"/>
+              <a:t>8.- Definir la intensión comunicativa del producto (Informar, entretener, alertar). </a:t>
+            </a:r>
           </a:p>
         </p:txBody>
       </p:sp>
@@ -4475,8 +7786,8 @@
         </p:nvSpPr>
         <p:spPr>
           <a:xfrm>
-            <a:off x="838200" y="759854"/>
-            <a:ext cx="10515600" cy="5924281"/>
+            <a:off x="838199" y="1146220"/>
+            <a:ext cx="10788941" cy="5434884"/>
           </a:xfrm>
         </p:spPr>
         <p:txBody>
@@ -4485,232 +7796,135 @@
           </a:bodyPr>
           <a:lstStyle/>
           <a:p>
-            <a:pPr lvl="1">
-              <a:buFontTx/>
-              <a:buChar char="-"/>
+            <a:pPr marL="0" indent="0">
+              <a:buNone/>
             </a:pPr>
             <a:r>
-              <a:rPr lang="es-PE" sz="1700" dirty="0" smtClean="0"/>
-              <a:t>Compras online</a:t>
-            </a:r>
-          </a:p>
-          <a:p>
-            <a:pPr lvl="1">
-              <a:buFontTx/>
-              <a:buChar char="-"/>
+              <a:rPr lang="es-PE" sz="1700" dirty="0"/>
+              <a:t>El producto sirve para expresar los sentimientos de las personas, y cada uno de ellos tiene un significado diferente, ejemplos:</a:t>
+            </a:r>
+          </a:p>
+          <a:p>
+            <a:pPr marL="0" indent="0">
+              <a:buNone/>
             </a:pPr>
             <a:r>
-              <a:rPr lang="es-PE" sz="1700" dirty="0" smtClean="0"/>
-              <a:t>Recibir información acerca de promociones, descuentos, nuevos productos, etc.</a:t>
-            </a:r>
-          </a:p>
-          <a:p>
-            <a:pPr lvl="1">
-              <a:buFontTx/>
-              <a:buChar char="-"/>
+              <a:rPr lang="es-PE" sz="1700" dirty="0"/>
+              <a:t>Ramo de rosas: significa amor primera vista, o si llevan tiempo en su relación, quiere decir que la persona lo ama mucho.</a:t>
+            </a:r>
+          </a:p>
+          <a:p>
+            <a:pPr marL="0" indent="0">
+              <a:buNone/>
             </a:pPr>
             <a:r>
-              <a:rPr lang="es-PE" sz="1700" dirty="0" smtClean="0"/>
-              <a:t>Marketing virtual</a:t>
-            </a:r>
-          </a:p>
-          <a:p>
-            <a:pPr lvl="1">
-              <a:buFontTx/>
-              <a:buChar char="-"/>
+              <a:rPr lang="es-PE" sz="1700" dirty="0"/>
+              <a:t>Chocolates: Si te regala chocolates es porque te conoce bien y sabe lo que te gusta, y si es un chocolate especifico es mejor porque eso dice que se ha tomado el tiempo de escucharte y poner atención a lo que dices.</a:t>
+            </a:r>
+          </a:p>
+          <a:p>
+            <a:pPr marL="0" indent="0">
+              <a:buNone/>
             </a:pPr>
             <a:r>
-              <a:rPr lang="es-PE" sz="1700" dirty="0" smtClean="0"/>
-              <a:t>Contacto directo con la tienda</a:t>
-            </a:r>
-          </a:p>
-          <a:p>
-            <a:pPr lvl="1">
-              <a:buFontTx/>
-              <a:buChar char="-"/>
+              <a:rPr lang="es-PE" sz="1700" dirty="0"/>
+              <a:t> Peluche: Si te regala un peluche es porque quiere que pienses en él, por eso en lugar de flores o chocolates eligió algo más duradero.</a:t>
+            </a:r>
+          </a:p>
+          <a:p>
+            <a:pPr marL="0" indent="0">
+              <a:buNone/>
             </a:pPr>
-            <a:endParaRPr lang="es-PE" sz="1700" dirty="0"/>
-          </a:p>
-          <a:p>
-            <a:pPr marL="457200" lvl="1" indent="0">
+            <a:r>
+              <a:rPr lang="es-PE" sz="2800" b="1" dirty="0">
+                <a:solidFill>
+                  <a:srgbClr val="90C226"/>
+                </a:solidFill>
+                <a:latin typeface="Trebuchet MS" panose="020B0603020202020204"/>
+                <a:ea typeface="+mj-ea"/>
+                <a:cs typeface="+mj-cs"/>
+              </a:rPr>
+              <a:t>9</a:t>
+            </a:r>
+            <a:r>
+              <a:rPr kumimoji="0" lang="es-PE" sz="2800" b="1" i="0" u="none" strike="noStrike" kern="1200" cap="none" spc="0" normalizeH="0" baseline="0" noProof="0" dirty="0">
+                <a:ln>
+                  <a:noFill/>
+                </a:ln>
+                <a:solidFill>
+                  <a:srgbClr val="90C226"/>
+                </a:solidFill>
+                <a:effectLst/>
+                <a:uLnTx/>
+                <a:uFillTx/>
+                <a:latin typeface="Trebuchet MS" panose="020B0603020202020204"/>
+                <a:ea typeface="+mj-ea"/>
+                <a:cs typeface="+mj-cs"/>
+              </a:rPr>
+              <a:t>.- Definir los objetivos de los clientes o emisores con el producto:</a:t>
+            </a:r>
+            <a:endParaRPr lang="es-PE" sz="2000" dirty="0"/>
+          </a:p>
+          <a:p>
+            <a:pPr marL="0" indent="0">
               <a:buNone/>
             </a:pPr>
             <a:r>
-              <a:rPr lang="es-PE" sz="1700" dirty="0" smtClean="0"/>
-              <a:t>11.- Definir la temática general del producto a realizar o rediseñar</a:t>
-            </a:r>
-          </a:p>
-          <a:p>
-            <a:pPr marL="457200" lvl="1" indent="0">
+              <a:rPr lang="es-PE" sz="1700" b="1" dirty="0"/>
+              <a:t>¿Qué quiere hacer el producto?</a:t>
+            </a:r>
+          </a:p>
+          <a:p>
+            <a:pPr marL="0" indent="0">
               <a:buNone/>
             </a:pPr>
             <a:r>
-              <a:rPr lang="es-PE" sz="1700" dirty="0" smtClean="0"/>
-              <a:t>Son productos variados como: peluches, chocolates, flores, bebidas, globos, tarjetas, que se pueden combinar de diferentes maneras a gusto del cliente.</a:t>
-            </a:r>
-          </a:p>
-          <a:p>
-            <a:pPr marL="457200" lvl="1" indent="0">
+              <a:rPr lang="es-PE" sz="1700" dirty="0"/>
+              <a:t>El producto busca expresar lo que siente la persona, puede ser agradecimiento, amor, cortesía, etc., y también hacer feliz a la persona que recibe el regalo.</a:t>
+            </a:r>
+          </a:p>
+          <a:p>
+            <a:pPr marL="0" indent="0">
               <a:buNone/>
             </a:pPr>
-            <a:endParaRPr lang="es-PE" sz="1700" dirty="0"/>
-          </a:p>
-          <a:p>
-            <a:pPr marL="457200" lvl="1" indent="0">
+            <a:r>
+              <a:rPr lang="es-PE" sz="1700" b="1" dirty="0"/>
+              <a:t>¿Para que se vende?</a:t>
+            </a:r>
+          </a:p>
+          <a:p>
+            <a:pPr marL="0" indent="0">
               <a:buNone/>
             </a:pPr>
             <a:r>
-              <a:rPr lang="es-PE" sz="1700" dirty="0" smtClean="0"/>
-              <a:t>12.- Realizar un inventario de recursos de información del producto.</a:t>
-            </a:r>
-          </a:p>
-          <a:p>
-            <a:pPr marL="457200" lvl="1" indent="0">
+              <a:rPr lang="es-PE" sz="1700" dirty="0"/>
+              <a:t>Para los dueños es un negocio para generar ingresos monetarios y para los clientes, los productos actúan como un mediador para expresar sus sentimientos.</a:t>
+            </a:r>
+          </a:p>
+          <a:p>
+            <a:pPr marL="0" indent="0">
               <a:buNone/>
             </a:pPr>
             <a:r>
-              <a:rPr lang="es-PE" sz="1700" dirty="0" smtClean="0"/>
-              <a:t>Pagina web oficial de Rosatel: </a:t>
-            </a:r>
-            <a:r>
-              <a:rPr lang="es-PE" sz="1700" dirty="0" smtClean="0">
-                <a:hlinkClick r:id="rId2"/>
-              </a:rPr>
-              <a:t>https://www.rosatel.pe/trujillo/</a:t>
-            </a:r>
-            <a:endParaRPr lang="es-PE" sz="1700" dirty="0" smtClean="0"/>
-          </a:p>
-          <a:p>
-            <a:pPr marL="457200" lvl="1" indent="0">
+              <a:rPr lang="es-PE" sz="1700" b="1" dirty="0"/>
+              <a:t>¿Que necesidad cubre?</a:t>
+            </a:r>
+          </a:p>
+          <a:p>
+            <a:pPr marL="0" indent="0">
               <a:buNone/>
             </a:pPr>
             <a:r>
-              <a:rPr lang="es-PE" sz="1700" dirty="0" smtClean="0"/>
-              <a:t>Cuestionario del público: </a:t>
-            </a:r>
-            <a:r>
-              <a:rPr lang="es-PE" sz="1700" u="sng" dirty="0" smtClean="0">
-                <a:solidFill>
-                  <a:srgbClr val="0070C0"/>
-                </a:solidFill>
-              </a:rPr>
-              <a:t>https://docs.google.com/forms/d/e/1FAIpQLSemejSWUQn6xKARzJuLMW3RTgVyISlGACUDHOnbRVB6Gt_8cA/viewform?usp=sf_link</a:t>
-            </a:r>
-          </a:p>
-          <a:p>
-            <a:pPr marL="457200" lvl="1" indent="0">
-              <a:buNone/>
-            </a:pPr>
-            <a:r>
-              <a:rPr lang="es-PE" sz="1700" dirty="0" smtClean="0"/>
-              <a:t>Entrevista al experto: </a:t>
-            </a:r>
-            <a:r>
-              <a:rPr lang="es-PE" sz="1700" u="sng" dirty="0" smtClean="0">
-                <a:solidFill>
-                  <a:srgbClr val="0070C0"/>
-                </a:solidFill>
-                <a:hlinkClick r:id="rId3"/>
-              </a:rPr>
-              <a:t>https://docs.google.com/forms/d/e/1FAIpQLSfsWjLN1LTm32BFYquuTlK7Z1tq5RfwG8L2h3bhnc3Eyjq5Bg/viewform?usp=sf_link</a:t>
-            </a:r>
-            <a:endParaRPr lang="es-PE" sz="1700" u="sng" dirty="0" smtClean="0">
-              <a:solidFill>
-                <a:srgbClr val="0070C0"/>
-              </a:solidFill>
-            </a:endParaRPr>
-          </a:p>
-          <a:p>
-            <a:pPr marL="457200" lvl="1" indent="0">
-              <a:buNone/>
-            </a:pPr>
-            <a:r>
-              <a:rPr lang="es-PE" dirty="0" smtClean="0"/>
-              <a:t>Significados de los regalos: </a:t>
-            </a:r>
-            <a:r>
-              <a:rPr lang="es-PE" u="sng" dirty="0" smtClean="0">
-                <a:hlinkClick r:id="rId4"/>
-              </a:rPr>
-              <a:t>https://www.okchicas.com/tu/pareja-tu/detalles-chicos-obsequian-san-valentin-dime-que-regala-como-te-quiere/</a:t>
-            </a:r>
-            <a:endParaRPr lang="es-PE" u="sng" dirty="0" smtClean="0"/>
-          </a:p>
-          <a:p>
-            <a:pPr marL="457200" lvl="1" indent="0">
-              <a:buNone/>
-            </a:pPr>
-            <a:r>
-              <a:rPr lang="es-PE" u="sng" dirty="0" smtClean="0"/>
-              <a:t>Como abrir una tienda de </a:t>
-            </a:r>
-            <a:r>
-              <a:rPr lang="es-PE" u="sng" dirty="0" smtClean="0"/>
-              <a:t>regalos: </a:t>
-            </a:r>
-            <a:r>
-              <a:rPr lang="es-PE" dirty="0" smtClean="0">
-                <a:hlinkClick r:id="rId5"/>
-              </a:rPr>
-              <a:t>https</a:t>
-            </a:r>
-            <a:r>
-              <a:rPr lang="es-PE" dirty="0" smtClean="0">
-                <a:hlinkClick r:id="rId5"/>
-              </a:rPr>
-              <a:t>://</a:t>
-            </a:r>
-            <a:r>
-              <a:rPr lang="es-PE" dirty="0" smtClean="0">
-                <a:hlinkClick r:id="rId5"/>
-              </a:rPr>
-              <a:t>www.cuidatudinero.com/13062665/como-abrir-una-tienda-de-regalos</a:t>
-            </a:r>
-            <a:endParaRPr lang="es-PE" dirty="0" smtClean="0"/>
-          </a:p>
-          <a:p>
-            <a:pPr marL="457200" lvl="1" indent="0">
-              <a:buNone/>
-            </a:pPr>
-            <a:r>
-              <a:rPr lang="es-PE" dirty="0" smtClean="0">
-                <a:hlinkClick r:id="rId6"/>
-              </a:rPr>
-              <a:t>https://emprendedorestv.pe/sabes-como-iniciar-un-negocio-de-regalos/</a:t>
-            </a:r>
-            <a:endParaRPr lang="es-PE" u="sng" dirty="0" smtClean="0"/>
-          </a:p>
-          <a:p>
-            <a:pPr marL="457200" lvl="1" indent="0">
-              <a:buNone/>
-            </a:pPr>
-            <a:endParaRPr lang="es-PE" dirty="0" smtClean="0"/>
-          </a:p>
-          <a:p>
-            <a:pPr marL="457200" lvl="1" indent="0">
-              <a:buNone/>
-            </a:pPr>
-            <a:endParaRPr lang="es-PE" dirty="0" smtClean="0"/>
-          </a:p>
-          <a:p>
-            <a:pPr marL="457200" lvl="1" indent="0">
-              <a:buNone/>
-            </a:pPr>
-            <a:endParaRPr lang="es-PE" dirty="0" smtClean="0"/>
-          </a:p>
-          <a:p>
-            <a:pPr lvl="1">
-              <a:buFontTx/>
-              <a:buChar char="-"/>
-            </a:pPr>
-            <a:endParaRPr lang="es-PE" dirty="0"/>
+              <a:rPr lang="es-PE" sz="1700" dirty="0"/>
+              <a:t>Cubre la necesidad de expresarte, de satisfacer lo que sientes en ese momento.</a:t>
+            </a:r>
           </a:p>
         </p:txBody>
       </p:sp>
     </p:spTree>
     <p:extLst>
       <p:ext uri="{BB962C8B-B14F-4D97-AF65-F5344CB8AC3E}">
-        <p14:creationId xmlns:p14="http://schemas.microsoft.com/office/powerpoint/2010/main" val="1274134472"/>
+        <p14:creationId xmlns:p14="http://schemas.microsoft.com/office/powerpoint/2010/main" val="2532866226"/>
       </p:ext>
     </p:extLst>
   </p:cSld>
@@ -4747,47 +7961,308 @@
             <p:ph type="title"/>
           </p:nvPr>
         </p:nvSpPr>
-        <p:spPr/>
-        <p:txBody>
-          <a:bodyPr/>
-          <a:lstStyle/>
-          <a:p>
-            <a:r>
-              <a:rPr lang="es-PE" dirty="0" smtClean="0"/>
-              <a:t>Encuesta al público</a:t>
-            </a:r>
-            <a:endParaRPr lang="es-PE" dirty="0"/>
-          </a:p>
-        </p:txBody>
-      </p:sp>
-      <p:pic>
-        <p:nvPicPr>
-          <p:cNvPr id="4" name="Imagen 3"/>
-          <p:cNvPicPr>
-            <a:picLocks noChangeAspect="1"/>
-          </p:cNvPicPr>
-          <p:nvPr/>
-        </p:nvPicPr>
-        <p:blipFill>
-          <a:blip r:embed="rId2"/>
-          <a:stretch>
-            <a:fillRect/>
-          </a:stretch>
-        </p:blipFill>
         <p:spPr>
           <a:xfrm>
-            <a:off x="551914" y="1541574"/>
-            <a:ext cx="10240582" cy="4933950"/>
+            <a:off x="838200" y="154547"/>
+            <a:ext cx="10515600" cy="695459"/>
           </a:xfrm>
-          <a:prstGeom prst="rect">
-            <a:avLst/>
-          </a:prstGeom>
         </p:spPr>
-      </p:pic>
+        <p:txBody>
+          <a:bodyPr>
+            <a:normAutofit/>
+          </a:bodyPr>
+          <a:lstStyle/>
+          <a:p>
+            <a:r>
+              <a:rPr lang="es-PE" sz="2400" b="1" dirty="0"/>
+              <a:t>10.- Definir las necesidades generales del proyecto:</a:t>
+            </a:r>
+          </a:p>
+        </p:txBody>
+      </p:sp>
+      <p:sp>
+        <p:nvSpPr>
+          <p:cNvPr id="3" name="Marcador de contenido 2"/>
+          <p:cNvSpPr>
+            <a:spLocks noGrp="1"/>
+          </p:cNvSpPr>
+          <p:nvPr>
+            <p:ph idx="1"/>
+          </p:nvPr>
+        </p:nvSpPr>
+        <p:spPr>
+          <a:xfrm>
+            <a:off x="427140" y="701131"/>
+            <a:ext cx="10515600" cy="5924281"/>
+          </a:xfrm>
+        </p:spPr>
+        <p:txBody>
+          <a:bodyPr>
+            <a:normAutofit fontScale="92500" lnSpcReduction="10000"/>
+          </a:bodyPr>
+          <a:lstStyle/>
+          <a:p>
+            <a:pPr lvl="1">
+              <a:buFontTx/>
+              <a:buChar char="-"/>
+            </a:pPr>
+            <a:r>
+              <a:rPr lang="es-PE" sz="1700" dirty="0"/>
+              <a:t>Compras online</a:t>
+            </a:r>
+          </a:p>
+          <a:p>
+            <a:pPr lvl="1">
+              <a:buFontTx/>
+              <a:buChar char="-"/>
+            </a:pPr>
+            <a:r>
+              <a:rPr lang="es-PE" sz="1700" dirty="0"/>
+              <a:t>Recibir información acerca de promociones, descuentos, nuevos productos, etc.</a:t>
+            </a:r>
+          </a:p>
+          <a:p>
+            <a:pPr lvl="1">
+              <a:buFontTx/>
+              <a:buChar char="-"/>
+            </a:pPr>
+            <a:r>
+              <a:rPr lang="es-PE" sz="1700" dirty="0"/>
+              <a:t>Marketing virtual</a:t>
+            </a:r>
+          </a:p>
+          <a:p>
+            <a:pPr lvl="1">
+              <a:buFontTx/>
+              <a:buChar char="-"/>
+            </a:pPr>
+            <a:r>
+              <a:rPr lang="es-PE" sz="1700" dirty="0"/>
+              <a:t>Contacto directo con la tienda</a:t>
+            </a:r>
+          </a:p>
+          <a:p>
+            <a:pPr marL="457200" lvl="1" indent="0">
+              <a:buNone/>
+            </a:pPr>
+            <a:r>
+              <a:rPr kumimoji="0" lang="es-PE" sz="2400" b="1" i="0" u="none" strike="noStrike" kern="1200" cap="none" spc="0" normalizeH="0" baseline="0" noProof="0" dirty="0">
+                <a:ln>
+                  <a:noFill/>
+                </a:ln>
+                <a:solidFill>
+                  <a:srgbClr val="90C226"/>
+                </a:solidFill>
+                <a:effectLst/>
+                <a:uLnTx/>
+                <a:uFillTx/>
+                <a:latin typeface="Trebuchet MS" panose="020B0603020202020204"/>
+                <a:ea typeface="+mj-ea"/>
+                <a:cs typeface="+mj-cs"/>
+              </a:rPr>
+              <a:t>11.- </a:t>
+            </a:r>
+            <a:r>
+              <a:rPr kumimoji="0" lang="es-MX" sz="2400" b="1" i="0" u="none" strike="noStrike" kern="1200" cap="none" spc="0" normalizeH="0" baseline="0" noProof="0" dirty="0">
+                <a:ln>
+                  <a:noFill/>
+                </a:ln>
+                <a:solidFill>
+                  <a:srgbClr val="90C226"/>
+                </a:solidFill>
+                <a:effectLst/>
+                <a:uLnTx/>
+                <a:uFillTx/>
+                <a:latin typeface="Trebuchet MS" panose="020B0603020202020204"/>
+                <a:ea typeface="+mj-ea"/>
+                <a:cs typeface="+mj-cs"/>
+              </a:rPr>
+              <a:t>Definir la temática general del producto a realizar o rediseñar</a:t>
+            </a:r>
+          </a:p>
+          <a:p>
+            <a:pPr marL="457200" lvl="1" indent="0">
+              <a:buNone/>
+            </a:pPr>
+            <a:r>
+              <a:rPr lang="es-PE" sz="1700" dirty="0"/>
+              <a:t>Son productos variados como: peluches, chocolates, flores, bebidas, globos, tarjetas, que se pueden combinar de diferentes maneras a gusto del cliente.</a:t>
+            </a:r>
+          </a:p>
+          <a:p>
+            <a:pPr marL="457200" lvl="1" indent="0">
+              <a:buNone/>
+            </a:pPr>
+            <a:r>
+              <a:rPr kumimoji="0" lang="es-PE" sz="2400" b="1" i="0" u="none" strike="noStrike" kern="1200" cap="none" spc="0" normalizeH="0" baseline="0" noProof="0" dirty="0">
+                <a:ln>
+                  <a:noFill/>
+                </a:ln>
+                <a:solidFill>
+                  <a:srgbClr val="90C226"/>
+                </a:solidFill>
+                <a:effectLst/>
+                <a:uLnTx/>
+                <a:uFillTx/>
+                <a:latin typeface="Trebuchet MS" panose="020B0603020202020204"/>
+                <a:ea typeface="+mj-ea"/>
+                <a:cs typeface="+mj-cs"/>
+              </a:rPr>
+              <a:t>12.- </a:t>
+            </a:r>
+            <a:r>
+              <a:rPr kumimoji="0" lang="es-MX" sz="2400" b="1" i="0" u="none" strike="noStrike" kern="1200" cap="none" spc="0" normalizeH="0" baseline="0" noProof="0" dirty="0">
+                <a:ln>
+                  <a:noFill/>
+                </a:ln>
+                <a:solidFill>
+                  <a:srgbClr val="90C226"/>
+                </a:solidFill>
+                <a:effectLst/>
+                <a:uLnTx/>
+                <a:uFillTx/>
+                <a:latin typeface="Trebuchet MS" panose="020B0603020202020204"/>
+                <a:ea typeface="+mj-ea"/>
+                <a:cs typeface="+mj-cs"/>
+              </a:rPr>
+              <a:t>Realizar un inventario de recursos de información del producto.</a:t>
+            </a:r>
+          </a:p>
+          <a:p>
+            <a:pPr marL="457200" lvl="1" indent="0">
+              <a:buNone/>
+            </a:pPr>
+            <a:r>
+              <a:rPr lang="es-PE" sz="1700" dirty="0"/>
+              <a:t>Pagina web oficial de Rosatel: </a:t>
+            </a:r>
+            <a:r>
+              <a:rPr lang="es-PE" sz="1700" dirty="0">
+                <a:hlinkClick r:id="rId2"/>
+              </a:rPr>
+              <a:t>https://www.rosatel.pe/trujillo/</a:t>
+            </a:r>
+            <a:endParaRPr lang="es-PE" sz="1700" dirty="0"/>
+          </a:p>
+          <a:p>
+            <a:pPr marL="457200" lvl="1" indent="0">
+              <a:buNone/>
+            </a:pPr>
+            <a:r>
+              <a:rPr lang="es-PE" sz="1700" dirty="0"/>
+              <a:t>Cuestionario del público: </a:t>
+            </a:r>
+            <a:r>
+              <a:rPr lang="es-PE" sz="1700" u="sng" dirty="0">
+                <a:solidFill>
+                  <a:srgbClr val="92D050"/>
+                </a:solidFill>
+              </a:rPr>
+              <a:t>https://docs.google.com/forms/d/e/1FAIpQLSemejSWUQn6xKARzJuLMW3RTgVyISlGACUDHOnbRVB6Gt_8cA/viewform?usp=sf_link</a:t>
+            </a:r>
+          </a:p>
+          <a:p>
+            <a:pPr marL="457200" lvl="1" indent="0">
+              <a:buNone/>
+            </a:pPr>
+            <a:r>
+              <a:rPr lang="es-PE" sz="1700" dirty="0"/>
+              <a:t>Entrevista al experto: </a:t>
+            </a:r>
+            <a:r>
+              <a:rPr lang="es-PE" sz="1700" u="sng" dirty="0">
+                <a:solidFill>
+                  <a:srgbClr val="0070C0"/>
+                </a:solidFill>
+                <a:hlinkClick r:id="rId3"/>
+              </a:rPr>
+              <a:t>https://docs.google.com/forms/d/e/1FAIpQLSfsWjLN1LTm32BFYquuTlK7Z1tq5RfwG8L2h3bhnc3Eyjq5Bg/viewform?usp=sf_link</a:t>
+            </a:r>
+            <a:endParaRPr lang="es-PE" sz="1700" u="sng" dirty="0">
+              <a:solidFill>
+                <a:srgbClr val="0070C0"/>
+              </a:solidFill>
+            </a:endParaRPr>
+          </a:p>
+          <a:p>
+            <a:pPr marL="457200" lvl="1" indent="0">
+              <a:buNone/>
+            </a:pPr>
+            <a:r>
+              <a:rPr lang="es-PE" dirty="0">
+                <a:solidFill>
+                  <a:schemeClr val="tx2"/>
+                </a:solidFill>
+              </a:rPr>
+              <a:t>Significados de los regalos: </a:t>
+            </a:r>
+            <a:r>
+              <a:rPr lang="es-PE" u="sng" dirty="0">
+                <a:hlinkClick r:id="rId4"/>
+              </a:rPr>
+              <a:t>https://www.okchicas.com/tu/pareja-tu/detalles-chicos-obsequian-san-valentin-dime-que-regala-como-te-quiere/</a:t>
+            </a:r>
+            <a:endParaRPr lang="es-PE" u="sng" dirty="0"/>
+          </a:p>
+          <a:p>
+            <a:pPr marL="457200" lvl="1" indent="0">
+              <a:buNone/>
+            </a:pPr>
+            <a:r>
+              <a:rPr lang="es-PE" dirty="0"/>
+              <a:t>Como abrir una tienda de regalos: </a:t>
+            </a:r>
+            <a:r>
+              <a:rPr lang="es-PE" dirty="0">
+                <a:hlinkClick r:id="rId5"/>
+              </a:rPr>
+              <a:t>https://www.cuidatudinero.com/13062665/como-abrir-una-tienda-de-regalos</a:t>
+            </a:r>
+            <a:endParaRPr lang="es-PE" dirty="0"/>
+          </a:p>
+          <a:p>
+            <a:pPr marL="457200" lvl="1" indent="0">
+              <a:buNone/>
+            </a:pPr>
+            <a:r>
+              <a:rPr lang="es-PE" dirty="0">
+                <a:hlinkClick r:id="rId6"/>
+              </a:rPr>
+              <a:t>https://emprendedorestv.pe/sabes-como-iniciar-un-negocio-de-regalos/</a:t>
+            </a:r>
+            <a:endParaRPr lang="es-PE" u="sng" dirty="0"/>
+          </a:p>
+          <a:p>
+            <a:pPr marL="457200" lvl="1" indent="0">
+              <a:buNone/>
+            </a:pPr>
+            <a:endParaRPr lang="es-PE" dirty="0"/>
+          </a:p>
+          <a:p>
+            <a:pPr marL="457200" lvl="1" indent="0">
+              <a:buNone/>
+            </a:pPr>
+            <a:endParaRPr lang="es-PE" dirty="0"/>
+          </a:p>
+          <a:p>
+            <a:pPr marL="457200" lvl="1" indent="0">
+              <a:buNone/>
+            </a:pPr>
+            <a:endParaRPr lang="es-PE" dirty="0"/>
+          </a:p>
+          <a:p>
+            <a:pPr lvl="1">
+              <a:buFontTx/>
+              <a:buChar char="-"/>
+            </a:pPr>
+            <a:endParaRPr lang="es-PE" dirty="0"/>
+          </a:p>
+        </p:txBody>
+      </p:sp>
     </p:spTree>
     <p:extLst>
       <p:ext uri="{BB962C8B-B14F-4D97-AF65-F5344CB8AC3E}">
-        <p14:creationId xmlns:p14="http://schemas.microsoft.com/office/powerpoint/2010/main" val="699058592"/>
+        <p14:creationId xmlns:p14="http://schemas.microsoft.com/office/powerpoint/2010/main" val="1274134472"/>
       </p:ext>
     </p:extLst>
   </p:cSld>
@@ -4816,7 +8291,7 @@
       </p:grpSpPr>
       <p:sp>
         <p:nvSpPr>
-          <p:cNvPr id="4" name="Título 3"/>
+          <p:cNvPr id="2" name="Título 1"/>
           <p:cNvSpPr>
             <a:spLocks noGrp="1"/>
           </p:cNvSpPr>
@@ -4824,12 +8299,102 @@
             <p:ph type="title"/>
           </p:nvPr>
         </p:nvSpPr>
+        <p:spPr/>
+        <p:txBody>
+          <a:bodyPr/>
+          <a:lstStyle/>
+          <a:p>
+            <a:r>
+              <a:rPr lang="es-PE" dirty="0"/>
+              <a:t>Encuesta al público</a:t>
+            </a:r>
+          </a:p>
+        </p:txBody>
+      </p:sp>
+      <p:pic>
+        <p:nvPicPr>
+          <p:cNvPr id="4" name="Imagen 3"/>
+          <p:cNvPicPr>
+            <a:picLocks noChangeAspect="1"/>
+          </p:cNvPicPr>
+          <p:nvPr/>
+        </p:nvPicPr>
+        <p:blipFill>
+          <a:blip r:embed="rId2"/>
+          <a:stretch>
+            <a:fillRect/>
+          </a:stretch>
+        </p:blipFill>
         <p:spPr>
           <a:xfrm>
-            <a:off x="7302322" y="365125"/>
-            <a:ext cx="4051478" cy="5894007"/>
+            <a:off x="585056" y="1508018"/>
+            <a:ext cx="10240582" cy="4933950"/>
+          </a:xfrm>
+          <a:prstGeom prst="rect">
+            <a:avLst/>
+          </a:prstGeom>
+        </p:spPr>
+      </p:pic>
+    </p:spTree>
+    <p:extLst>
+      <p:ext uri="{BB962C8B-B14F-4D97-AF65-F5344CB8AC3E}">
+        <p14:creationId xmlns:p14="http://schemas.microsoft.com/office/powerpoint/2010/main" val="699058592"/>
+      </p:ext>
+    </p:extLst>
+  </p:cSld>
+  <p:clrMapOvr>
+    <a:masterClrMapping/>
+  </p:clrMapOvr>
+</p:sld>
+</file>
+
+<file path=ppt/slides/slide8.xml><?xml version="1.0" encoding="utf-8"?>
+<p:sld xmlns:a="http://schemas.openxmlformats.org/drawingml/2006/main" xmlns:r="http://schemas.openxmlformats.org/officeDocument/2006/relationships" xmlns:p="http://schemas.openxmlformats.org/presentationml/2006/main">
+  <p:cSld>
+    <p:spTree>
+      <p:nvGrpSpPr>
+        <p:cNvPr id="1" name=""/>
+        <p:cNvGrpSpPr/>
+        <p:nvPr/>
+      </p:nvGrpSpPr>
+      <p:grpSpPr>
+        <a:xfrm>
+          <a:off x="0" y="0"/>
+          <a:ext cx="0" cy="0"/>
+          <a:chOff x="0" y="0"/>
+          <a:chExt cx="0" cy="0"/>
+        </a:xfrm>
+      </p:grpSpPr>
+      <p:sp>
+        <p:nvSpPr>
+          <p:cNvPr id="4" name="Título 3"/>
+          <p:cNvSpPr>
+            <a:spLocks noGrp="1"/>
+          </p:cNvSpPr>
+          <p:nvPr>
+            <p:ph type="title"/>
+          </p:nvPr>
+        </p:nvSpPr>
+        <p:spPr>
+          <a:xfrm>
+            <a:off x="7100986" y="1476462"/>
+            <a:ext cx="4051478" cy="3633378"/>
           </a:xfrm>
         </p:spPr>
+        <p:style>
+          <a:lnRef idx="2">
+            <a:schemeClr val="accent3"/>
+          </a:lnRef>
+          <a:fillRef idx="1">
+            <a:schemeClr val="lt1"/>
+          </a:fillRef>
+          <a:effectRef idx="0">
+            <a:schemeClr val="accent3"/>
+          </a:effectRef>
+          <a:fontRef idx="minor">
+            <a:schemeClr val="dk1"/>
+          </a:fontRef>
+        </p:style>
         <p:txBody>
           <a:bodyPr>
             <a:normAutofit/>
@@ -4837,38 +8402,37 @@
           <a:lstStyle/>
           <a:p>
             <a:r>
-              <a:rPr lang="es-PE" sz="2800" dirty="0" smtClean="0"/>
+              <a:rPr lang="es-PE" sz="2800" dirty="0"/>
               <a:t>-14 personas entre 14 a 18 años</a:t>
             </a:r>
             <a:br>
-              <a:rPr lang="es-PE" sz="2800" dirty="0" smtClean="0"/>
+              <a:rPr lang="es-PE" sz="2800" dirty="0"/>
             </a:br>
             <a:r>
-              <a:rPr lang="es-PE" sz="2800" dirty="0" smtClean="0"/>
+              <a:rPr lang="es-PE" sz="2800" dirty="0"/>
               <a:t/>
             </a:r>
             <a:br>
-              <a:rPr lang="es-PE" sz="2800" dirty="0" smtClean="0"/>
+              <a:rPr lang="es-PE" sz="2800" dirty="0"/>
             </a:br>
             <a:r>
-              <a:rPr lang="es-PE" sz="2800" dirty="0" smtClean="0"/>
+              <a:rPr lang="es-PE" sz="2800" dirty="0"/>
               <a:t>- 26 personas entre 19 a 25 años.</a:t>
             </a:r>
             <a:br>
-              <a:rPr lang="es-PE" sz="2800" dirty="0" smtClean="0"/>
+              <a:rPr lang="es-PE" sz="2800" dirty="0"/>
             </a:br>
             <a:r>
-              <a:rPr lang="es-PE" sz="2800" dirty="0" smtClean="0"/>
+              <a:rPr lang="es-PE" sz="2800" dirty="0"/>
               <a:t/>
             </a:r>
             <a:br>
-              <a:rPr lang="es-PE" sz="2800" dirty="0" smtClean="0"/>
+              <a:rPr lang="es-PE" sz="2800" dirty="0"/>
             </a:br>
             <a:r>
-              <a:rPr lang="es-PE" sz="2800" dirty="0" smtClean="0"/>
+              <a:rPr lang="es-PE" sz="2800" dirty="0"/>
               <a:t>- 3 personas entre 25 a más años</a:t>
             </a:r>
-            <a:endParaRPr lang="es-PE" sz="2800" dirty="0"/>
           </a:p>
         </p:txBody>
       </p:sp>
@@ -4909,7 +8473,7 @@
 </p:sld>
 </file>
 
-<file path=ppt/slides/slide8.xml><?xml version="1.0" encoding="utf-8"?>
+<file path=ppt/slides/slide9.xml><?xml version="1.0" encoding="utf-8"?>
 <p:sld xmlns:a="http://schemas.openxmlformats.org/drawingml/2006/main" xmlns:r="http://schemas.openxmlformats.org/officeDocument/2006/relationships" xmlns:p="http://schemas.openxmlformats.org/presentationml/2006/main">
   <p:cSld>
     <p:spTree>
@@ -4938,75 +8502,65 @@
         </p:nvSpPr>
         <p:spPr>
           <a:xfrm>
-            <a:off x="6774288" y="721217"/>
-            <a:ext cx="4579512" cy="5499279"/>
+            <a:off x="6774288" y="1400932"/>
+            <a:ext cx="4579512" cy="4056136"/>
           </a:xfrm>
         </p:spPr>
+        <p:style>
+          <a:lnRef idx="2">
+            <a:schemeClr val="accent5"/>
+          </a:lnRef>
+          <a:fillRef idx="1">
+            <a:schemeClr val="lt1"/>
+          </a:fillRef>
+          <a:effectRef idx="0">
+            <a:schemeClr val="accent5"/>
+          </a:effectRef>
+          <a:fontRef idx="minor">
+            <a:schemeClr val="dk1"/>
+          </a:fontRef>
+        </p:style>
         <p:txBody>
           <a:bodyPr>
-            <a:normAutofit/>
+            <a:normAutofit fontScale="90000"/>
           </a:bodyPr>
           <a:lstStyle/>
           <a:p>
             <a:r>
-              <a:rPr lang="es-PE" sz="2700" dirty="0" smtClean="0"/>
+              <a:rPr lang="es-PE" sz="2700" dirty="0"/>
               <a:t>-7 personas marcaron que pagarían entre 1 a 30 soles</a:t>
-            </a:r>
-            <a:br>
-              <a:rPr lang="es-PE" sz="2700" dirty="0" smtClean="0"/>
-            </a:br>
-            <a:r>
-              <a:rPr lang="es-PE" sz="2700" dirty="0"/>
-              <a:t/>
             </a:r>
             <a:br>
               <a:rPr lang="es-PE" sz="2700" dirty="0"/>
             </a:br>
             <a:r>
-              <a:rPr lang="es-PE" sz="2700" dirty="0" smtClean="0"/>
-              <a:t>-21 </a:t>
-            </a:r>
-            <a:r>
               <a:rPr lang="es-PE" sz="2700" dirty="0"/>
-              <a:t>personas marcaron que pagarían entre </a:t>
-            </a:r>
-            <a:r>
-              <a:rPr lang="es-PE" sz="2700" dirty="0" smtClean="0"/>
-              <a:t>30 </a:t>
-            </a:r>
-            <a:r>
+              <a:t/>
+            </a:r>
+            <a:br>
               <a:rPr lang="es-PE" sz="2700" dirty="0"/>
-              <a:t>a </a:t>
-            </a:r>
-            <a:r>
-              <a:rPr lang="es-PE" sz="2700" dirty="0" smtClean="0"/>
-              <a:t>60 soles</a:t>
-            </a:r>
-            <a:r>
-              <a:rPr lang="es-PE" dirty="0" smtClean="0"/>
+            </a:br>
+            <a:r>
+              <a:rPr lang="es-PE" sz="2700" dirty="0"/>
+              <a:t>-21 personas marcaron que pagarían entre 30 a 60 soles</a:t>
+            </a:r>
+            <a:r>
+              <a:rPr lang="es-PE" dirty="0"/>
               <a:t/>
             </a:r>
             <a:br>
-              <a:rPr lang="es-PE" dirty="0" smtClean="0"/>
+              <a:rPr lang="es-PE" dirty="0"/>
             </a:br>
             <a:r>
-              <a:rPr lang="es-PE" dirty="0" smtClean="0"/>
+              <a:rPr lang="es-PE" dirty="0"/>
               <a:t/>
             </a:r>
             <a:br>
-              <a:rPr lang="es-PE" dirty="0" smtClean="0"/>
+              <a:rPr lang="es-PE" dirty="0"/>
             </a:br>
             <a:r>
-              <a:rPr lang="es-PE" sz="2700" dirty="0" smtClean="0"/>
-              <a:t>- 3 </a:t>
-            </a:r>
-            <a:r>
               <a:rPr lang="es-PE" sz="2700" dirty="0"/>
-              <a:t>personas marcaron que pagarían entre </a:t>
-            </a:r>
-            <a:r>
-              <a:rPr lang="es-PE" sz="2700" dirty="0" smtClean="0"/>
-              <a:t>60 soles a más</a:t>
+              <a:t>- 3 personas marcaron que pagarían entre 60 soles a más</a:t>
             </a:r>
             <a:r>
               <a:rPr lang="es-PE" dirty="0"/>
@@ -5056,94 +8610,10 @@
 </p:sld>
 </file>
 
-<file path=ppt/slides/slide9.xml><?xml version="1.0" encoding="utf-8"?>
-<p:sld xmlns:a="http://schemas.openxmlformats.org/drawingml/2006/main" xmlns:r="http://schemas.openxmlformats.org/officeDocument/2006/relationships" xmlns:p="http://schemas.openxmlformats.org/presentationml/2006/main">
-  <p:cSld>
-    <p:spTree>
-      <p:nvGrpSpPr>
-        <p:cNvPr id="1" name=""/>
-        <p:cNvGrpSpPr/>
-        <p:nvPr/>
-      </p:nvGrpSpPr>
-      <p:grpSpPr>
-        <a:xfrm>
-          <a:off x="0" y="0"/>
-          <a:ext cx="0" cy="0"/>
-          <a:chOff x="0" y="0"/>
-          <a:chExt cx="0" cy="0"/>
-        </a:xfrm>
-      </p:grpSpPr>
-      <p:sp>
-        <p:nvSpPr>
-          <p:cNvPr id="2" name="Título 1"/>
-          <p:cNvSpPr>
-            <a:spLocks noGrp="1"/>
-          </p:cNvSpPr>
-          <p:nvPr>
-            <p:ph type="title"/>
-          </p:nvPr>
-        </p:nvSpPr>
-        <p:spPr>
-          <a:xfrm>
-            <a:off x="7096258" y="365124"/>
-            <a:ext cx="4713669" cy="5962359"/>
-          </a:xfrm>
-        </p:spPr>
-        <p:txBody>
-          <a:bodyPr>
-            <a:normAutofit/>
-          </a:bodyPr>
-          <a:lstStyle/>
-          <a:p>
-            <a:r>
-              <a:rPr lang="es-PE" sz="2800" dirty="0" smtClean="0"/>
-              <a:t>Esta pregunta tiene como finalidad saber que gustos tienen las personas en hacer sus combinaciones y también para poder armar packs para poner a la venta.</a:t>
-            </a:r>
-            <a:endParaRPr lang="es-PE" sz="2800" dirty="0"/>
-          </a:p>
-        </p:txBody>
-      </p:sp>
-      <p:pic>
-        <p:nvPicPr>
-          <p:cNvPr id="3" name="Imagen 2"/>
-          <p:cNvPicPr>
-            <a:picLocks noChangeAspect="1"/>
-          </p:cNvPicPr>
-          <p:nvPr/>
-        </p:nvPicPr>
-        <p:blipFill>
-          <a:blip r:embed="rId2"/>
-          <a:stretch>
-            <a:fillRect/>
-          </a:stretch>
-        </p:blipFill>
-        <p:spPr>
-          <a:xfrm>
-            <a:off x="425004" y="695459"/>
-            <a:ext cx="6220496" cy="5632025"/>
-          </a:xfrm>
-          <a:prstGeom prst="rect">
-            <a:avLst/>
-          </a:prstGeom>
-        </p:spPr>
-      </p:pic>
-    </p:spTree>
-    <p:extLst>
-      <p:ext uri="{BB962C8B-B14F-4D97-AF65-F5344CB8AC3E}">
-        <p14:creationId xmlns:p14="http://schemas.microsoft.com/office/powerpoint/2010/main" val="3176110839"/>
-      </p:ext>
-    </p:extLst>
-  </p:cSld>
-  <p:clrMapOvr>
-    <a:masterClrMapping/>
-  </p:clrMapOvr>
-</p:sld>
-</file>
-
 <file path=ppt/theme/theme1.xml><?xml version="1.0" encoding="utf-8"?>
-<a:theme xmlns:a="http://schemas.openxmlformats.org/drawingml/2006/main" name="Tema de Office">
+<a:theme xmlns:a="http://schemas.openxmlformats.org/drawingml/2006/main" name="Facet">
   <a:themeElements>
-    <a:clrScheme name="Office">
+    <a:clrScheme name="Facet">
       <a:dk1>
         <a:sysClr val="windowText" lastClr="000000"/>
       </a:dk1>
@@ -5151,52 +8621,52 @@
         <a:sysClr val="window" lastClr="FFFFFF"/>
       </a:lt1>
       <a:dk2>
-        <a:srgbClr val="44546A"/>
+        <a:srgbClr val="2C3C43"/>
       </a:dk2>
       <a:lt2>
-        <a:srgbClr val="E7E6E6"/>
+        <a:srgbClr val="EBEBEB"/>
       </a:lt2>
       <a:accent1>
-        <a:srgbClr val="5B9BD5"/>
+        <a:srgbClr val="90C226"/>
       </a:accent1>
       <a:accent2>
-        <a:srgbClr val="ED7D31"/>
+        <a:srgbClr val="54A021"/>
       </a:accent2>
       <a:accent3>
-        <a:srgbClr val="A5A5A5"/>
+        <a:srgbClr val="E6B91E"/>
       </a:accent3>
       <a:accent4>
-        <a:srgbClr val="FFC000"/>
+        <a:srgbClr val="E76618"/>
       </a:accent4>
       <a:accent5>
-        <a:srgbClr val="4472C4"/>
+        <a:srgbClr val="C42F1A"/>
       </a:accent5>
       <a:accent6>
-        <a:srgbClr val="70AD47"/>
+        <a:srgbClr val="918655"/>
       </a:accent6>
       <a:hlink>
-        <a:srgbClr val="0563C1"/>
+        <a:srgbClr val="99CA3C"/>
       </a:hlink>
       <a:folHlink>
-        <a:srgbClr val="954F72"/>
+        <a:srgbClr val="B9D181"/>
       </a:folHlink>
     </a:clrScheme>
-    <a:fontScheme name="Office">
+    <a:fontScheme name="Facet">
       <a:majorFont>
-        <a:latin typeface="Calibri Light" panose="020F0302020204030204"/>
+        <a:latin typeface="Trebuchet MS" panose="020B0603020202020204"/>
         <a:ea typeface=""/>
         <a:cs typeface=""/>
-        <a:font script="Jpan" typeface="ＭＳ Ｐゴシック"/>
+        <a:font script="Jpan" typeface="メイリオ"/>
         <a:font script="Hang" typeface="맑은 고딕"/>
-        <a:font script="Hans" typeface="宋体"/>
-        <a:font script="Hant" typeface="新細明體"/>
-        <a:font script="Arab" typeface="Times New Roman"/>
-        <a:font script="Hebr" typeface="Times New Roman"/>
-        <a:font script="Thai" typeface="Angsana New"/>
+        <a:font script="Hans" typeface="方正姚体"/>
+        <a:font script="Hant" typeface="微軟正黑體"/>
+        <a:font script="Arab" typeface="Tahoma"/>
+        <a:font script="Hebr" typeface="Arial"/>
+        <a:font script="Thai" typeface="Cordia New"/>
         <a:font script="Ethi" typeface="Nyala"/>
         <a:font script="Beng" typeface="Vrinda"/>
         <a:font script="Gujr" typeface="Shruti"/>
-        <a:font script="Khmr" typeface="MoolBoran"/>
+        <a:font script="Khmr" typeface="DaunPenh"/>
         <a:font script="Knda" typeface="Tunga"/>
         <a:font script="Guru" typeface="Raavi"/>
         <a:font script="Cans" typeface="Euphemia"/>
@@ -5213,21 +8683,21 @@
         <a:font script="Laoo" typeface="DokChampa"/>
         <a:font script="Sinh" typeface="Iskoola Pota"/>
         <a:font script="Mong" typeface="Mongolian Baiti"/>
-        <a:font script="Viet" typeface="Times New Roman"/>
+        <a:font script="Viet" typeface="Tahoma"/>
         <a:font script="Uigh" typeface="Microsoft Uighur"/>
         <a:font script="Geor" typeface="Sylfaen"/>
       </a:majorFont>
       <a:minorFont>
-        <a:latin typeface="Calibri" panose="020F0502020204030204"/>
+        <a:latin typeface="Trebuchet MS" panose="020B0603020202020204"/>
         <a:ea typeface=""/>
         <a:cs typeface=""/>
-        <a:font script="Jpan" typeface="ＭＳ Ｐゴシック"/>
-        <a:font script="Hang" typeface="맑은 고딕"/>
-        <a:font script="Hans" typeface="宋体"/>
-        <a:font script="Hant" typeface="新細明體"/>
-        <a:font script="Arab" typeface="Arial"/>
-        <a:font script="Hebr" typeface="Arial"/>
-        <a:font script="Thai" typeface="Cordia New"/>
+        <a:font script="Jpan" typeface="メイリオ"/>
+        <a:font script="Hang" typeface="HY그래픽M"/>
+        <a:font script="Hans" typeface="华文新魏"/>
+        <a:font script="Hant" typeface="微軟正黑體"/>
+        <a:font script="Arab" typeface="Tahoma"/>
+        <a:font script="Hebr" typeface="Gisha"/>
+        <a:font script="Thai" typeface="IrisUPC"/>
         <a:font script="Ethi" typeface="Nyala"/>
         <a:font script="Beng" typeface="Vrinda"/>
         <a:font script="Gujr" typeface="Shruti"/>
@@ -5253,7 +8723,7 @@
         <a:font script="Geor" typeface="Sylfaen"/>
       </a:minorFont>
     </a:fontScheme>
-    <a:fmtScheme name="Office">
+    <a:fmtScheme name="Facet">
       <a:fillStyleLst>
         <a:solidFill>
           <a:schemeClr val="phClr"/>
@@ -5262,23 +8732,13 @@
           <a:gsLst>
             <a:gs pos="0">
               <a:schemeClr val="phClr">
+                <a:tint val="65000"/>
                 <a:lumMod val="110000"/>
-                <a:satMod val="105000"/>
-                <a:tint val="67000"/>
               </a:schemeClr>
             </a:gs>
-            <a:gs pos="50000">
+            <a:gs pos="88000">
               <a:schemeClr val="phClr">
-                <a:lumMod val="105000"/>
-                <a:satMod val="103000"/>
-                <a:tint val="73000"/>
-              </a:schemeClr>
-            </a:gs>
-            <a:gs pos="100000">
-              <a:schemeClr val="phClr">
-                <a:lumMod val="105000"/>
-                <a:satMod val="109000"/>
-                <a:tint val="81000"/>
+                <a:tint val="90000"/>
               </a:schemeClr>
             </a:gs>
           </a:gsLst>
@@ -5288,23 +8748,14 @@
           <a:gsLst>
             <a:gs pos="0">
               <a:schemeClr val="phClr">
-                <a:satMod val="103000"/>
-                <a:lumMod val="102000"/>
-                <a:tint val="94000"/>
+                <a:tint val="96000"/>
+                <a:lumMod val="100000"/>
               </a:schemeClr>
             </a:gs>
-            <a:gs pos="50000">
+            <a:gs pos="78000">
               <a:schemeClr val="phClr">
-                <a:satMod val="110000"/>
-                <a:lumMod val="100000"/>
-                <a:shade val="100000"/>
-              </a:schemeClr>
-            </a:gs>
-            <a:gs pos="100000">
-              <a:schemeClr val="phClr">
-                <a:lumMod val="99000"/>
-                <a:satMod val="120000"/>
-                <a:shade val="78000"/>
+                <a:shade val="94000"/>
+                <a:lumMod val="94000"/>
               </a:schemeClr>
             </a:gs>
           </a:gsLst>
@@ -5312,26 +8763,23 @@
         </a:gradFill>
       </a:fillStyleLst>
       <a:lnStyleLst>
-        <a:ln w="6350" cap="flat" cmpd="sng" algn="ctr">
+        <a:ln w="12700" cap="rnd" cmpd="sng" algn="ctr">
           <a:solidFill>
             <a:schemeClr val="phClr"/>
           </a:solidFill>
           <a:prstDash val="solid"/>
-          <a:miter lim="800000"/>
         </a:ln>
-        <a:ln w="12700" cap="flat" cmpd="sng" algn="ctr">
+        <a:ln w="19050" cap="rnd" cmpd="sng" algn="ctr">
           <a:solidFill>
             <a:schemeClr val="phClr"/>
           </a:solidFill>
           <a:prstDash val="solid"/>
-          <a:miter lim="800000"/>
         </a:ln>
-        <a:ln w="19050" cap="flat" cmpd="sng" algn="ctr">
+        <a:ln w="25400" cap="rnd" cmpd="sng" algn="ctr">
           <a:solidFill>
             <a:schemeClr val="phClr"/>
           </a:solidFill>
           <a:prstDash val="solid"/>
-          <a:miter lim="800000"/>
         </a:ln>
       </a:lnStyleLst>
       <a:effectStyleLst>
@@ -5339,54 +8787,72 @@
           <a:effectLst/>
         </a:effectStyle>
         <a:effectStyle>
-          <a:effectLst/>
+          <a:effectLst>
+            <a:outerShdw blurRad="38100" dist="25400" dir="5400000" rotWithShape="0">
+              <a:srgbClr val="000000">
+                <a:alpha val="35000"/>
+              </a:srgbClr>
+            </a:outerShdw>
+          </a:effectLst>
         </a:effectStyle>
         <a:effectStyle>
           <a:effectLst>
-            <a:outerShdw blurRad="57150" dist="19050" dir="5400000" algn="ctr" rotWithShape="0">
+            <a:outerShdw blurRad="50800" dist="38100" dir="5400000" rotWithShape="0">
               <a:srgbClr val="000000">
-                <a:alpha val="63000"/>
+                <a:alpha val="35000"/>
               </a:srgbClr>
             </a:outerShdw>
           </a:effectLst>
+          <a:scene3d>
+            <a:camera prst="orthographicFront">
+              <a:rot lat="0" lon="0" rev="0"/>
+            </a:camera>
+            <a:lightRig rig="threePt" dir="tl"/>
+          </a:scene3d>
+          <a:sp3d prstMaterial="plastic">
+            <a:bevelT w="0" h="0"/>
+          </a:sp3d>
         </a:effectStyle>
       </a:effectStyleLst>
       <a:bgFillStyleLst>
         <a:solidFill>
           <a:schemeClr val="phClr"/>
         </a:solidFill>
-        <a:solidFill>
-          <a:schemeClr val="phClr">
-            <a:tint val="95000"/>
-            <a:satMod val="170000"/>
-          </a:schemeClr>
-        </a:solidFill>
         <a:gradFill rotWithShape="1">
           <a:gsLst>
             <a:gs pos="0">
               <a:schemeClr val="phClr">
-                <a:tint val="93000"/>
-                <a:satMod val="150000"/>
-                <a:shade val="98000"/>
-                <a:lumMod val="102000"/>
+                <a:tint val="90000"/>
+                <a:lumMod val="104000"/>
               </a:schemeClr>
             </a:gs>
-            <a:gs pos="50000">
+            <a:gs pos="94000">
               <a:schemeClr val="phClr">
-                <a:tint val="98000"/>
-                <a:satMod val="130000"/>
-                <a:shade val="90000"/>
-                <a:lumMod val="103000"/>
+                <a:shade val="96000"/>
+                <a:lumMod val="82000"/>
+              </a:schemeClr>
+            </a:gs>
+          </a:gsLst>
+          <a:lin ang="5400000" scaled="0"/>
+        </a:gradFill>
+        <a:gradFill rotWithShape="1">
+          <a:gsLst>
+            <a:gs pos="0">
+              <a:schemeClr val="phClr">
+                <a:tint val="90000"/>
+                <a:lumMod val="110000"/>
               </a:schemeClr>
             </a:gs>
             <a:gs pos="100000">
               <a:schemeClr val="phClr">
-                <a:shade val="63000"/>
-                <a:satMod val="120000"/>
+                <a:shade val="94000"/>
+                <a:lumMod val="96000"/>
               </a:schemeClr>
             </a:gs>
           </a:gsLst>
-          <a:lin ang="5400000" scaled="0"/>
+          <a:path path="circle">
+            <a:fillToRect l="50000" t="50000" r="100000" b="100000"/>
+          </a:path>
         </a:gradFill>
       </a:bgFillStyleLst>
     </a:fmtScheme>
@@ -5395,7 +8861,7 @@
   <a:extraClrSchemeLst/>
   <a:extLst>
     <a:ext uri="{05A4C25C-085E-4340-85A3-A5531E510DB2}">
-      <thm15:themeFamily xmlns:thm15="http://schemas.microsoft.com/office/thememl/2012/main" name="Office Theme" id="{62F939B6-93AF-4DB8-9C6B-D6C7DFDC589F}" vid="{4A3C46E8-61CC-4603-A589-7422A47A8E4A}"/>
+      <thm15:themeFamily xmlns:thm15="http://schemas.microsoft.com/office/thememl/2012/main" name="Facet" id="{C0C680CD-088A-49FC-A102-D699147F32B2}" vid="{CFBC31BA-B70F-4F30-BCAA-4F3011E16C4D}"/>
     </a:ext>
   </a:extLst>
 </a:theme>

--- a/Proyecto fin de Curso (Grupal)/Etapa1_investigación.pptx
+++ b/Proyecto fin de Curso (Grupal)/Etapa1_investigación.pptx
@@ -852,7 +852,7 @@
           <a:p>
             <a:fld id="{E21449DE-EB7C-49DB-8693-159B0964EAB0}" type="datetimeFigureOut">
               <a:rPr lang="es-PE" smtClean="0"/>
-              <a:t>08/07/2020</a:t>
+              <a:t>05/08/2020</a:t>
             </a:fld>
             <a:endParaRPr lang="es-PE"/>
           </a:p>
@@ -1103,7 +1103,7 @@
           <a:p>
             <a:fld id="{E21449DE-EB7C-49DB-8693-159B0964EAB0}" type="datetimeFigureOut">
               <a:rPr lang="es-PE" smtClean="0"/>
-              <a:t>08/07/2020</a:t>
+              <a:t>05/08/2020</a:t>
             </a:fld>
             <a:endParaRPr lang="es-PE"/>
           </a:p>
@@ -1417,7 +1417,7 @@
           <a:p>
             <a:fld id="{E21449DE-EB7C-49DB-8693-159B0964EAB0}" type="datetimeFigureOut">
               <a:rPr lang="es-PE" smtClean="0"/>
-              <a:t>08/07/2020</a:t>
+              <a:t>05/08/2020</a:t>
             </a:fld>
             <a:endParaRPr lang="es-PE"/>
           </a:p>
@@ -1758,7 +1758,7 @@
           <a:p>
             <a:fld id="{E21449DE-EB7C-49DB-8693-159B0964EAB0}" type="datetimeFigureOut">
               <a:rPr lang="es-PE" smtClean="0"/>
-              <a:t>08/07/2020</a:t>
+              <a:t>05/08/2020</a:t>
             </a:fld>
             <a:endParaRPr lang="es-PE"/>
           </a:p>
@@ -2072,7 +2072,7 @@
           <a:p>
             <a:fld id="{E21449DE-EB7C-49DB-8693-159B0964EAB0}" type="datetimeFigureOut">
               <a:rPr lang="es-PE" smtClean="0"/>
-              <a:t>08/07/2020</a:t>
+              <a:t>05/08/2020</a:t>
             </a:fld>
             <a:endParaRPr lang="es-PE"/>
           </a:p>
@@ -2465,7 +2465,7 @@
           <a:p>
             <a:fld id="{E21449DE-EB7C-49DB-8693-159B0964EAB0}" type="datetimeFigureOut">
               <a:rPr lang="es-PE" smtClean="0"/>
-              <a:t>08/07/2020</a:t>
+              <a:t>05/08/2020</a:t>
             </a:fld>
             <a:endParaRPr lang="es-PE"/>
           </a:p>
@@ -2635,7 +2635,7 @@
           <a:p>
             <a:fld id="{E21449DE-EB7C-49DB-8693-159B0964EAB0}" type="datetimeFigureOut">
               <a:rPr lang="es-PE" smtClean="0"/>
-              <a:t>08/07/2020</a:t>
+              <a:t>05/08/2020</a:t>
             </a:fld>
             <a:endParaRPr lang="es-PE"/>
           </a:p>
@@ -2815,7 +2815,7 @@
           <a:p>
             <a:fld id="{E21449DE-EB7C-49DB-8693-159B0964EAB0}" type="datetimeFigureOut">
               <a:rPr lang="es-PE" smtClean="0"/>
-              <a:t>08/07/2020</a:t>
+              <a:t>05/08/2020</a:t>
             </a:fld>
             <a:endParaRPr lang="es-PE"/>
           </a:p>
@@ -2991,7 +2991,7 @@
           <a:p>
             <a:fld id="{E21449DE-EB7C-49DB-8693-159B0964EAB0}" type="datetimeFigureOut">
               <a:rPr lang="es-PE" smtClean="0"/>
-              <a:t>08/07/2020</a:t>
+              <a:t>05/08/2020</a:t>
             </a:fld>
             <a:endParaRPr lang="es-PE"/>
           </a:p>
@@ -3238,7 +3238,7 @@
           <a:p>
             <a:fld id="{E21449DE-EB7C-49DB-8693-159B0964EAB0}" type="datetimeFigureOut">
               <a:rPr lang="es-PE" smtClean="0"/>
-              <a:t>08/07/2020</a:t>
+              <a:t>05/08/2020</a:t>
             </a:fld>
             <a:endParaRPr lang="es-PE"/>
           </a:p>
@@ -3470,7 +3470,7 @@
           <a:p>
             <a:fld id="{E21449DE-EB7C-49DB-8693-159B0964EAB0}" type="datetimeFigureOut">
               <a:rPr lang="es-PE" smtClean="0"/>
-              <a:t>08/07/2020</a:t>
+              <a:t>05/08/2020</a:t>
             </a:fld>
             <a:endParaRPr lang="es-PE"/>
           </a:p>
@@ -3844,7 +3844,7 @@
           <a:p>
             <a:fld id="{E21449DE-EB7C-49DB-8693-159B0964EAB0}" type="datetimeFigureOut">
               <a:rPr lang="es-PE" smtClean="0"/>
-              <a:t>08/07/2020</a:t>
+              <a:t>05/08/2020</a:t>
             </a:fld>
             <a:endParaRPr lang="es-PE"/>
           </a:p>
@@ -3967,7 +3967,7 @@
           <a:p>
             <a:fld id="{E21449DE-EB7C-49DB-8693-159B0964EAB0}" type="datetimeFigureOut">
               <a:rPr lang="es-PE" smtClean="0"/>
-              <a:t>08/07/2020</a:t>
+              <a:t>05/08/2020</a:t>
             </a:fld>
             <a:endParaRPr lang="es-PE"/>
           </a:p>
@@ -4062,7 +4062,7 @@
           <a:p>
             <a:fld id="{E21449DE-EB7C-49DB-8693-159B0964EAB0}" type="datetimeFigureOut">
               <a:rPr lang="es-PE" smtClean="0"/>
-              <a:t>08/07/2020</a:t>
+              <a:t>05/08/2020</a:t>
             </a:fld>
             <a:endParaRPr lang="es-PE"/>
           </a:p>
@@ -4317,7 +4317,7 @@
           <a:p>
             <a:fld id="{E21449DE-EB7C-49DB-8693-159B0964EAB0}" type="datetimeFigureOut">
               <a:rPr lang="es-PE" smtClean="0"/>
-              <a:t>08/07/2020</a:t>
+              <a:t>05/08/2020</a:t>
             </a:fld>
             <a:endParaRPr lang="es-PE"/>
           </a:p>
@@ -4580,7 +4580,7 @@
           <a:p>
             <a:fld id="{E21449DE-EB7C-49DB-8693-159B0964EAB0}" type="datetimeFigureOut">
               <a:rPr lang="es-PE" smtClean="0"/>
-              <a:t>08/07/2020</a:t>
+              <a:t>05/08/2020</a:t>
             </a:fld>
             <a:endParaRPr lang="es-PE"/>
           </a:p>
@@ -5323,7 +5323,7 @@
           <a:p>
             <a:fld id="{E21449DE-EB7C-49DB-8693-159B0964EAB0}" type="datetimeFigureOut">
               <a:rPr lang="es-PE" smtClean="0"/>
-              <a:t>08/07/2020</a:t>
+              <a:t>05/08/2020</a:t>
             </a:fld>
             <a:endParaRPr lang="es-PE"/>
           </a:p>
@@ -5937,11 +5937,7 @@
             </a:r>
             <a:r>
               <a:rPr lang="es-MX" dirty="0"/>
-              <a:t>				</a:t>
-            </a:r>
-            <a:r>
-              <a:rPr lang="es-MX" dirty="0"/>
-              <a:t>	</a:t>
+              <a:t>					</a:t>
             </a:r>
             <a:r>
               <a:rPr lang="es-MX" dirty="0" smtClean="0"/>
@@ -5989,13 +5985,7 @@
       </p:sp>
       <p:pic>
         <p:nvPicPr>
-          <p:cNvPr id="5" name="Picture 4" descr="A close up of a logo&#10;&#10;Description automatically generated">
-            <a:extLst>
-              <a:ext uri="{FF2B5EF4-FFF2-40B4-BE49-F238E27FC236}">
-                <a16:creationId xmlns:a16="http://schemas.microsoft.com/office/drawing/2014/main" xmlns="" id="{0A177777-B97B-4EB5-B710-AF6F32C8BE5E}"/>
-              </a:ext>
-            </a:extLst>
-          </p:cNvPr>
+          <p:cNvPr id="4" name="Imagen 3"/>
           <p:cNvPicPr>
             <a:picLocks noChangeAspect="1"/>
           </p:cNvPicPr>
@@ -6015,8 +6005,8 @@
         </p:blipFill>
         <p:spPr>
           <a:xfrm>
-            <a:off x="1275139" y="1491997"/>
-            <a:ext cx="7860843" cy="2371665"/>
+            <a:off x="838200" y="1047750"/>
+            <a:ext cx="6747456" cy="3055913"/>
           </a:xfrm>
           <a:prstGeom prst="rect">
             <a:avLst/>
@@ -6848,7 +6838,7 @@
         </p:spPr>
         <p:txBody>
           <a:bodyPr>
-            <a:normAutofit lnSpcReduction="10000"/>
+            <a:normAutofit fontScale="92500" lnSpcReduction="10000"/>
           </a:bodyPr>
           <a:lstStyle/>
           <a:p>
@@ -6899,24 +6889,39 @@
             </a:pPr>
             <a:r>
               <a:rPr lang="es-PE" sz="2000" dirty="0"/>
-              <a:t>	- Registro de usuarios para recibir ofertas, para enterarse de </a:t>
+              <a:t>	- Registro de usuarios </a:t>
             </a:r>
             <a:r>
               <a:rPr lang="es-PE" sz="2000" dirty="0" smtClean="0"/>
-              <a:t>los nuevos 		</a:t>
-            </a:r>
+              <a:t>y ver su perfil</a:t>
+            </a:r>
+          </a:p>
+          <a:p>
+            <a:pPr marL="0" indent="0">
+              <a:buNone/>
+            </a:pPr>
             <a:r>
               <a:rPr lang="es-PE" sz="2000" dirty="0"/>
               <a:t>	</a:t>
             </a:r>
             <a:r>
               <a:rPr lang="es-PE" sz="2000" dirty="0" smtClean="0"/>
-              <a:t>  productos </a:t>
-            </a:r>
+              <a:t>- Box para que pueda elegir si recibir notificaciones de los nuevos productos</a:t>
+            </a:r>
+          </a:p>
+          <a:p>
+            <a:pPr marL="0" indent="0">
+              <a:buNone/>
+            </a:pPr>
             <a:r>
               <a:rPr lang="es-PE" sz="2000" dirty="0"/>
-              <a:t>y también para ver el estado de su compra.</a:t>
-            </a:r>
+              <a:t>	</a:t>
+            </a:r>
+            <a:r>
+              <a:rPr lang="es-PE" sz="2000" dirty="0" smtClean="0"/>
+              <a:t>y ofertas. </a:t>
+            </a:r>
+            <a:endParaRPr lang="es-PE" sz="2000" dirty="0"/>
           </a:p>
           <a:p>
             <a:pPr marL="0" indent="0">
@@ -6973,8 +6978,13 @@
             </a:pPr>
             <a:r>
               <a:rPr lang="es-PE" sz="2000" dirty="0"/>
-              <a:t>	-Descuentos mensuales en algunos productos y sorteos.</a:t>
-            </a:r>
+              <a:t>	-Descuentos mensuales en algunos productos y </a:t>
+            </a:r>
+            <a:r>
+              <a:rPr lang="es-PE" sz="2000" dirty="0" smtClean="0"/>
+              <a:t>ofertas.</a:t>
+            </a:r>
+            <a:endParaRPr lang="es-PE" sz="2000" dirty="0"/>
           </a:p>
         </p:txBody>
       </p:sp>
